--- a/Lesson2/BasicRobotComponents.pptx
+++ b/Lesson2/BasicRobotComponents.pptx
@@ -5,7 +5,7 @@
     <p:sldMasterId id="2147483648" r:id="rId1"/>
   </p:sldMasterIdLst>
   <p:notesMasterIdLst>
-    <p:notesMasterId r:id="rId27"/>
+    <p:notesMasterId r:id="rId25"/>
   </p:notesMasterIdLst>
   <p:sldIdLst>
     <p:sldId id="266" r:id="rId2"/>
@@ -30,9 +30,7 @@
     <p:sldId id="287" r:id="rId21"/>
     <p:sldId id="297" r:id="rId22"/>
     <p:sldId id="288" r:id="rId23"/>
-    <p:sldId id="275" r:id="rId24"/>
-    <p:sldId id="277" r:id="rId25"/>
-    <p:sldId id="278" r:id="rId26"/>
+    <p:sldId id="299" r:id="rId24"/>
   </p:sldIdLst>
   <p:sldSz cx="12192000" cy="6858000"/>
   <p:notesSz cx="6858000" cy="9144000"/>
@@ -21678,12 +21676,557 @@
             <p:ph idx="1"/>
           </p:nvPr>
         </p:nvSpPr>
-        <p:spPr/>
+        <p:spPr>
+          <a:xfrm>
+            <a:off x="601362" y="2277762"/>
+            <a:ext cx="10964562" cy="4526692"/>
+          </a:xfrm>
+        </p:spPr>
         <p:txBody>
-          <a:bodyPr/>
+          <a:bodyPr>
+            <a:normAutofit fontScale="92500" lnSpcReduction="20000"/>
+          </a:bodyPr>
           <a:lstStyle/>
           <a:p>
-            <a:endParaRPr lang="en-US"/>
+            <a:r>
+              <a:rPr lang="en-US" dirty="0"/>
+              <a:t>Pneumatics are devices actuated by air. They have a piston that extends and retracts when compressed air is pumped into one side or the other side of the cylinder.</a:t>
+            </a:r>
+          </a:p>
+          <a:p>
+            <a:r>
+              <a:rPr lang="en-US" dirty="0"/>
+              <a:t>Two types of pneumatics cylinders: one valve or two valves. 2-valve allows air to pump into one side or the other side to extend or retract. 1-valve allows air to pump into the cylinder to extend. Retraction is by spring.</a:t>
+            </a:r>
+          </a:p>
+          <a:p>
+            <a:r>
+              <a:rPr lang="en-US" dirty="0"/>
+              <a:t>Components of a pneumatic system: compressor, air tanks, pressure regulators, pressure sensor switch and valves. Compressor turns on to fill air tanks up to the maximum pressure of 120 psi which trips the pressure sensor switch to stop the compressor. Pneumatic Control Hub (PCH) is a CAN bus device that receives commands from </a:t>
+            </a:r>
+            <a:r>
+              <a:rPr lang="en-US" dirty="0" err="1"/>
+              <a:t>RoboRIO</a:t>
+            </a:r>
+            <a:r>
+              <a:rPr lang="en-US" dirty="0"/>
+              <a:t> to turn valves ON or OFF. PCH supports 16 channels. 2-valve pneumatic cylinder requires 2 channels (extend and retract).</a:t>
+            </a:r>
+          </a:p>
+          <a:p>
+            <a:r>
+              <a:rPr lang="en-US" dirty="0"/>
+              <a:t>Constructors:</a:t>
+            </a:r>
+            <a:br>
+              <a:rPr lang="en-US" dirty="0"/>
+            </a:br>
+            <a:r>
+              <a:rPr lang="en-US" b="0" dirty="0" err="1">
+                <a:solidFill>
+                  <a:srgbClr val="DCDCAA"/>
+                </a:solidFill>
+                <a:effectLst/>
+                <a:latin typeface="Consolas" panose="020B0609020204030204" pitchFamily="49" charset="0"/>
+              </a:rPr>
+              <a:t>FrcPneumatic</a:t>
+            </a:r>
+            <a:r>
+              <a:rPr lang="en-US" b="0" dirty="0">
+                <a:solidFill>
+                  <a:srgbClr val="D4D4D4"/>
+                </a:solidFill>
+                <a:effectLst/>
+                <a:latin typeface="Consolas" panose="020B0609020204030204" pitchFamily="49" charset="0"/>
+              </a:rPr>
+              <a:t>(</a:t>
+            </a:r>
+            <a:r>
+              <a:rPr lang="en-US" b="0" dirty="0">
+                <a:solidFill>
+                  <a:srgbClr val="4EC9B0"/>
+                </a:solidFill>
+                <a:effectLst/>
+                <a:latin typeface="Consolas" panose="020B0609020204030204" pitchFamily="49" charset="0"/>
+              </a:rPr>
+              <a:t>String</a:t>
+            </a:r>
+            <a:r>
+              <a:rPr lang="en-US" b="0" dirty="0">
+                <a:solidFill>
+                  <a:srgbClr val="D4D4D4"/>
+                </a:solidFill>
+                <a:effectLst/>
+                <a:latin typeface="Consolas" panose="020B0609020204030204" pitchFamily="49" charset="0"/>
+              </a:rPr>
+              <a:t> </a:t>
+            </a:r>
+            <a:r>
+              <a:rPr lang="en-US" b="0" dirty="0" err="1">
+                <a:solidFill>
+                  <a:srgbClr val="9CDCFE"/>
+                </a:solidFill>
+                <a:effectLst/>
+                <a:latin typeface="Consolas" panose="020B0609020204030204" pitchFamily="49" charset="0"/>
+              </a:rPr>
+              <a:t>instanceName</a:t>
+            </a:r>
+            <a:r>
+              <a:rPr lang="en-US" b="0" dirty="0">
+                <a:solidFill>
+                  <a:srgbClr val="D4D4D4"/>
+                </a:solidFill>
+                <a:effectLst/>
+                <a:latin typeface="Consolas" panose="020B0609020204030204" pitchFamily="49" charset="0"/>
+              </a:rPr>
+              <a:t>, </a:t>
+            </a:r>
+            <a:r>
+              <a:rPr lang="en-US" b="0" dirty="0">
+                <a:solidFill>
+                  <a:srgbClr val="4EC9B0"/>
+                </a:solidFill>
+                <a:effectLst/>
+                <a:latin typeface="Consolas" panose="020B0609020204030204" pitchFamily="49" charset="0"/>
+              </a:rPr>
+              <a:t>int</a:t>
+            </a:r>
+            <a:r>
+              <a:rPr lang="en-US" b="0" dirty="0">
+                <a:solidFill>
+                  <a:srgbClr val="D4D4D4"/>
+                </a:solidFill>
+                <a:effectLst/>
+                <a:latin typeface="Consolas" panose="020B0609020204030204" pitchFamily="49" charset="0"/>
+              </a:rPr>
+              <a:t> </a:t>
+            </a:r>
+            <a:r>
+              <a:rPr lang="en-US" dirty="0" err="1">
+                <a:solidFill>
+                  <a:srgbClr val="9CDCFE"/>
+                </a:solidFill>
+                <a:latin typeface="Consolas" panose="020B0609020204030204" pitchFamily="49" charset="0"/>
+              </a:rPr>
+              <a:t>pchCANId</a:t>
+            </a:r>
+            <a:r>
+              <a:rPr lang="en-US" b="0" dirty="0">
+                <a:solidFill>
+                  <a:srgbClr val="D4D4D4"/>
+                </a:solidFill>
+                <a:effectLst/>
+                <a:latin typeface="Consolas" panose="020B0609020204030204" pitchFamily="49" charset="0"/>
+              </a:rPr>
+              <a:t>, </a:t>
+            </a:r>
+            <a:r>
+              <a:rPr lang="en-US" b="0" dirty="0" err="1">
+                <a:solidFill>
+                  <a:srgbClr val="4EC9B0"/>
+                </a:solidFill>
+                <a:effectLst/>
+                <a:latin typeface="Consolas" panose="020B0609020204030204" pitchFamily="49" charset="0"/>
+              </a:rPr>
+              <a:t>PneumaticsModuleType</a:t>
+            </a:r>
+            <a:r>
+              <a:rPr lang="en-US" b="0" dirty="0">
+                <a:solidFill>
+                  <a:srgbClr val="D4D4D4"/>
+                </a:solidFill>
+                <a:effectLst/>
+                <a:latin typeface="Consolas" panose="020B0609020204030204" pitchFamily="49" charset="0"/>
+              </a:rPr>
+              <a:t> </a:t>
+            </a:r>
+            <a:r>
+              <a:rPr lang="en-US" b="0" dirty="0" err="1">
+                <a:solidFill>
+                  <a:srgbClr val="9CDCFE"/>
+                </a:solidFill>
+                <a:effectLst/>
+                <a:latin typeface="Consolas" panose="020B0609020204030204" pitchFamily="49" charset="0"/>
+              </a:rPr>
+              <a:t>moduleType</a:t>
+            </a:r>
+            <a:r>
+              <a:rPr lang="en-US" b="0" dirty="0">
+                <a:solidFill>
+                  <a:srgbClr val="D4D4D4"/>
+                </a:solidFill>
+                <a:effectLst/>
+                <a:latin typeface="Consolas" panose="020B0609020204030204" pitchFamily="49" charset="0"/>
+              </a:rPr>
+              <a:t>, </a:t>
+            </a:r>
+            <a:r>
+              <a:rPr lang="en-US" b="0" dirty="0">
+                <a:solidFill>
+                  <a:srgbClr val="4EC9B0"/>
+                </a:solidFill>
+                <a:effectLst/>
+                <a:latin typeface="Consolas" panose="020B0609020204030204" pitchFamily="49" charset="0"/>
+              </a:rPr>
+              <a:t>int</a:t>
+            </a:r>
+            <a:r>
+              <a:rPr lang="en-US" b="0" dirty="0">
+                <a:solidFill>
+                  <a:srgbClr val="D4D4D4"/>
+                </a:solidFill>
+                <a:effectLst/>
+                <a:latin typeface="Consolas" panose="020B0609020204030204" pitchFamily="49" charset="0"/>
+              </a:rPr>
+              <a:t> </a:t>
+            </a:r>
+            <a:r>
+              <a:rPr lang="en-US" b="0" dirty="0">
+                <a:solidFill>
+                  <a:srgbClr val="9CDCFE"/>
+                </a:solidFill>
+                <a:effectLst/>
+                <a:latin typeface="Consolas" panose="020B0609020204030204" pitchFamily="49" charset="0"/>
+              </a:rPr>
+              <a:t>channel</a:t>
+            </a:r>
+            <a:r>
+              <a:rPr lang="en-US" b="0" dirty="0">
+                <a:solidFill>
+                  <a:srgbClr val="D4D4D4"/>
+                </a:solidFill>
+                <a:effectLst/>
+                <a:latin typeface="Consolas" panose="020B0609020204030204" pitchFamily="49" charset="0"/>
+              </a:rPr>
+              <a:t>)					//for 1-valve</a:t>
+            </a:r>
+            <a:br>
+              <a:rPr lang="en-US" b="0" dirty="0">
+                <a:solidFill>
+                  <a:srgbClr val="D4D4D4"/>
+                </a:solidFill>
+                <a:effectLst/>
+                <a:latin typeface="Consolas" panose="020B0609020204030204" pitchFamily="49" charset="0"/>
+              </a:rPr>
+            </a:br>
+            <a:r>
+              <a:rPr lang="en-US" b="0" dirty="0" err="1">
+                <a:solidFill>
+                  <a:srgbClr val="DCDCAA"/>
+                </a:solidFill>
+                <a:effectLst/>
+                <a:latin typeface="Consolas" panose="020B0609020204030204" pitchFamily="49" charset="0"/>
+              </a:rPr>
+              <a:t>FrcPneumatic</a:t>
+            </a:r>
+            <a:r>
+              <a:rPr lang="en-US" b="0" dirty="0">
+                <a:solidFill>
+                  <a:srgbClr val="D4D4D4"/>
+                </a:solidFill>
+                <a:effectLst/>
+                <a:latin typeface="Consolas" panose="020B0609020204030204" pitchFamily="49" charset="0"/>
+              </a:rPr>
+              <a:t>(</a:t>
+            </a:r>
+            <a:r>
+              <a:rPr lang="en-US" b="0" dirty="0">
+                <a:solidFill>
+                  <a:srgbClr val="4EC9B0"/>
+                </a:solidFill>
+                <a:effectLst/>
+                <a:latin typeface="Consolas" panose="020B0609020204030204" pitchFamily="49" charset="0"/>
+              </a:rPr>
+              <a:t>String</a:t>
+            </a:r>
+            <a:r>
+              <a:rPr lang="en-US" b="0" dirty="0">
+                <a:solidFill>
+                  <a:srgbClr val="D4D4D4"/>
+                </a:solidFill>
+                <a:effectLst/>
+                <a:latin typeface="Consolas" panose="020B0609020204030204" pitchFamily="49" charset="0"/>
+              </a:rPr>
+              <a:t> </a:t>
+            </a:r>
+            <a:r>
+              <a:rPr lang="en-US" b="0" dirty="0" err="1">
+                <a:solidFill>
+                  <a:srgbClr val="9CDCFE"/>
+                </a:solidFill>
+                <a:effectLst/>
+                <a:latin typeface="Consolas" panose="020B0609020204030204" pitchFamily="49" charset="0"/>
+              </a:rPr>
+              <a:t>instanceName</a:t>
+            </a:r>
+            <a:r>
+              <a:rPr lang="en-US" b="0" dirty="0">
+                <a:solidFill>
+                  <a:srgbClr val="D4D4D4"/>
+                </a:solidFill>
+                <a:effectLst/>
+                <a:latin typeface="Consolas" panose="020B0609020204030204" pitchFamily="49" charset="0"/>
+              </a:rPr>
+              <a:t>, </a:t>
+            </a:r>
+            <a:r>
+              <a:rPr lang="en-US" b="0" dirty="0">
+                <a:solidFill>
+                  <a:srgbClr val="4EC9B0"/>
+                </a:solidFill>
+                <a:effectLst/>
+                <a:latin typeface="Consolas" panose="020B0609020204030204" pitchFamily="49" charset="0"/>
+              </a:rPr>
+              <a:t>int</a:t>
+            </a:r>
+            <a:r>
+              <a:rPr lang="en-US" b="0" dirty="0">
+                <a:solidFill>
+                  <a:srgbClr val="D4D4D4"/>
+                </a:solidFill>
+                <a:effectLst/>
+                <a:latin typeface="Consolas" panose="020B0609020204030204" pitchFamily="49" charset="0"/>
+              </a:rPr>
+              <a:t> </a:t>
+            </a:r>
+            <a:r>
+              <a:rPr lang="en-US" b="0" dirty="0" err="1">
+                <a:solidFill>
+                  <a:srgbClr val="9CDCFE"/>
+                </a:solidFill>
+                <a:effectLst/>
+                <a:latin typeface="Consolas" panose="020B0609020204030204" pitchFamily="49" charset="0"/>
+              </a:rPr>
+              <a:t>pchCANId</a:t>
+            </a:r>
+            <a:r>
+              <a:rPr lang="en-US" b="0" dirty="0">
+                <a:solidFill>
+                  <a:srgbClr val="D4D4D4"/>
+                </a:solidFill>
+                <a:effectLst/>
+                <a:latin typeface="Consolas" panose="020B0609020204030204" pitchFamily="49" charset="0"/>
+              </a:rPr>
+              <a:t>, </a:t>
+            </a:r>
+            <a:r>
+              <a:rPr lang="en-US" b="0" dirty="0" err="1">
+                <a:solidFill>
+                  <a:srgbClr val="4EC9B0"/>
+                </a:solidFill>
+                <a:effectLst/>
+                <a:latin typeface="Consolas" panose="020B0609020204030204" pitchFamily="49" charset="0"/>
+              </a:rPr>
+              <a:t>PneumaticsModuleType</a:t>
+            </a:r>
+            <a:r>
+              <a:rPr lang="en-US" b="0" dirty="0">
+                <a:solidFill>
+                  <a:srgbClr val="D4D4D4"/>
+                </a:solidFill>
+                <a:effectLst/>
+                <a:latin typeface="Consolas" panose="020B0609020204030204" pitchFamily="49" charset="0"/>
+              </a:rPr>
+              <a:t> </a:t>
+            </a:r>
+            <a:r>
+              <a:rPr lang="en-US" b="0" dirty="0" err="1">
+                <a:solidFill>
+                  <a:srgbClr val="9CDCFE"/>
+                </a:solidFill>
+                <a:effectLst/>
+                <a:latin typeface="Consolas" panose="020B0609020204030204" pitchFamily="49" charset="0"/>
+              </a:rPr>
+              <a:t>moduleType</a:t>
+            </a:r>
+            <a:r>
+              <a:rPr lang="en-US" b="0" dirty="0">
+                <a:solidFill>
+                  <a:srgbClr val="D4D4D4"/>
+                </a:solidFill>
+                <a:effectLst/>
+                <a:latin typeface="Consolas" panose="020B0609020204030204" pitchFamily="49" charset="0"/>
+              </a:rPr>
+              <a:t>, </a:t>
+            </a:r>
+            <a:r>
+              <a:rPr lang="en-US" b="0" dirty="0">
+                <a:solidFill>
+                  <a:srgbClr val="4EC9B0"/>
+                </a:solidFill>
+                <a:effectLst/>
+                <a:latin typeface="Consolas" panose="020B0609020204030204" pitchFamily="49" charset="0"/>
+              </a:rPr>
+              <a:t>int</a:t>
+            </a:r>
+            <a:r>
+              <a:rPr lang="en-US" b="0" dirty="0">
+                <a:solidFill>
+                  <a:srgbClr val="D4D4D4"/>
+                </a:solidFill>
+                <a:effectLst/>
+                <a:latin typeface="Consolas" panose="020B0609020204030204" pitchFamily="49" charset="0"/>
+              </a:rPr>
+              <a:t> </a:t>
+            </a:r>
+            <a:r>
+              <a:rPr lang="en-US" b="0" dirty="0">
+                <a:solidFill>
+                  <a:srgbClr val="9CDCFE"/>
+                </a:solidFill>
+                <a:effectLst/>
+                <a:latin typeface="Consolas" panose="020B0609020204030204" pitchFamily="49" charset="0"/>
+              </a:rPr>
+              <a:t>channel1</a:t>
+            </a:r>
+            <a:r>
+              <a:rPr lang="en-US" b="0" dirty="0">
+                <a:solidFill>
+                  <a:srgbClr val="D4D4D4"/>
+                </a:solidFill>
+                <a:effectLst/>
+                <a:latin typeface="Consolas" panose="020B0609020204030204" pitchFamily="49" charset="0"/>
+              </a:rPr>
+              <a:t>, </a:t>
+            </a:r>
+            <a:r>
+              <a:rPr lang="en-US" b="0" dirty="0">
+                <a:solidFill>
+                  <a:srgbClr val="4EC9B0"/>
+                </a:solidFill>
+                <a:effectLst/>
+                <a:latin typeface="Consolas" panose="020B0609020204030204" pitchFamily="49" charset="0"/>
+              </a:rPr>
+              <a:t>int</a:t>
+            </a:r>
+            <a:r>
+              <a:rPr lang="en-US" b="0" dirty="0">
+                <a:solidFill>
+                  <a:srgbClr val="D4D4D4"/>
+                </a:solidFill>
+                <a:effectLst/>
+                <a:latin typeface="Consolas" panose="020B0609020204030204" pitchFamily="49" charset="0"/>
+              </a:rPr>
+              <a:t> </a:t>
+            </a:r>
+            <a:r>
+              <a:rPr lang="en-US" b="0" dirty="0">
+                <a:solidFill>
+                  <a:srgbClr val="9CDCFE"/>
+                </a:solidFill>
+                <a:effectLst/>
+                <a:latin typeface="Consolas" panose="020B0609020204030204" pitchFamily="49" charset="0"/>
+              </a:rPr>
+              <a:t>channel2</a:t>
+            </a:r>
+            <a:r>
+              <a:rPr lang="en-US" b="0" dirty="0">
+                <a:solidFill>
+                  <a:srgbClr val="D4D4D4"/>
+                </a:solidFill>
+                <a:effectLst/>
+                <a:latin typeface="Consolas" panose="020B0609020204030204" pitchFamily="49" charset="0"/>
+              </a:rPr>
+              <a:t>)	//for 2-valve</a:t>
+            </a:r>
+          </a:p>
+          <a:p>
+            <a:r>
+              <a:rPr lang="en-US" dirty="0"/>
+              <a:t>Popular Methods:</a:t>
+            </a:r>
+            <a:br>
+              <a:rPr lang="en-US" dirty="0"/>
+            </a:br>
+            <a:r>
+              <a:rPr lang="en-US" b="0" dirty="0">
+                <a:solidFill>
+                  <a:srgbClr val="4EC9B0"/>
+                </a:solidFill>
+                <a:effectLst/>
+                <a:latin typeface="Consolas" panose="020B0609020204030204" pitchFamily="49" charset="0"/>
+              </a:rPr>
+              <a:t>void</a:t>
+            </a:r>
+            <a:r>
+              <a:rPr lang="en-US" b="0" dirty="0">
+                <a:solidFill>
+                  <a:srgbClr val="D4D4D4"/>
+                </a:solidFill>
+                <a:effectLst/>
+                <a:latin typeface="Consolas" panose="020B0609020204030204" pitchFamily="49" charset="0"/>
+              </a:rPr>
+              <a:t> </a:t>
+            </a:r>
+            <a:r>
+              <a:rPr lang="en-US" b="0" dirty="0">
+                <a:solidFill>
+                  <a:srgbClr val="DCDCAA"/>
+                </a:solidFill>
+                <a:effectLst/>
+                <a:latin typeface="Consolas" panose="020B0609020204030204" pitchFamily="49" charset="0"/>
+              </a:rPr>
+              <a:t>extend</a:t>
+            </a:r>
+            <a:r>
+              <a:rPr lang="en-US" b="0" dirty="0">
+                <a:solidFill>
+                  <a:srgbClr val="D4D4D4"/>
+                </a:solidFill>
+                <a:effectLst/>
+                <a:latin typeface="Consolas" panose="020B0609020204030204" pitchFamily="49" charset="0"/>
+              </a:rPr>
+              <a:t>()</a:t>
+            </a:r>
+            <a:br>
+              <a:rPr lang="en-US" b="0" dirty="0">
+                <a:solidFill>
+                  <a:srgbClr val="D4D4D4"/>
+                </a:solidFill>
+                <a:effectLst/>
+                <a:latin typeface="Consolas" panose="020B0609020204030204" pitchFamily="49" charset="0"/>
+              </a:rPr>
+            </a:br>
+            <a:r>
+              <a:rPr lang="en-US" b="0" dirty="0">
+                <a:solidFill>
+                  <a:srgbClr val="4EC9B0"/>
+                </a:solidFill>
+                <a:effectLst/>
+                <a:latin typeface="Consolas" panose="020B0609020204030204" pitchFamily="49" charset="0"/>
+              </a:rPr>
+              <a:t>void</a:t>
+            </a:r>
+            <a:r>
+              <a:rPr lang="en-US" b="0" dirty="0">
+                <a:solidFill>
+                  <a:srgbClr val="D4D4D4"/>
+                </a:solidFill>
+                <a:effectLst/>
+                <a:latin typeface="Consolas" panose="020B0609020204030204" pitchFamily="49" charset="0"/>
+              </a:rPr>
+              <a:t> </a:t>
+            </a:r>
+            <a:r>
+              <a:rPr lang="en-US" b="0" dirty="0">
+                <a:solidFill>
+                  <a:srgbClr val="DCDCAA"/>
+                </a:solidFill>
+                <a:effectLst/>
+                <a:latin typeface="Consolas" panose="020B0609020204030204" pitchFamily="49" charset="0"/>
+              </a:rPr>
+              <a:t>retract</a:t>
+            </a:r>
+            <a:r>
+              <a:rPr lang="en-US" b="0" dirty="0">
+                <a:solidFill>
+                  <a:srgbClr val="D4D4D4"/>
+                </a:solidFill>
+                <a:effectLst/>
+                <a:latin typeface="Consolas" panose="020B0609020204030204" pitchFamily="49" charset="0"/>
+              </a:rPr>
+              <a:t>()</a:t>
+            </a:r>
           </a:p>
         </p:txBody>
       </p:sp>
@@ -21722,7 +22265,7 @@
           <p:cNvPr id="2" name="Title 1">
             <a:extLst>
               <a:ext uri="{FF2B5EF4-FFF2-40B4-BE49-F238E27FC236}">
-                <a16:creationId xmlns:a16="http://schemas.microsoft.com/office/drawing/2014/main" id="{6821F6F6-EB8D-4718-9D8C-C82ED13E79EF}"/>
+                <a16:creationId xmlns:a16="http://schemas.microsoft.com/office/drawing/2014/main" id="{871A9152-653E-E3BA-4D18-5977A8EDDDFB}"/>
               </a:ext>
             </a:extLst>
           </p:cNvPr>
@@ -21733,19 +22276,14 @@
             <p:ph type="title"/>
           </p:nvPr>
         </p:nvSpPr>
-        <p:spPr>
-          <a:xfrm>
-            <a:off x="1154954" y="973668"/>
-            <a:ext cx="9205450" cy="706964"/>
-          </a:xfrm>
-        </p:spPr>
+        <p:spPr/>
         <p:txBody>
           <a:bodyPr/>
           <a:lstStyle/>
           <a:p>
             <a:r>
               <a:rPr lang="en-US" dirty="0"/>
-              <a:t>Control a Motor with Analog Joystick</a:t>
+              <a:t>Exercise: Pneumatics</a:t>
             </a:r>
           </a:p>
         </p:txBody>
@@ -21755,304 +22293,7 @@
           <p:cNvPr id="3" name="Content Placeholder 2">
             <a:extLst>
               <a:ext uri="{FF2B5EF4-FFF2-40B4-BE49-F238E27FC236}">
-                <a16:creationId xmlns:a16="http://schemas.microsoft.com/office/drawing/2014/main" id="{DD531655-60D2-408C-B630-ACF259CB14AF}"/>
-              </a:ext>
-            </a:extLst>
-          </p:cNvPr>
-          <p:cNvSpPr>
-            <a:spLocks noGrp="1"/>
-          </p:cNvSpPr>
-          <p:nvPr>
-            <p:ph idx="1"/>
-          </p:nvPr>
-        </p:nvSpPr>
-        <p:spPr>
-          <a:xfrm>
-            <a:off x="621957" y="2594919"/>
-            <a:ext cx="10968681" cy="3424881"/>
-          </a:xfrm>
-        </p:spPr>
-        <p:txBody>
-          <a:bodyPr/>
-          <a:lstStyle/>
-          <a:p>
-            <a:r>
-              <a:rPr lang="en-US" dirty="0"/>
-              <a:t>In Robot.java (</a:t>
-            </a:r>
-            <a:r>
-              <a:rPr lang="en-US" dirty="0" err="1"/>
-              <a:t>robotInit</a:t>
-            </a:r>
-            <a:r>
-              <a:rPr lang="en-US" dirty="0"/>
-              <a:t> method), create and configure a game controller.</a:t>
-            </a:r>
-          </a:p>
-          <a:p>
-            <a:r>
-              <a:rPr lang="en-US" dirty="0"/>
-              <a:t>In Robot.java (</a:t>
-            </a:r>
-            <a:r>
-              <a:rPr lang="en-US" dirty="0" err="1"/>
-              <a:t>robotInit</a:t>
-            </a:r>
-            <a:r>
-              <a:rPr lang="en-US" dirty="0"/>
-              <a:t> method), create and configure a motor.</a:t>
-            </a:r>
-          </a:p>
-          <a:p>
-            <a:r>
-              <a:rPr lang="en-US" dirty="0"/>
-              <a:t>In Robot.java (</a:t>
-            </a:r>
-            <a:r>
-              <a:rPr lang="en-US" dirty="0" err="1"/>
-              <a:t>updateStatus</a:t>
-            </a:r>
-            <a:r>
-              <a:rPr lang="en-US" dirty="0"/>
-              <a:t> method), add code to display motor info (motor power, motor velocity).</a:t>
-            </a:r>
-          </a:p>
-          <a:p>
-            <a:r>
-              <a:rPr lang="en-US" dirty="0"/>
-              <a:t>In FrcTeleOp.java (periodic method), add code to read joystick value and set motor power with it.</a:t>
-            </a:r>
-          </a:p>
-        </p:txBody>
-      </p:sp>
-    </p:spTree>
-    <p:extLst>
-      <p:ext uri="{BB962C8B-B14F-4D97-AF65-F5344CB8AC3E}">
-        <p14:creationId xmlns:p14="http://schemas.microsoft.com/office/powerpoint/2010/main" val="3231460674"/>
-      </p:ext>
-    </p:extLst>
-  </p:cSld>
-  <p:clrMapOvr>
-    <a:masterClrMapping/>
-  </p:clrMapOvr>
-</p:sld>
-</file>
-
-<file path=ppt/slides/slide24.xml><?xml version="1.0" encoding="utf-8"?>
-<p:sld xmlns:a="http://schemas.openxmlformats.org/drawingml/2006/main" xmlns:r="http://schemas.openxmlformats.org/officeDocument/2006/relationships" xmlns:p="http://schemas.openxmlformats.org/presentationml/2006/main">
-  <p:cSld>
-    <p:spTree>
-      <p:nvGrpSpPr>
-        <p:cNvPr id="1" name=""/>
-        <p:cNvGrpSpPr/>
-        <p:nvPr/>
-      </p:nvGrpSpPr>
-      <p:grpSpPr>
-        <a:xfrm>
-          <a:off x="0" y="0"/>
-          <a:ext cx="0" cy="0"/>
-          <a:chOff x="0" y="0"/>
-          <a:chExt cx="0" cy="0"/>
-        </a:xfrm>
-      </p:grpSpPr>
-      <p:sp>
-        <p:nvSpPr>
-          <p:cNvPr id="2" name="Title 1">
-            <a:extLst>
-              <a:ext uri="{FF2B5EF4-FFF2-40B4-BE49-F238E27FC236}">
-                <a16:creationId xmlns:a16="http://schemas.microsoft.com/office/drawing/2014/main" id="{DAAF1DEC-75DD-4570-A96B-9CEACDB7C381}"/>
-              </a:ext>
-            </a:extLst>
-          </p:cNvPr>
-          <p:cNvSpPr>
-            <a:spLocks noGrp="1"/>
-          </p:cNvSpPr>
-          <p:nvPr>
-            <p:ph type="title"/>
-          </p:nvPr>
-        </p:nvSpPr>
-        <p:spPr>
-          <a:xfrm>
-            <a:off x="1040234" y="838200"/>
-            <a:ext cx="9370503" cy="706964"/>
-          </a:xfrm>
-        </p:spPr>
-        <p:txBody>
-          <a:bodyPr/>
-          <a:lstStyle/>
-          <a:p>
-            <a:r>
-              <a:rPr lang="en-US" dirty="0"/>
-              <a:t>Exercise: Simple Drive Base</a:t>
-            </a:r>
-          </a:p>
-        </p:txBody>
-      </p:sp>
-      <p:sp>
-        <p:nvSpPr>
-          <p:cNvPr id="3" name="Content Placeholder 2">
-            <a:extLst>
-              <a:ext uri="{FF2B5EF4-FFF2-40B4-BE49-F238E27FC236}">
-                <a16:creationId xmlns:a16="http://schemas.microsoft.com/office/drawing/2014/main" id="{77C95BE5-2644-405A-8D5F-D724F23672C6}"/>
-              </a:ext>
-            </a:extLst>
-          </p:cNvPr>
-          <p:cNvSpPr>
-            <a:spLocks noGrp="1"/>
-          </p:cNvSpPr>
-          <p:nvPr>
-            <p:ph idx="1"/>
-          </p:nvPr>
-        </p:nvSpPr>
-        <p:spPr/>
-        <p:txBody>
-          <a:bodyPr>
-            <a:normAutofit/>
-          </a:bodyPr>
-          <a:lstStyle/>
-          <a:p>
-            <a:r>
-              <a:rPr lang="en-US" dirty="0"/>
-              <a:t>Control a simple drive base with analog joysticks.</a:t>
-            </a:r>
-          </a:p>
-          <a:p>
-            <a:pPr lvl="1"/>
-            <a:r>
-              <a:rPr lang="en-US" dirty="0"/>
-              <a:t>Create and configure game controller(s).</a:t>
-            </a:r>
-          </a:p>
-          <a:p>
-            <a:pPr lvl="1"/>
-            <a:r>
-              <a:rPr lang="en-US" dirty="0"/>
-              <a:t>Create and configure 2 motors (left and right).</a:t>
-            </a:r>
-          </a:p>
-          <a:p>
-            <a:pPr lvl="1"/>
-            <a:r>
-              <a:rPr lang="en-US" dirty="0"/>
-              <a:t>Create and configure a simple drive base with the 2 motors.</a:t>
-            </a:r>
-          </a:p>
-          <a:p>
-            <a:pPr lvl="1"/>
-            <a:r>
-              <a:rPr lang="en-US" dirty="0"/>
-              <a:t>Add </a:t>
-            </a:r>
-            <a:r>
-              <a:rPr lang="en-US" dirty="0" err="1"/>
-              <a:t>TeleOp</a:t>
-            </a:r>
-            <a:r>
-              <a:rPr lang="en-US" dirty="0"/>
-              <a:t> code to run the simple drive base with the joysticks using tank drive.</a:t>
-            </a:r>
-          </a:p>
-          <a:p>
-            <a:pPr lvl="1"/>
-            <a:r>
-              <a:rPr lang="en-US" dirty="0"/>
-              <a:t>Enable motor and drive base </a:t>
-            </a:r>
-            <a:r>
-              <a:rPr lang="en-US" dirty="0" err="1"/>
-              <a:t>odometries</a:t>
-            </a:r>
-            <a:r>
-              <a:rPr lang="en-US" dirty="0"/>
-              <a:t>.</a:t>
-            </a:r>
-          </a:p>
-          <a:p>
-            <a:pPr lvl="1"/>
-            <a:r>
-              <a:rPr lang="en-US" dirty="0"/>
-              <a:t>Add code to display drive base odometry.</a:t>
-            </a:r>
-          </a:p>
-        </p:txBody>
-      </p:sp>
-    </p:spTree>
-    <p:extLst>
-      <p:ext uri="{BB962C8B-B14F-4D97-AF65-F5344CB8AC3E}">
-        <p14:creationId xmlns:p14="http://schemas.microsoft.com/office/powerpoint/2010/main" val="621596750"/>
-      </p:ext>
-    </p:extLst>
-  </p:cSld>
-  <p:clrMapOvr>
-    <a:masterClrMapping/>
-  </p:clrMapOvr>
-</p:sld>
-</file>
-
-<file path=ppt/slides/slide25.xml><?xml version="1.0" encoding="utf-8"?>
-<p:sld xmlns:a="http://schemas.openxmlformats.org/drawingml/2006/main" xmlns:r="http://schemas.openxmlformats.org/officeDocument/2006/relationships" xmlns:p="http://schemas.openxmlformats.org/presentationml/2006/main">
-  <p:cSld>
-    <p:spTree>
-      <p:nvGrpSpPr>
-        <p:cNvPr id="1" name=""/>
-        <p:cNvGrpSpPr/>
-        <p:nvPr/>
-      </p:nvGrpSpPr>
-      <p:grpSpPr>
-        <a:xfrm>
-          <a:off x="0" y="0"/>
-          <a:ext cx="0" cy="0"/>
-          <a:chOff x="0" y="0"/>
-          <a:chExt cx="0" cy="0"/>
-        </a:xfrm>
-      </p:grpSpPr>
-      <p:sp>
-        <p:nvSpPr>
-          <p:cNvPr id="2" name="Title 1">
-            <a:extLst>
-              <a:ext uri="{FF2B5EF4-FFF2-40B4-BE49-F238E27FC236}">
-                <a16:creationId xmlns:a16="http://schemas.microsoft.com/office/drawing/2014/main" id="{081F7B1B-5F4F-4154-A164-4A58B7B544DD}"/>
-              </a:ext>
-            </a:extLst>
-          </p:cNvPr>
-          <p:cNvSpPr>
-            <a:spLocks noGrp="1"/>
-          </p:cNvSpPr>
-          <p:nvPr>
-            <p:ph type="title"/>
-          </p:nvPr>
-        </p:nvSpPr>
-        <p:spPr>
-          <a:xfrm>
-            <a:off x="1154953" y="973668"/>
-            <a:ext cx="9851403" cy="706964"/>
-          </a:xfrm>
-        </p:spPr>
-        <p:txBody>
-          <a:bodyPr/>
-          <a:lstStyle/>
-          <a:p>
-            <a:r>
-              <a:rPr lang="en-US" dirty="0"/>
-              <a:t>Exercise: </a:t>
-            </a:r>
-            <a:r>
-              <a:rPr lang="en-US" dirty="0" err="1"/>
-              <a:t>Mecanum</a:t>
-            </a:r>
-            <a:r>
-              <a:rPr lang="en-US" dirty="0"/>
-              <a:t> Drive Base</a:t>
-            </a:r>
-          </a:p>
-        </p:txBody>
-      </p:sp>
-      <p:sp>
-        <p:nvSpPr>
-          <p:cNvPr id="3" name="Content Placeholder 2">
-            <a:extLst>
-              <a:ext uri="{FF2B5EF4-FFF2-40B4-BE49-F238E27FC236}">
-                <a16:creationId xmlns:a16="http://schemas.microsoft.com/office/drawing/2014/main" id="{3DD27597-39DB-46F0-8A71-C231A3C41D88}"/>
+                <a16:creationId xmlns:a16="http://schemas.microsoft.com/office/drawing/2014/main" id="{06A58EDA-0195-7583-69F2-ECDB1CC19668}"/>
               </a:ext>
             </a:extLst>
           </p:cNvPr>
@@ -22070,129 +22311,45 @@
           <a:p>
             <a:r>
               <a:rPr lang="en-US" dirty="0"/>
-              <a:t>Control a </a:t>
-            </a:r>
+              <a:t>In Robot.java, create a 2-valve pneumatic object.</a:t>
+            </a:r>
+          </a:p>
+          <a:p>
+            <a:r>
+              <a:rPr lang="en-US" dirty="0"/>
+              <a:t>In FrcTeleOp.java, add code to control the pneumatic valves connected to the PCH channels by a game controller button and print a message showing the pneumatic valve state to line 5 of the dashboard (hint: use the periodic method). Use the following methods:</a:t>
+            </a:r>
+          </a:p>
+          <a:p>
+            <a:pPr lvl="1"/>
             <a:r>
               <a:rPr lang="en-US" dirty="0" err="1"/>
-              <a:t>mecanum</a:t>
-            </a:r>
-            <a:r>
-              <a:rPr lang="en-US" dirty="0"/>
-              <a:t> drive base with analog joysticks.</a:t>
-            </a:r>
+              <a:t>robot.dashboard.displayPrintf</a:t>
+            </a:r>
+            <a:endParaRPr lang="en-US" dirty="0"/>
           </a:p>
           <a:p>
             <a:pPr lvl="1"/>
             <a:r>
-              <a:rPr lang="en-US" dirty="0"/>
-              <a:t>Create and configure game controller(s).</a:t>
-            </a:r>
+              <a:rPr lang="en-US" dirty="0" err="1"/>
+              <a:t>robot.pneumatic.extend</a:t>
+            </a:r>
+            <a:endParaRPr lang="en-US" dirty="0"/>
           </a:p>
           <a:p>
             <a:pPr lvl="1"/>
             <a:r>
-              <a:rPr lang="en-US" dirty="0"/>
-              <a:t>Create and configure 4 motors (</a:t>
-            </a:r>
-            <a:r>
               <a:rPr lang="en-US" dirty="0" err="1"/>
-              <a:t>LeftFront</a:t>
-            </a:r>
-            <a:r>
-              <a:rPr lang="en-US" dirty="0"/>
-              <a:t>, </a:t>
-            </a:r>
-            <a:r>
-              <a:rPr lang="en-US" dirty="0" err="1"/>
-              <a:t>RightFront</a:t>
-            </a:r>
-            <a:r>
-              <a:rPr lang="en-US" dirty="0"/>
-              <a:t>, </a:t>
-            </a:r>
-            <a:r>
-              <a:rPr lang="en-US" dirty="0" err="1"/>
-              <a:t>LeftBack</a:t>
-            </a:r>
-            <a:r>
-              <a:rPr lang="en-US" dirty="0"/>
-              <a:t>, </a:t>
-            </a:r>
-            <a:r>
-              <a:rPr lang="en-US" dirty="0" err="1"/>
-              <a:t>RightBack</a:t>
-            </a:r>
-            <a:r>
-              <a:rPr lang="en-US" dirty="0"/>
-              <a:t>).</a:t>
-            </a:r>
-          </a:p>
-          <a:p>
-            <a:pPr lvl="1"/>
-            <a:r>
-              <a:rPr lang="en-US" dirty="0"/>
-              <a:t>Create and configure a </a:t>
-            </a:r>
-            <a:r>
-              <a:rPr lang="en-US" dirty="0" err="1"/>
-              <a:t>mecanum</a:t>
-            </a:r>
-            <a:r>
-              <a:rPr lang="en-US" dirty="0"/>
-              <a:t> drive base with the 4 motors.</a:t>
-            </a:r>
-          </a:p>
-          <a:p>
-            <a:pPr lvl="1"/>
-            <a:r>
-              <a:rPr lang="en-US" dirty="0"/>
-              <a:t>Add </a:t>
-            </a:r>
-            <a:r>
-              <a:rPr lang="en-US" dirty="0" err="1"/>
-              <a:t>TeleOp</a:t>
-            </a:r>
-            <a:r>
-              <a:rPr lang="en-US" dirty="0"/>
-              <a:t> code to run the </a:t>
-            </a:r>
-            <a:r>
-              <a:rPr lang="en-US" dirty="0" err="1"/>
-              <a:t>mecanum</a:t>
-            </a:r>
-            <a:r>
-              <a:rPr lang="en-US" dirty="0"/>
-              <a:t> drive base with the joysticks.</a:t>
-            </a:r>
-          </a:p>
-          <a:p>
-            <a:pPr lvl="1"/>
-            <a:r>
-              <a:rPr lang="en-US" dirty="0"/>
-              <a:t>Enable motor and drive base </a:t>
-            </a:r>
-            <a:r>
-              <a:rPr lang="en-US" dirty="0" err="1"/>
-              <a:t>odometries</a:t>
-            </a:r>
-            <a:r>
-              <a:rPr lang="en-US" dirty="0"/>
-              <a:t>.</a:t>
-            </a:r>
-          </a:p>
-          <a:p>
-            <a:pPr lvl="1"/>
-            <a:r>
-              <a:rPr lang="en-US" dirty="0"/>
-              <a:t>Add code to display drive base odometry.</a:t>
-            </a:r>
+              <a:t>robot.pneumatic.retract</a:t>
+            </a:r>
+            <a:endParaRPr lang="en-US" dirty="0"/>
           </a:p>
         </p:txBody>
       </p:sp>
     </p:spTree>
     <p:extLst>
       <p:ext uri="{BB962C8B-B14F-4D97-AF65-F5344CB8AC3E}">
-        <p14:creationId xmlns:p14="http://schemas.microsoft.com/office/powerpoint/2010/main" val="2182139524"/>
+        <p14:creationId xmlns:p14="http://schemas.microsoft.com/office/powerpoint/2010/main" val="2329677530"/>
       </p:ext>
     </p:extLst>
   </p:cSld>
@@ -23561,7 +23718,18 @@
               <a:rPr lang="en-US" dirty="0" err="1"/>
               <a:t>TrcTimer.getModeElapsedTime</a:t>
             </a:r>
-            <a:endParaRPr lang="en-US" dirty="0"/>
+            <a:r>
+              <a:rPr lang="en-US" dirty="0"/>
+              <a:t> or use </a:t>
+            </a:r>
+            <a:r>
+              <a:rPr lang="en-US" dirty="0" err="1"/>
+              <a:t>elapsedTime</a:t>
+            </a:r>
+            <a:r>
+              <a:rPr lang="en-US" dirty="0"/>
+              <a:t> parameter in periodic</a:t>
+            </a:r>
           </a:p>
         </p:txBody>
       </p:sp>

--- a/Lesson2/BasicRobotComponents.pptx
+++ b/Lesson2/BasicRobotComponents.pptx
@@ -5,7 +5,7 @@
     <p:sldMasterId id="2147483648" r:id="rId1"/>
   </p:sldMasterIdLst>
   <p:notesMasterIdLst>
-    <p:notesMasterId r:id="rId25"/>
+    <p:notesMasterId r:id="rId37"/>
   </p:notesMasterIdLst>
   <p:sldIdLst>
     <p:sldId id="266" r:id="rId2"/>
@@ -25,12 +25,24 @@
     <p:sldId id="284" r:id="rId16"/>
     <p:sldId id="296" r:id="rId17"/>
     <p:sldId id="283" r:id="rId18"/>
-    <p:sldId id="285" r:id="rId19"/>
-    <p:sldId id="298" r:id="rId20"/>
+    <p:sldId id="298" r:id="rId19"/>
+    <p:sldId id="285" r:id="rId20"/>
     <p:sldId id="287" r:id="rId21"/>
     <p:sldId id="297" r:id="rId22"/>
-    <p:sldId id="288" r:id="rId23"/>
-    <p:sldId id="299" r:id="rId24"/>
+    <p:sldId id="311" r:id="rId23"/>
+    <p:sldId id="278" r:id="rId24"/>
+    <p:sldId id="288" r:id="rId25"/>
+    <p:sldId id="299" r:id="rId26"/>
+    <p:sldId id="300" r:id="rId27"/>
+    <p:sldId id="308" r:id="rId28"/>
+    <p:sldId id="309" r:id="rId29"/>
+    <p:sldId id="303" r:id="rId30"/>
+    <p:sldId id="306" r:id="rId31"/>
+    <p:sldId id="304" r:id="rId32"/>
+    <p:sldId id="307" r:id="rId33"/>
+    <p:sldId id="301" r:id="rId34"/>
+    <p:sldId id="305" r:id="rId35"/>
+    <p:sldId id="310" r:id="rId36"/>
   </p:sldIdLst>
   <p:sldSz cx="12192000" cy="6858000"/>
   <p:notesSz cx="6858000" cy="9144000"/>
@@ -3692,7 +3704,7 @@
           <a:p>
             <a:fld id="{88DFE0DC-517A-40C1-B3B1-8C641051689B}" type="datetimeFigureOut">
               <a:rPr lang="en-US" smtClean="0"/>
-              <a:t>7/25/2023</a:t>
+              <a:t>8/2/2023</a:t>
             </a:fld>
             <a:endParaRPr lang="en-US"/>
           </a:p>
@@ -4379,7 +4391,7 @@
             <a:fld id="{5923F103-BC34-4FE4-A40E-EDDEECFDA5D0}" type="datetimeFigureOut">
               <a:rPr lang="en-US" dirty="0"/>
               <a:pPr/>
-              <a:t>7/25/2023</a:t>
+              <a:t>8/2/2023</a:t>
             </a:fld>
             <a:endParaRPr lang="en-US" dirty="0"/>
           </a:p>
@@ -5463,7 +5475,7 @@
           <a:p>
             <a:fld id="{923A1CC3-2375-41D4-9E03-427CAF2A4C1A}" type="datetimeFigureOut">
               <a:rPr lang="en-US" dirty="0"/>
-              <a:t>7/25/2023</a:t>
+              <a:t>8/2/2023</a:t>
             </a:fld>
             <a:endParaRPr lang="en-US" dirty="0"/>
           </a:p>
@@ -6439,7 +6451,7 @@
           <a:p>
             <a:fld id="{AFF16868-8199-4C2C-A5B1-63AEE139F88E}" type="datetimeFigureOut">
               <a:rPr lang="en-US" dirty="0"/>
-              <a:t>7/25/2023</a:t>
+              <a:t>8/2/2023</a:t>
             </a:fld>
             <a:endParaRPr lang="en-US" dirty="0"/>
           </a:p>
@@ -7569,7 +7581,7 @@
           <a:p>
             <a:fld id="{AAD9FF7F-6988-44CC-821B-644E70CD2F73}" type="datetimeFigureOut">
               <a:rPr lang="en-US" dirty="0"/>
-              <a:t>7/25/2023</a:t>
+              <a:t>8/2/2023</a:t>
             </a:fld>
             <a:endParaRPr lang="en-US" dirty="0"/>
           </a:p>
@@ -8598,7 +8610,7 @@
           <a:p>
             <a:fld id="{5C12C299-16B2-4475-990D-751901EACC14}" type="datetimeFigureOut">
               <a:rPr lang="en-US" dirty="0"/>
-              <a:t>7/25/2023</a:t>
+              <a:t>8/2/2023</a:t>
             </a:fld>
             <a:endParaRPr lang="en-US" dirty="0"/>
           </a:p>
@@ -9254,7 +9266,7 @@
           <a:p>
             <a:fld id="{9FE86839-B9D8-4651-8783-F325ECE74E65}" type="datetimeFigureOut">
               <a:rPr lang="en-US" dirty="0"/>
-              <a:t>7/25/2023</a:t>
+              <a:t>8/2/2023</a:t>
             </a:fld>
             <a:endParaRPr lang="en-US" dirty="0"/>
           </a:p>
@@ -10111,7 +10123,7 @@
           <a:p>
             <a:fld id="{FD484F64-32F6-45C5-931F-ADC1662401D0}" type="datetimeFigureOut">
               <a:rPr lang="en-US" dirty="0"/>
-              <a:t>7/25/2023</a:t>
+              <a:t>8/2/2023</a:t>
             </a:fld>
             <a:endParaRPr lang="en-US" dirty="0"/>
           </a:p>
@@ -10297,7 +10309,7 @@
           <a:p>
             <a:fld id="{53086D93-FCAC-47E0-A2EE-787E62CA814C}" type="datetimeFigureOut">
               <a:rPr lang="en-US" dirty="0"/>
-              <a:t>7/25/2023</a:t>
+              <a:t>8/2/2023</a:t>
             </a:fld>
             <a:endParaRPr lang="en-US" dirty="0"/>
           </a:p>
@@ -11265,7 +11277,7 @@
           <a:p>
             <a:fld id="{CDA879A6-0FD0-4734-A311-86BFCA472E6E}" type="datetimeFigureOut">
               <a:rPr lang="en-US" dirty="0"/>
-              <a:t>7/25/2023</a:t>
+              <a:t>8/2/2023</a:t>
             </a:fld>
             <a:endParaRPr lang="en-US" dirty="0"/>
           </a:p>
@@ -11472,7 +11484,7 @@
           <a:p>
             <a:fld id="{19C9CA7B-DFD4-44B5-8C60-D14B8CD1FB59}" type="datetimeFigureOut">
               <a:rPr lang="en-US" dirty="0"/>
-              <a:t>7/25/2023</a:t>
+              <a:t>8/2/2023</a:t>
             </a:fld>
             <a:endParaRPr lang="en-US" dirty="0"/>
           </a:p>
@@ -12502,7 +12514,7 @@
           <a:p>
             <a:fld id="{F34E6425-0181-43F2-84FC-787E803FD2F8}" type="datetimeFigureOut">
               <a:rPr lang="en-US" dirty="0"/>
-              <a:t>7/25/2023</a:t>
+              <a:t>8/2/2023</a:t>
             </a:fld>
             <a:endParaRPr lang="en-US" dirty="0"/>
           </a:p>
@@ -12770,7 +12782,7 @@
           <a:p>
             <a:fld id="{3BDB8791-F1B0-41E7-B7FD-A781E65C4266}" type="datetimeFigureOut">
               <a:rPr lang="en-US" dirty="0"/>
-              <a:t>7/25/2023</a:t>
+              <a:t>8/2/2023</a:t>
             </a:fld>
             <a:endParaRPr lang="en-US" dirty="0"/>
           </a:p>
@@ -13176,7 +13188,7 @@
           <a:p>
             <a:fld id="{5FDD63B2-E120-4ED8-B27B-C685F510A5FE}" type="datetimeFigureOut">
               <a:rPr lang="en-US" dirty="0"/>
-              <a:t>7/25/2023</a:t>
+              <a:t>8/2/2023</a:t>
             </a:fld>
             <a:endParaRPr lang="en-US" dirty="0"/>
           </a:p>
@@ -13299,7 +13311,7 @@
           <a:p>
             <a:fld id="{7AA18ACC-A947-437B-A130-35BD54FDF1E9}" type="datetimeFigureOut">
               <a:rPr lang="en-US" dirty="0"/>
-              <a:t>7/25/2023</a:t>
+              <a:t>8/2/2023</a:t>
             </a:fld>
             <a:endParaRPr lang="en-US" dirty="0"/>
           </a:p>
@@ -13390,7 +13402,7 @@
           <a:p>
             <a:fld id="{7C8D7E02-BCB8-4D50-A234-369438C08659}" type="datetimeFigureOut">
               <a:rPr lang="en-US" dirty="0"/>
-              <a:t>7/25/2023</a:t>
+              <a:t>8/2/2023</a:t>
             </a:fld>
             <a:endParaRPr lang="en-US" dirty="0"/>
           </a:p>
@@ -14467,7 +14479,7 @@
           <a:p>
             <a:fld id="{76E86A4C-8E40-4F87-A4F0-01A0687C5742}" type="datetimeFigureOut">
               <a:rPr lang="en-US" dirty="0"/>
-              <a:t>7/25/2023</a:t>
+              <a:t>8/2/2023</a:t>
             </a:fld>
             <a:endParaRPr lang="en-US" dirty="0"/>
           </a:p>
@@ -15571,7 +15583,7 @@
           <a:p>
             <a:fld id="{35E72C73-2D91-4E12-BA25-F0AA0C03599B}" type="datetimeFigureOut">
               <a:rPr lang="en-US" dirty="0"/>
-              <a:t>7/25/2023</a:t>
+              <a:t>8/2/2023</a:t>
             </a:fld>
             <a:endParaRPr lang="en-US" dirty="0"/>
           </a:p>
@@ -16564,7 +16576,7 @@
           <a:p>
             <a:fld id="{2BE451C3-0FF4-47C4-B829-773ADF60F88C}" type="datetimeFigureOut">
               <a:rPr lang="en-US" dirty="0"/>
-              <a:t>7/25/2023</a:t>
+              <a:t>8/2/2023</a:t>
             </a:fld>
             <a:endParaRPr lang="en-US" dirty="0"/>
           </a:p>
@@ -17281,19 +17293,19 @@
         </p:spPr>
         <p:txBody>
           <a:bodyPr>
-            <a:normAutofit fontScale="77500" lnSpcReduction="20000"/>
+            <a:normAutofit fontScale="70000" lnSpcReduction="20000"/>
           </a:bodyPr>
           <a:lstStyle/>
           <a:p>
             <a:r>
               <a:rPr lang="en-US" dirty="0"/>
-              <a:t>Multi-axes stick: typically X and Y but some support twist.</a:t>
-            </a:r>
-          </a:p>
-          <a:p>
-            <a:r>
-              <a:rPr lang="en-US" dirty="0"/>
-              <a:t>An axis gives a range of -1.0 to 1.0 with the center at zero, perfect for controlling motors.</a:t>
+              <a:t>Multi-axes stick: typically X and Y but some support a third axis (e.g. twist).</a:t>
+            </a:r>
+          </a:p>
+          <a:p>
+            <a:r>
+              <a:rPr lang="en-US" dirty="0"/>
+              <a:t>An axis gives a range of -1.0 to 1.0 with the center at zero, perfect for controlling motors (i.e. axis value can be used to set motor power).</a:t>
             </a:r>
           </a:p>
           <a:p>
@@ -17540,7 +17552,7 @@
           <a:p>
             <a:r>
               <a:rPr lang="en-US" dirty="0"/>
-              <a:t>Popular methods:</a:t>
+              <a:t>Useful methods:</a:t>
             </a:r>
             <a:br>
               <a:rPr lang="en-US" dirty="0"/>
@@ -17904,14 +17916,21 @@
             <p:ph idx="1"/>
           </p:nvPr>
         </p:nvSpPr>
-        <p:spPr/>
+        <p:spPr>
+          <a:xfrm>
+            <a:off x="589006" y="2603500"/>
+            <a:ext cx="10968680" cy="3416300"/>
+          </a:xfrm>
+        </p:spPr>
         <p:txBody>
-          <a:bodyPr/>
+          <a:bodyPr>
+            <a:normAutofit/>
+          </a:bodyPr>
           <a:lstStyle/>
           <a:p>
             <a:r>
               <a:rPr lang="en-US" dirty="0"/>
-              <a:t>In FrcTeleOp.java, add code to print the X and Y values of the joystick to line 2 of the dashboard (hint: use the periodic method). Use the following methods:</a:t>
+              <a:t>In FrcTeleOp.java, add code in the periodic method to print the X and Y values of an Xbox controller stick to the dashboard. Useful methods are:</a:t>
             </a:r>
           </a:p>
           <a:p>
@@ -17926,14 +17945,30 @@
             <a:pPr lvl="1"/>
             <a:r>
               <a:rPr lang="en-US" dirty="0" err="1"/>
-              <a:t>robot.driveController.getXWithDeadband</a:t>
+              <a:t>robot.driverController.getLeftXWithDeadband</a:t>
             </a:r>
             <a:endParaRPr lang="en-US" dirty="0"/>
           </a:p>
           <a:p>
-            <a:r>
-              <a:rPr lang="en-US" dirty="0"/>
-              <a:t>Extra credits: what other analog controls are there? Print those values to the dashboard too.</a:t>
+            <a:pPr lvl="1"/>
+            <a:r>
+              <a:rPr lang="en-US" dirty="0" err="1"/>
+              <a:t>robot.driverController.getRightYWithDeadband</a:t>
+            </a:r>
+            <a:endParaRPr lang="en-US" dirty="0"/>
+          </a:p>
+          <a:p>
+            <a:pPr lvl="1"/>
+            <a:r>
+              <a:rPr lang="en-US" dirty="0" err="1"/>
+              <a:t>robot.driverController.getLeftTriggerWithDeadband</a:t>
+            </a:r>
+            <a:endParaRPr lang="en-US" dirty="0"/>
+          </a:p>
+          <a:p>
+            <a:r>
+              <a:rPr lang="en-US" dirty="0"/>
+              <a:t>Extra credits: get the values of both the left and right triggers, combine them to give you a value range of -1.0 to 1.0 (i.e. pressing left trigger all the way gives you a value of -1 and pressing right trigger all the way gives you a value of 1). Print the combined value on the dashboard.</a:t>
             </a:r>
           </a:p>
           <a:p>
@@ -18325,14 +18360,35 @@
             <p:ph idx="1"/>
           </p:nvPr>
         </p:nvSpPr>
-        <p:spPr/>
+        <p:spPr>
+          <a:xfrm>
+            <a:off x="609600" y="2603500"/>
+            <a:ext cx="10915135" cy="3416300"/>
+          </a:xfrm>
+        </p:spPr>
         <p:txBody>
           <a:bodyPr/>
           <a:lstStyle/>
           <a:p>
             <a:r>
               <a:rPr lang="en-US" dirty="0"/>
-              <a:t>In FrcTeleOp.java, add code to print a message when a button on the game controller is pressed or released to line 3 of the dashboard (hint: use the periodic method). Use the following methods:</a:t>
+              <a:t>In FrcTeleOp.java, add code to the </a:t>
+            </a:r>
+            <a:r>
+              <a:rPr lang="en-US" dirty="0" err="1"/>
+              <a:t>buttonEvent</a:t>
+            </a:r>
+            <a:r>
+              <a:rPr lang="en-US" dirty="0"/>
+              <a:t> handler of the game controller (</a:t>
+            </a:r>
+            <a:r>
+              <a:rPr lang="en-US" dirty="0" err="1"/>
+              <a:t>driverControllerButtonEvent</a:t>
+            </a:r>
+            <a:r>
+              <a:rPr lang="en-US" dirty="0"/>
+              <a:t>) to print a message when a button on the game controller is pressed or released on the dashboard. Useful methods are:</a:t>
             </a:r>
           </a:p>
           <a:p>
@@ -18423,7 +18479,7 @@
           <a:p>
             <a:r>
               <a:rPr lang="en-US" dirty="0"/>
-              <a:t>Output: Motor Controllers/Servos</a:t>
+              <a:t>Motor Controllers</a:t>
             </a:r>
           </a:p>
         </p:txBody>
@@ -18465,7 +18521,7 @@
             <a:pPr lvl="1"/>
             <a:r>
               <a:rPr lang="en-US" dirty="0"/>
-              <a:t>Simple motor controllers: controls brushed DC motors, no built-in microcontrollers, communicate with </a:t>
+              <a:t>Simple motor controllers: controls brushed DC motors, no built-in microcontrollers, communicates with </a:t>
             </a:r>
             <a:r>
               <a:rPr lang="en-US" dirty="0" err="1"/>
@@ -18480,7 +18536,7 @@
             <a:pPr lvl="1"/>
             <a:r>
               <a:rPr lang="en-US" dirty="0"/>
-              <a:t>Smart motor controllers: controls brushed or brushless DC motors, built-in microcontrollers, communicate with </a:t>
+              <a:t>Smart motor controllers: controls brushed or brushless DC motors, built-in microcontrollers, communicates with </a:t>
             </a:r>
             <a:r>
               <a:rPr lang="en-US" dirty="0" err="1"/>
@@ -18489,33 +18545,6 @@
             <a:r>
               <a:rPr lang="en-US" dirty="0"/>
               <a:t> via CAN bus.</a:t>
-            </a:r>
-          </a:p>
-          <a:p>
-            <a:r>
-              <a:rPr lang="en-US" dirty="0"/>
-              <a:t>Three types of servo motors:</a:t>
-            </a:r>
-          </a:p>
-          <a:p>
-            <a:pPr lvl="1"/>
-            <a:r>
-              <a:rPr lang="en-US" dirty="0"/>
-              <a:t>Position servos: have limited range of motion usually 90-degree or 180-degree.</a:t>
-            </a:r>
-          </a:p>
-          <a:p>
-            <a:pPr lvl="1"/>
-            <a:r>
-              <a:rPr lang="en-US" dirty="0"/>
-              <a:t>Continuous servos: similar to DC motors on PWM motor controllers but with smaller form factor and weaker strength.</a:t>
-            </a:r>
-          </a:p>
-          <a:p>
-            <a:pPr lvl="1"/>
-            <a:r>
-              <a:rPr lang="en-US" dirty="0"/>
-              <a:t>Digital servos: smart servo that can be programmed as position servo or continuous servo.</a:t>
             </a:r>
           </a:p>
         </p:txBody>
@@ -18602,7 +18631,7 @@
         </p:spPr>
         <p:txBody>
           <a:bodyPr>
-            <a:normAutofit fontScale="92500" lnSpcReduction="20000"/>
+            <a:normAutofit fontScale="92500" lnSpcReduction="10000"/>
           </a:bodyPr>
           <a:lstStyle/>
           <a:p>
@@ -18684,21 +18713,7 @@
             </a:r>
             <a:r>
               <a:rPr lang="en-US" dirty="0"/>
-              <a:t> and generic </a:t>
-            </a:r>
-            <a:r>
-              <a:rPr lang="en-US" dirty="0" err="1"/>
-              <a:t>FrcPWMMotorController</a:t>
-            </a:r>
-            <a:r>
-              <a:rPr lang="en-US" dirty="0"/>
-              <a:t>.</a:t>
-            </a:r>
-          </a:p>
-          <a:p>
-            <a:r>
-              <a:rPr lang="en-US" dirty="0"/>
-              <a:t>Constructors:</a:t>
+              <a:t> and generic. Constructors:</a:t>
             </a:r>
             <a:br>
               <a:rPr lang="en-US" dirty="0"/>
@@ -18927,7 +18942,7 @@
           <a:p>
             <a:r>
               <a:rPr lang="en-US" dirty="0"/>
-              <a:t>Popular Methods:</a:t>
+              <a:t>Useful Methods:</a:t>
             </a:r>
             <a:br>
               <a:rPr lang="en-US" dirty="0"/>
@@ -19425,9 +19440,16 @@
             <p:ph idx="1"/>
           </p:nvPr>
         </p:nvSpPr>
-        <p:spPr/>
+        <p:spPr>
+          <a:xfrm>
+            <a:off x="597244" y="2314832"/>
+            <a:ext cx="11005752" cy="4300152"/>
+          </a:xfrm>
+        </p:spPr>
         <p:txBody>
-          <a:bodyPr/>
+          <a:bodyPr>
+            <a:normAutofit/>
+          </a:bodyPr>
           <a:lstStyle/>
           <a:p>
             <a:r>
@@ -19436,34 +19458,93 @@
             </a:r>
           </a:p>
           <a:p>
-            <a:r>
-              <a:rPr lang="en-US" dirty="0"/>
-              <a:t>In FrcTeleOp.java, add code to control a motor connected to the motor controller by a game controller and print a message showing the motor power to line 4 of the dashboard (hint: use the periodic method). Use the following methods:</a:t>
-            </a:r>
-          </a:p>
-          <a:p>
             <a:pPr lvl="1"/>
+            <a:r>
+              <a:rPr lang="en-US" dirty="0"/>
+              <a:t>Create a class variable (</a:t>
+            </a:r>
+            <a:r>
+              <a:rPr lang="en-US" dirty="0" err="1"/>
+              <a:t>pwmMotor</a:t>
+            </a:r>
+            <a:r>
+              <a:rPr lang="en-US" dirty="0"/>
+              <a:t>) to hold the created PWM motor controller object (e.g. </a:t>
+            </a:r>
+            <a:r>
+              <a:rPr lang="en-US" dirty="0" err="1"/>
+              <a:t>FrcPWMTalonSRX</a:t>
+            </a:r>
+            <a:r>
+              <a:rPr lang="en-US" dirty="0"/>
+              <a:t>).</a:t>
+            </a:r>
+          </a:p>
+          <a:p>
+            <a:pPr lvl="1"/>
+            <a:r>
+              <a:rPr lang="en-US" dirty="0"/>
+              <a:t>In </a:t>
+            </a:r>
+            <a:r>
+              <a:rPr lang="en-US" dirty="0" err="1"/>
+              <a:t>robotInit</a:t>
+            </a:r>
+            <a:r>
+              <a:rPr lang="en-US" dirty="0"/>
+              <a:t> method, create the motor controller object specifying a name and the PWM channel it’s plugged into.</a:t>
+            </a:r>
+          </a:p>
+          <a:p>
+            <a:r>
+              <a:rPr lang="en-US" dirty="0"/>
+              <a:t>In FrcTeleOp.java, add code in the periodic method to control a motor connected to the motor controller by a game controller and print a message showing the motor power on the dashboard.</a:t>
+            </a:r>
+          </a:p>
+          <a:p>
+            <a:pPr lvl="1"/>
+            <a:r>
+              <a:rPr lang="en-US" dirty="0"/>
+              <a:t>Read the Xbox left stick for the Y-axis (</a:t>
+            </a:r>
+            <a:r>
+              <a:rPr lang="en-US" dirty="0" err="1"/>
+              <a:t>robot.driverController.getLeftYWithDeadband</a:t>
+            </a:r>
+            <a:r>
+              <a:rPr lang="en-US" dirty="0"/>
+              <a:t>).</a:t>
+            </a:r>
+          </a:p>
+          <a:p>
+            <a:pPr lvl="1"/>
+            <a:r>
+              <a:rPr lang="en-US" dirty="0"/>
+              <a:t>Set the motor power with the joystick value (</a:t>
+            </a:r>
+            <a:r>
+              <a:rPr lang="en-US" dirty="0" err="1"/>
+              <a:t>robot.pwmMotor.set</a:t>
+            </a:r>
+            <a:r>
+              <a:rPr lang="en-US" dirty="0"/>
+              <a:t>).</a:t>
+            </a:r>
+          </a:p>
+          <a:p>
+            <a:pPr lvl="1"/>
+            <a:r>
+              <a:rPr lang="en-US" dirty="0"/>
+              <a:t>Display the motor power value to the dashboard (</a:t>
+            </a:r>
             <a:r>
               <a:rPr lang="en-US" dirty="0" err="1"/>
               <a:t>robot.dashboard.displayPrintf</a:t>
             </a:r>
-            <a:endParaRPr lang="en-US" dirty="0"/>
-          </a:p>
-          <a:p>
-            <a:pPr lvl="1"/>
-            <a:r>
-              <a:rPr lang="en-US" dirty="0" err="1"/>
-              <a:t>robot.driveController.getYWithDeadband</a:t>
-            </a:r>
-            <a:endParaRPr lang="en-US" dirty="0"/>
-          </a:p>
-          <a:p>
-            <a:pPr lvl="1"/>
-            <a:r>
-              <a:rPr lang="en-US" dirty="0" err="1"/>
-              <a:t>robot.pwmMotor.set</a:t>
-            </a:r>
-            <a:endParaRPr lang="en-US" dirty="0"/>
+            <a:r>
+              <a:rPr lang="en-US" dirty="0"/>
+              <a:t>).</a:t>
+            </a:r>
           </a:p>
         </p:txBody>
       </p:sp>
@@ -19993,7 +20074,7 @@
           <a:p>
             <a:r>
               <a:rPr lang="en-US" dirty="0"/>
-              <a:t>Popular Methods:</a:t>
+              <a:t>Useful Methods:</a:t>
             </a:r>
             <a:br>
               <a:rPr lang="en-US" dirty="0"/>
@@ -20203,6 +20284,95 @@
                 <a:effectLst/>
                 <a:latin typeface="Consolas" panose="020B0609020204030204" pitchFamily="49" charset="0"/>
               </a:rPr>
+              <a:t>value</a:t>
+            </a:r>
+            <a:r>
+              <a:rPr lang="en-US" b="0" dirty="0">
+                <a:solidFill>
+                  <a:srgbClr val="D4D4D4"/>
+                </a:solidFill>
+                <a:effectLst/>
+                <a:latin typeface="Consolas" panose="020B0609020204030204" pitchFamily="49" charset="0"/>
+              </a:rPr>
+              <a:t>)</a:t>
+            </a:r>
+            <a:br>
+              <a:rPr lang="en-US" b="0" dirty="0">
+                <a:solidFill>
+                  <a:srgbClr val="D4D4D4"/>
+                </a:solidFill>
+                <a:effectLst/>
+                <a:latin typeface="Consolas" panose="020B0609020204030204" pitchFamily="49" charset="0"/>
+              </a:rPr>
+            </a:br>
+            <a:r>
+              <a:rPr lang="en-US" b="0" dirty="0">
+                <a:solidFill>
+                  <a:srgbClr val="4EC9B0"/>
+                </a:solidFill>
+                <a:effectLst/>
+                <a:latin typeface="Consolas" panose="020B0609020204030204" pitchFamily="49" charset="0"/>
+              </a:rPr>
+              <a:t>void</a:t>
+            </a:r>
+            <a:r>
+              <a:rPr lang="en-US" b="0" dirty="0">
+                <a:solidFill>
+                  <a:srgbClr val="D4D4D4"/>
+                </a:solidFill>
+                <a:effectLst/>
+                <a:latin typeface="Consolas" panose="020B0609020204030204" pitchFamily="49" charset="0"/>
+              </a:rPr>
+              <a:t> </a:t>
+            </a:r>
+            <a:r>
+              <a:rPr lang="en-US" b="0" dirty="0">
+                <a:solidFill>
+                  <a:srgbClr val="DCDCAA"/>
+                </a:solidFill>
+                <a:effectLst/>
+                <a:latin typeface="Consolas" panose="020B0609020204030204" pitchFamily="49" charset="0"/>
+              </a:rPr>
+              <a:t>set</a:t>
+            </a:r>
+            <a:r>
+              <a:rPr lang="en-US" b="0" dirty="0">
+                <a:solidFill>
+                  <a:srgbClr val="D4D4D4"/>
+                </a:solidFill>
+                <a:effectLst/>
+                <a:latin typeface="Consolas" panose="020B0609020204030204" pitchFamily="49" charset="0"/>
+              </a:rPr>
+              <a:t>(</a:t>
+            </a:r>
+            <a:r>
+              <a:rPr lang="en-US" b="0" dirty="0">
+                <a:solidFill>
+                  <a:srgbClr val="4EC9B0"/>
+                </a:solidFill>
+                <a:effectLst/>
+                <a:latin typeface="Consolas" panose="020B0609020204030204" pitchFamily="49" charset="0"/>
+              </a:rPr>
+              <a:t>double</a:t>
+            </a:r>
+            <a:r>
+              <a:rPr lang="en-US" b="0" dirty="0">
+                <a:solidFill>
+                  <a:srgbClr val="D4D4D4"/>
+                </a:solidFill>
+                <a:effectLst/>
+                <a:latin typeface="Consolas" panose="020B0609020204030204" pitchFamily="49" charset="0"/>
+              </a:rPr>
+              <a:t> </a:t>
+            </a:r>
+            <a:r>
+              <a:rPr lang="en-US" b="0" dirty="0">
+                <a:solidFill>
+                  <a:srgbClr val="9CDCFE"/>
+                </a:solidFill>
+                <a:effectLst/>
+                <a:latin typeface="Consolas" panose="020B0609020204030204" pitchFamily="49" charset="0"/>
+              </a:rPr>
               <a:t>delay</a:t>
             </a:r>
             <a:r>
@@ -20284,95 +20454,6 @@
                 <a:latin typeface="Consolas" panose="020B0609020204030204" pitchFamily="49" charset="0"/>
               </a:rPr>
               <a:t>duration</a:t>
-            </a:r>
-            <a:r>
-              <a:rPr lang="en-US" b="0" dirty="0">
-                <a:solidFill>
-                  <a:srgbClr val="D4D4D4"/>
-                </a:solidFill>
-                <a:effectLst/>
-                <a:latin typeface="Consolas" panose="020B0609020204030204" pitchFamily="49" charset="0"/>
-              </a:rPr>
-              <a:t>)</a:t>
-            </a:r>
-            <a:br>
-              <a:rPr lang="en-US" b="0" dirty="0">
-                <a:solidFill>
-                  <a:srgbClr val="D4D4D4"/>
-                </a:solidFill>
-                <a:effectLst/>
-                <a:latin typeface="Consolas" panose="020B0609020204030204" pitchFamily="49" charset="0"/>
-              </a:rPr>
-            </a:br>
-            <a:r>
-              <a:rPr lang="en-US" b="0" dirty="0">
-                <a:solidFill>
-                  <a:srgbClr val="4EC9B0"/>
-                </a:solidFill>
-                <a:effectLst/>
-                <a:latin typeface="Consolas" panose="020B0609020204030204" pitchFamily="49" charset="0"/>
-              </a:rPr>
-              <a:t>void</a:t>
-            </a:r>
-            <a:r>
-              <a:rPr lang="en-US" b="0" dirty="0">
-                <a:solidFill>
-                  <a:srgbClr val="D4D4D4"/>
-                </a:solidFill>
-                <a:effectLst/>
-                <a:latin typeface="Consolas" panose="020B0609020204030204" pitchFamily="49" charset="0"/>
-              </a:rPr>
-              <a:t> </a:t>
-            </a:r>
-            <a:r>
-              <a:rPr lang="en-US" b="0" dirty="0">
-                <a:solidFill>
-                  <a:srgbClr val="DCDCAA"/>
-                </a:solidFill>
-                <a:effectLst/>
-                <a:latin typeface="Consolas" panose="020B0609020204030204" pitchFamily="49" charset="0"/>
-              </a:rPr>
-              <a:t>set</a:t>
-            </a:r>
-            <a:r>
-              <a:rPr lang="en-US" b="0" dirty="0">
-                <a:solidFill>
-                  <a:srgbClr val="D4D4D4"/>
-                </a:solidFill>
-                <a:effectLst/>
-                <a:latin typeface="Consolas" panose="020B0609020204030204" pitchFamily="49" charset="0"/>
-              </a:rPr>
-              <a:t>(</a:t>
-            </a:r>
-            <a:r>
-              <a:rPr lang="en-US" b="0" dirty="0">
-                <a:solidFill>
-                  <a:srgbClr val="4EC9B0"/>
-                </a:solidFill>
-                <a:effectLst/>
-                <a:latin typeface="Consolas" panose="020B0609020204030204" pitchFamily="49" charset="0"/>
-              </a:rPr>
-              <a:t>double</a:t>
-            </a:r>
-            <a:r>
-              <a:rPr lang="en-US" b="0" dirty="0">
-                <a:solidFill>
-                  <a:srgbClr val="D4D4D4"/>
-                </a:solidFill>
-                <a:effectLst/>
-                <a:latin typeface="Consolas" panose="020B0609020204030204" pitchFamily="49" charset="0"/>
-              </a:rPr>
-              <a:t> </a:t>
-            </a:r>
-            <a:r>
-              <a:rPr lang="en-US" b="0" dirty="0">
-                <a:solidFill>
-                  <a:srgbClr val="9CDCFE"/>
-                </a:solidFill>
-                <a:effectLst/>
-                <a:latin typeface="Consolas" panose="020B0609020204030204" pitchFamily="49" charset="0"/>
-              </a:rPr>
-              <a:t>value</a:t>
             </a:r>
             <a:r>
               <a:rPr lang="en-US" b="0" dirty="0">
@@ -20422,7 +20503,7 @@
           <p:cNvPr id="2" name="Title 1">
             <a:extLst>
               <a:ext uri="{FF2B5EF4-FFF2-40B4-BE49-F238E27FC236}">
-                <a16:creationId xmlns:a16="http://schemas.microsoft.com/office/drawing/2014/main" id="{193CD25E-73CD-88C7-F1B2-5092D106275D}"/>
+                <a16:creationId xmlns:a16="http://schemas.microsoft.com/office/drawing/2014/main" id="{871A9152-653E-E3BA-4D18-5977A8EDDDFB}"/>
               </a:ext>
             </a:extLst>
           </p:cNvPr>
@@ -20439,10 +20520,9 @@
           <a:lstStyle/>
           <a:p>
             <a:r>
-              <a:rPr lang="en-US" dirty="0" err="1"/>
-              <a:t>TrcMotor</a:t>
-            </a:r>
-            <a:endParaRPr lang="en-US" dirty="0"/>
+              <a:rPr lang="en-US" dirty="0"/>
+              <a:t>Exercise: Smart Motor Controllers</a:t>
+            </a:r>
           </a:p>
         </p:txBody>
       </p:sp>
@@ -20451,7 +20531,7 @@
           <p:cNvPr id="3" name="Content Placeholder 2">
             <a:extLst>
               <a:ext uri="{FF2B5EF4-FFF2-40B4-BE49-F238E27FC236}">
-                <a16:creationId xmlns:a16="http://schemas.microsoft.com/office/drawing/2014/main" id="{2A3F0402-B38E-8165-0B69-80AA4CA15D63}"/>
+                <a16:creationId xmlns:a16="http://schemas.microsoft.com/office/drawing/2014/main" id="{06A58EDA-0195-7583-69F2-ECDB1CC19668}"/>
               </a:ext>
             </a:extLst>
           </p:cNvPr>
@@ -20464,127 +20544,116 @@
         </p:nvSpPr>
         <p:spPr>
           <a:xfrm>
-            <a:off x="650790" y="2261285"/>
-            <a:ext cx="10989276" cy="4477265"/>
+            <a:off x="617838" y="2368378"/>
+            <a:ext cx="10906897" cy="4213654"/>
           </a:xfrm>
         </p:spPr>
         <p:txBody>
           <a:bodyPr>
-            <a:normAutofit fontScale="92500" lnSpcReduction="20000"/>
+            <a:normAutofit/>
           </a:bodyPr>
           <a:lstStyle/>
           <a:p>
             <a:r>
               <a:rPr lang="en-US" dirty="0"/>
-              <a:t>All motor controller classes extend </a:t>
+              <a:t>In Robot.java, create a Talon SRX motor controller.</a:t>
+            </a:r>
+          </a:p>
+          <a:p>
+            <a:pPr lvl="1"/>
+            <a:r>
+              <a:rPr lang="en-US" dirty="0"/>
+              <a:t>Create a class variable (</a:t>
             </a:r>
             <a:r>
               <a:rPr lang="en-US" dirty="0" err="1"/>
-              <a:t>TrcMotor</a:t>
-            </a:r>
-            <a:r>
-              <a:rPr lang="en-US" dirty="0"/>
-              <a:t>. Different motor controllers have different capabilities. </a:t>
+              <a:t>canMotor</a:t>
+            </a:r>
+            <a:r>
+              <a:rPr lang="en-US" dirty="0"/>
+              <a:t>) to hold the created smart motor controller object (e.g. </a:t>
             </a:r>
             <a:r>
               <a:rPr lang="en-US" dirty="0" err="1"/>
-              <a:t>TrcMotor</a:t>
-            </a:r>
-            <a:r>
-              <a:rPr lang="en-US" dirty="0"/>
-              <a:t> simulates features that the motor controller does not have native support, using software wherever possible. Examples:</a:t>
+              <a:t>FrcCANTalon</a:t>
+            </a:r>
+            <a:r>
+              <a:rPr lang="en-US" dirty="0"/>
+              <a:t>).</a:t>
             </a:r>
           </a:p>
           <a:p>
             <a:pPr lvl="1"/>
             <a:r>
               <a:rPr lang="en-US" dirty="0"/>
-              <a:t>Simulates close-loop control for simple motor controllers with software PID and external position sensor.</a:t>
+              <a:t>In </a:t>
+            </a:r>
+            <a:r>
+              <a:rPr lang="en-US" dirty="0" err="1"/>
+              <a:t>robotInit</a:t>
+            </a:r>
+            <a:r>
+              <a:rPr lang="en-US" dirty="0"/>
+              <a:t> method, create the motor controller object specifying a name and its assigned CAN ID.</a:t>
+            </a:r>
+          </a:p>
+          <a:p>
+            <a:r>
+              <a:rPr lang="en-US" dirty="0"/>
+              <a:t>In FrcTeleOp.java, add code to control a motor connected to the motor controller by a game controller and print a message showing the motor power on the dashboard.</a:t>
             </a:r>
           </a:p>
           <a:p>
             <a:pPr lvl="1"/>
             <a:r>
               <a:rPr lang="en-US" dirty="0"/>
-              <a:t>Simulates limit switch protection for simple motor controllers with external limit switches.</a:t>
-            </a:r>
-          </a:p>
-          <a:p>
+              <a:t>Read the Xbox left stick for the Y-axis (</a:t>
+            </a:r>
             <a:r>
               <a:rPr lang="en-US" dirty="0" err="1"/>
-              <a:t>TrcMotor</a:t>
-            </a:r>
-            <a:r>
-              <a:rPr lang="en-US" dirty="0"/>
-              <a:t> features with software simulation:</a:t>
+              <a:t>robot.driverController.getLeftYWithDeadband</a:t>
+            </a:r>
+            <a:r>
+              <a:rPr lang="en-US" dirty="0"/>
+              <a:t>).</a:t>
             </a:r>
           </a:p>
           <a:p>
             <a:pPr lvl="1"/>
             <a:r>
               <a:rPr lang="en-US" dirty="0"/>
-              <a:t>Motor direction.</a:t>
+              <a:t>Set the motor power with the joystick value (</a:t>
+            </a:r>
+            <a:r>
+              <a:rPr lang="en-US" dirty="0" err="1"/>
+              <a:t>robot.canMotor.set</a:t>
+            </a:r>
+            <a:r>
+              <a:rPr lang="en-US" dirty="0"/>
+              <a:t>).</a:t>
             </a:r>
           </a:p>
           <a:p>
             <a:pPr lvl="1"/>
             <a:r>
               <a:rPr lang="en-US" dirty="0"/>
-              <a:t>Motor followers.</a:t>
-            </a:r>
-          </a:p>
-          <a:p>
-            <a:pPr lvl="1"/>
-            <a:r>
-              <a:rPr lang="en-US" dirty="0"/>
-              <a:t>Position sensor direction.</a:t>
-            </a:r>
-          </a:p>
-          <a:p>
-            <a:pPr lvl="1"/>
-            <a:r>
-              <a:rPr lang="en-US" dirty="0"/>
-              <a:t>Motor odometry (position, velocity, current).</a:t>
-            </a:r>
-          </a:p>
-          <a:p>
-            <a:pPr lvl="1"/>
-            <a:r>
-              <a:rPr lang="en-US" dirty="0"/>
-              <a:t>Limit switches.</a:t>
-            </a:r>
-          </a:p>
-          <a:p>
-            <a:pPr lvl="1"/>
-            <a:r>
-              <a:rPr lang="en-US" dirty="0"/>
-              <a:t>Close-loop control (position control, velocity control).</a:t>
-            </a:r>
-          </a:p>
-          <a:p>
-            <a:pPr lvl="1"/>
-            <a:r>
-              <a:rPr lang="en-US" dirty="0"/>
-              <a:t>Motor stall detection/protection.</a:t>
-            </a:r>
-          </a:p>
-          <a:p>
-            <a:pPr lvl="1"/>
-            <a:r>
-              <a:rPr lang="en-US" dirty="0"/>
-              <a:t>Motor zero position calibration.</a:t>
-            </a:r>
-          </a:p>
-          <a:p>
-            <a:pPr lvl="1"/>
-            <a:endParaRPr lang="en-US" dirty="0"/>
+              <a:t>Display the motor power value to the dashboard (</a:t>
+            </a:r>
+            <a:r>
+              <a:rPr lang="en-US" dirty="0" err="1"/>
+              <a:t>robot.dashboard.displayPrintf</a:t>
+            </a:r>
+            <a:r>
+              <a:rPr lang="en-US" dirty="0"/>
+              <a:t>).</a:t>
+            </a:r>
           </a:p>
         </p:txBody>
       </p:sp>
     </p:spTree>
     <p:extLst>
       <p:ext uri="{BB962C8B-B14F-4D97-AF65-F5344CB8AC3E}">
-        <p14:creationId xmlns:p14="http://schemas.microsoft.com/office/powerpoint/2010/main" val="1041110122"/>
+        <p14:creationId xmlns:p14="http://schemas.microsoft.com/office/powerpoint/2010/main" val="756278377"/>
       </p:ext>
     </p:extLst>
   </p:cSld>
@@ -20616,7 +20685,7 @@
           <p:cNvPr id="2" name="Title 1">
             <a:extLst>
               <a:ext uri="{FF2B5EF4-FFF2-40B4-BE49-F238E27FC236}">
-                <a16:creationId xmlns:a16="http://schemas.microsoft.com/office/drawing/2014/main" id="{871A9152-653E-E3BA-4D18-5977A8EDDDFB}"/>
+                <a16:creationId xmlns:a16="http://schemas.microsoft.com/office/drawing/2014/main" id="{193CD25E-73CD-88C7-F1B2-5092D106275D}"/>
               </a:ext>
             </a:extLst>
           </p:cNvPr>
@@ -20633,9 +20702,10 @@
           <a:lstStyle/>
           <a:p>
             <a:r>
-              <a:rPr lang="en-US" dirty="0"/>
-              <a:t>Exercise: Smart Motor Controllers</a:t>
-            </a:r>
+              <a:rPr lang="en-US" dirty="0" err="1"/>
+              <a:t>TrcMotor</a:t>
+            </a:r>
+            <a:endParaRPr lang="en-US" dirty="0"/>
           </a:p>
         </p:txBody>
       </p:sp>
@@ -20644,7 +20714,7 @@
           <p:cNvPr id="3" name="Content Placeholder 2">
             <a:extLst>
               <a:ext uri="{FF2B5EF4-FFF2-40B4-BE49-F238E27FC236}">
-                <a16:creationId xmlns:a16="http://schemas.microsoft.com/office/drawing/2014/main" id="{06A58EDA-0195-7583-69F2-ECDB1CC19668}"/>
+                <a16:creationId xmlns:a16="http://schemas.microsoft.com/office/drawing/2014/main" id="{2A3F0402-B38E-8165-0B69-80AA4CA15D63}"/>
               </a:ext>
             </a:extLst>
           </p:cNvPr>
@@ -20655,44 +20725,121 @@
             <p:ph idx="1"/>
           </p:nvPr>
         </p:nvSpPr>
-        <p:spPr/>
+        <p:spPr>
+          <a:xfrm>
+            <a:off x="650790" y="2261285"/>
+            <a:ext cx="10989276" cy="4477265"/>
+          </a:xfrm>
+        </p:spPr>
         <p:txBody>
-          <a:bodyPr/>
+          <a:bodyPr>
+            <a:normAutofit fontScale="92500" lnSpcReduction="20000"/>
+          </a:bodyPr>
           <a:lstStyle/>
           <a:p>
             <a:r>
               <a:rPr lang="en-US" dirty="0"/>
-              <a:t>In Robot.java, create a Talon SRX motor controller.</a:t>
-            </a:r>
-          </a:p>
-          <a:p>
-            <a:r>
-              <a:rPr lang="en-US" dirty="0"/>
-              <a:t>In FrcTeleOp.java, add code to control a motor connected to the motor controller by a game controller and print a message showing the motor power to line 4 of the dashboard (hint: use the periodic method). Use the following methods:</a:t>
+              <a:t>All motor controller classes extend </a:t>
+            </a:r>
+            <a:r>
+              <a:rPr lang="en-US" dirty="0" err="1"/>
+              <a:t>TrcMotor</a:t>
+            </a:r>
+            <a:r>
+              <a:rPr lang="en-US" dirty="0"/>
+              <a:t> including PWM motor controllers and smart motor controllers. Different motor controllers have different capabilities. </a:t>
+            </a:r>
+            <a:r>
+              <a:rPr lang="en-US" dirty="0" err="1"/>
+              <a:t>TrcMotor</a:t>
+            </a:r>
+            <a:r>
+              <a:rPr lang="en-US" dirty="0"/>
+              <a:t> simulates features that the motor controller does not have native support, using software wherever possible. Examples:</a:t>
             </a:r>
           </a:p>
           <a:p>
             <a:pPr lvl="1"/>
             <a:r>
+              <a:rPr lang="en-US" dirty="0"/>
+              <a:t>Simulates close-loop control for PWM motor controllers with software PID and external position sensor.</a:t>
+            </a:r>
+          </a:p>
+          <a:p>
+            <a:pPr lvl="1"/>
+            <a:r>
+              <a:rPr lang="en-US" dirty="0"/>
+              <a:t>Simulates limit switch protection for PWM motor controllers with external limit switches.</a:t>
+            </a:r>
+          </a:p>
+          <a:p>
+            <a:r>
               <a:rPr lang="en-US" dirty="0" err="1"/>
-              <a:t>robot.dashboard.displayPrintf</a:t>
-            </a:r>
-            <a:endParaRPr lang="en-US" dirty="0"/>
+              <a:t>TrcMotor</a:t>
+            </a:r>
+            <a:r>
+              <a:rPr lang="en-US" dirty="0"/>
+              <a:t> features with software simulation:</a:t>
+            </a:r>
           </a:p>
           <a:p>
             <a:pPr lvl="1"/>
             <a:r>
-              <a:rPr lang="en-US" dirty="0" err="1"/>
-              <a:t>robot.driveController.getYWithDeadband</a:t>
-            </a:r>
-            <a:endParaRPr lang="en-US" dirty="0"/>
+              <a:rPr lang="en-US" dirty="0"/>
+              <a:t>Motor direction.</a:t>
+            </a:r>
           </a:p>
           <a:p>
             <a:pPr lvl="1"/>
             <a:r>
-              <a:rPr lang="en-US" dirty="0" err="1"/>
-              <a:t>robot.talonMotor.set</a:t>
-            </a:r>
+              <a:rPr lang="en-US" dirty="0"/>
+              <a:t>Motor followers.</a:t>
+            </a:r>
+          </a:p>
+          <a:p>
+            <a:pPr lvl="1"/>
+            <a:r>
+              <a:rPr lang="en-US" dirty="0"/>
+              <a:t>Position sensor direction.</a:t>
+            </a:r>
+          </a:p>
+          <a:p>
+            <a:pPr lvl="1"/>
+            <a:r>
+              <a:rPr lang="en-US" dirty="0"/>
+              <a:t>Motor odometry (position, velocity, current).</a:t>
+            </a:r>
+          </a:p>
+          <a:p>
+            <a:pPr lvl="1"/>
+            <a:r>
+              <a:rPr lang="en-US" dirty="0"/>
+              <a:t>Limit switches.</a:t>
+            </a:r>
+          </a:p>
+          <a:p>
+            <a:pPr lvl="1"/>
+            <a:r>
+              <a:rPr lang="en-US" dirty="0"/>
+              <a:t>Close-loop control (position control, velocity control).</a:t>
+            </a:r>
+          </a:p>
+          <a:p>
+            <a:pPr lvl="1"/>
+            <a:r>
+              <a:rPr lang="en-US" dirty="0"/>
+              <a:t>Motor stall detection/protection.</a:t>
+            </a:r>
+          </a:p>
+          <a:p>
+            <a:pPr lvl="1"/>
+            <a:r>
+              <a:rPr lang="en-US" dirty="0"/>
+              <a:t>Motor zero position calibration.</a:t>
+            </a:r>
+          </a:p>
+          <a:p>
+            <a:pPr lvl="1"/>
             <a:endParaRPr lang="en-US" dirty="0"/>
           </a:p>
         </p:txBody>
@@ -20700,7 +20847,7 @@
     </p:spTree>
     <p:extLst>
       <p:ext uri="{BB962C8B-B14F-4D97-AF65-F5344CB8AC3E}">
-        <p14:creationId xmlns:p14="http://schemas.microsoft.com/office/powerpoint/2010/main" val="756278377"/>
+        <p14:creationId xmlns:p14="http://schemas.microsoft.com/office/powerpoint/2010/main" val="1041110122"/>
       </p:ext>
     </p:extLst>
   </p:cSld>
@@ -20773,8 +20920,8 @@
         </p:nvSpPr>
         <p:spPr>
           <a:xfrm>
-            <a:off x="1154954" y="2603500"/>
-            <a:ext cx="8825659" cy="3948302"/>
+            <a:off x="741405" y="2393091"/>
+            <a:ext cx="10783329" cy="4361935"/>
           </a:xfrm>
         </p:spPr>
         <p:txBody>
@@ -20813,28 +20960,49 @@
             <a:pPr lvl="1"/>
             <a:r>
               <a:rPr lang="en-US" dirty="0"/>
-              <a:t>Input: Game Controller and Button Panel</a:t>
+              <a:t>Game Controller and Button Panel</a:t>
             </a:r>
           </a:p>
           <a:p>
             <a:pPr lvl="1"/>
             <a:r>
               <a:rPr lang="en-US" dirty="0"/>
-              <a:t>Output: Motor Controllers</a:t>
+              <a:t>Motor Controllers</a:t>
             </a:r>
           </a:p>
           <a:p>
             <a:pPr lvl="1"/>
             <a:r>
               <a:rPr lang="en-US" dirty="0"/>
-              <a:t>Output: Servo Motors</a:t>
+              <a:t>Servo Motors</a:t>
             </a:r>
           </a:p>
           <a:p>
             <a:pPr lvl="1"/>
             <a:r>
               <a:rPr lang="en-US" dirty="0"/>
-              <a:t>Output: Pneumatics</a:t>
+              <a:t>Relays</a:t>
+            </a:r>
+          </a:p>
+          <a:p>
+            <a:pPr lvl="1"/>
+            <a:r>
+              <a:rPr lang="en-US" dirty="0"/>
+              <a:t>Pneumatics</a:t>
+            </a:r>
+          </a:p>
+          <a:p>
+            <a:pPr lvl="1"/>
+            <a:r>
+              <a:rPr lang="en-US" dirty="0"/>
+              <a:t>Sensors</a:t>
+            </a:r>
+          </a:p>
+          <a:p>
+            <a:pPr lvl="1"/>
+            <a:r>
+              <a:rPr lang="en-US" dirty="0"/>
+              <a:t>Indicators</a:t>
             </a:r>
           </a:p>
         </p:txBody>
@@ -20915,19 +21083,26 @@
         </p:nvSpPr>
         <p:spPr>
           <a:xfrm>
-            <a:off x="1154954" y="2364259"/>
-            <a:ext cx="6691587" cy="4324865"/>
+            <a:off x="539578" y="2253049"/>
+            <a:ext cx="7306963" cy="4576119"/>
           </a:xfrm>
         </p:spPr>
         <p:txBody>
           <a:bodyPr>
-            <a:normAutofit fontScale="77500" lnSpcReduction="20000"/>
+            <a:normAutofit fontScale="85000" lnSpcReduction="10000"/>
           </a:bodyPr>
           <a:lstStyle/>
           <a:p>
             <a:r>
               <a:rPr lang="en-US" dirty="0"/>
-              <a:t>Position servos: communicates via PWM signal between 1 </a:t>
+              <a:t>Three types of servo motors:</a:t>
+            </a:r>
+          </a:p>
+          <a:p>
+            <a:pPr lvl="1"/>
+            <a:r>
+              <a:rPr lang="en-US" dirty="0"/>
+              <a:t>Position servos: have limited range of motion usually 90-degree or 180-degree, communicate via PWM signal between 1 </a:t>
             </a:r>
             <a:r>
               <a:rPr lang="en-US" dirty="0" err="1"/>
@@ -20971,9 +21146,10 @@
             </a:r>
           </a:p>
           <a:p>
-            <a:r>
-              <a:rPr lang="en-US" dirty="0"/>
-              <a:t>Continuous servos: communicates via PWM signal between 1 </a:t>
+            <a:pPr lvl="1"/>
+            <a:r>
+              <a:rPr lang="en-US" dirty="0"/>
+              <a:t>Continuous servos: similar to DC motors on PWM motor controllers but with smaller form factor and weaker strength, communicate via PWM signal between 1 </a:t>
             </a:r>
             <a:r>
               <a:rPr lang="en-US" dirty="0" err="1"/>
@@ -21017,9 +21193,10 @@
             </a:r>
           </a:p>
           <a:p>
-            <a:r>
-              <a:rPr lang="en-US" dirty="0"/>
-              <a:t>Digital servos: smart servo with built-in processor. Can be programmed to be position servo or continuous servo. Can change servo parameters such as the position range, </a:t>
+            <a:pPr lvl="1"/>
+            <a:r>
+              <a:rPr lang="en-US" dirty="0"/>
+              <a:t>Digital servos: programmable servo that can be programmed as position servo or continuous servo, can change servo parameters such as the position range, </a:t>
             </a:r>
             <a:r>
               <a:rPr lang="en-US" dirty="0" err="1"/>
@@ -21033,154 +21210,117 @@
           <a:p>
             <a:r>
               <a:rPr lang="en-US" dirty="0"/>
-              <a:t>Create a servo:</a:t>
+              <a:t>Constructors:</a:t>
             </a:r>
             <a:br>
               <a:rPr lang="en-US" dirty="0"/>
             </a:br>
             <a:r>
-              <a:rPr lang="en-US" dirty="0"/>
-              <a:t>new </a:t>
-            </a:r>
-            <a:r>
-              <a:rPr lang="en-US" dirty="0" err="1"/>
+              <a:rPr lang="en-US" b="0" dirty="0" err="1">
+                <a:solidFill>
+                  <a:srgbClr val="DCDCAA"/>
+                </a:solidFill>
+                <a:effectLst/>
+                <a:latin typeface="Consolas" panose="020B0609020204030204" pitchFamily="49" charset="0"/>
+              </a:rPr>
               <a:t>FrcServo</a:t>
             </a:r>
             <a:r>
-              <a:rPr lang="en-US" dirty="0"/>
+              <a:rPr lang="en-US" b="0" dirty="0">
+                <a:solidFill>
+                  <a:srgbClr val="D4D4D4"/>
+                </a:solidFill>
+                <a:effectLst/>
+                <a:latin typeface="Consolas" panose="020B0609020204030204" pitchFamily="49" charset="0"/>
+              </a:rPr>
               <a:t>(</a:t>
             </a:r>
             <a:r>
-              <a:rPr lang="en-US" dirty="0" err="1"/>
+              <a:rPr lang="en-US" b="0" dirty="0">
+                <a:solidFill>
+                  <a:srgbClr val="4EC9B0"/>
+                </a:solidFill>
+                <a:effectLst/>
+                <a:latin typeface="Consolas" panose="020B0609020204030204" pitchFamily="49" charset="0"/>
+              </a:rPr>
+              <a:t>String</a:t>
+            </a:r>
+            <a:r>
+              <a:rPr lang="en-US" b="0" dirty="0">
+                <a:solidFill>
+                  <a:srgbClr val="D4D4D4"/>
+                </a:solidFill>
+                <a:effectLst/>
+                <a:latin typeface="Consolas" panose="020B0609020204030204" pitchFamily="49" charset="0"/>
+              </a:rPr>
+              <a:t> </a:t>
+            </a:r>
+            <a:r>
+              <a:rPr lang="en-US" b="0" dirty="0" err="1">
+                <a:solidFill>
+                  <a:srgbClr val="9CDCFE"/>
+                </a:solidFill>
+                <a:effectLst/>
+                <a:latin typeface="Consolas" panose="020B0609020204030204" pitchFamily="49" charset="0"/>
+              </a:rPr>
               <a:t>instanceName</a:t>
             </a:r>
             <a:r>
-              <a:rPr lang="en-US" dirty="0"/>
+              <a:rPr lang="en-US" b="0" dirty="0">
+                <a:solidFill>
+                  <a:srgbClr val="D4D4D4"/>
+                </a:solidFill>
+                <a:effectLst/>
+                <a:latin typeface="Consolas" panose="020B0609020204030204" pitchFamily="49" charset="0"/>
+              </a:rPr>
               <a:t>, </a:t>
             </a:r>
             <a:r>
-              <a:rPr lang="en-US" dirty="0" err="1"/>
+              <a:rPr lang="en-US" b="0" dirty="0">
+                <a:solidFill>
+                  <a:srgbClr val="4EC9B0"/>
+                </a:solidFill>
+                <a:effectLst/>
+                <a:latin typeface="Consolas" panose="020B0609020204030204" pitchFamily="49" charset="0"/>
+              </a:rPr>
+              <a:t>int</a:t>
+            </a:r>
+            <a:r>
+              <a:rPr lang="en-US" b="0" dirty="0">
+                <a:solidFill>
+                  <a:srgbClr val="D4D4D4"/>
+                </a:solidFill>
+                <a:effectLst/>
+                <a:latin typeface="Consolas" panose="020B0609020204030204" pitchFamily="49" charset="0"/>
+              </a:rPr>
+              <a:t> </a:t>
+            </a:r>
+            <a:r>
+              <a:rPr lang="en-US" b="0" dirty="0" err="1">
+                <a:solidFill>
+                  <a:srgbClr val="9CDCFE"/>
+                </a:solidFill>
+                <a:effectLst/>
+                <a:latin typeface="Consolas" panose="020B0609020204030204" pitchFamily="49" charset="0"/>
+              </a:rPr>
               <a:t>pwmChannel</a:t>
             </a:r>
             <a:r>
-              <a:rPr lang="en-US" dirty="0"/>
+              <a:rPr lang="en-US" b="0" dirty="0">
+                <a:solidFill>
+                  <a:srgbClr val="D4D4D4"/>
+                </a:solidFill>
+                <a:effectLst/>
+                <a:latin typeface="Consolas" panose="020B0609020204030204" pitchFamily="49" charset="0"/>
+              </a:rPr>
               <a:t>)</a:t>
             </a:r>
-          </a:p>
-          <a:p>
-            <a:r>
-              <a:rPr lang="en-US" dirty="0"/>
-              <a:t>Constructors:</a:t>
-            </a:r>
-            <a:br>
-              <a:rPr lang="en-US" dirty="0"/>
-            </a:br>
-            <a:r>
-              <a:rPr lang="en-US" b="0" dirty="0" err="1">
-                <a:solidFill>
-                  <a:srgbClr val="DCDCAA"/>
-                </a:solidFill>
-                <a:effectLst/>
-                <a:latin typeface="Consolas" panose="020B0609020204030204" pitchFamily="49" charset="0"/>
-              </a:rPr>
-              <a:t>FrcServo</a:t>
-            </a:r>
-            <a:r>
-              <a:rPr lang="en-US" b="0" dirty="0">
-                <a:solidFill>
-                  <a:srgbClr val="D4D4D4"/>
-                </a:solidFill>
-                <a:effectLst/>
-                <a:latin typeface="Consolas" panose="020B0609020204030204" pitchFamily="49" charset="0"/>
-              </a:rPr>
-              <a:t>(</a:t>
-            </a:r>
-            <a:r>
-              <a:rPr lang="en-US" b="0" dirty="0">
-                <a:solidFill>
-                  <a:srgbClr val="4EC9B0"/>
-                </a:solidFill>
-                <a:effectLst/>
-                <a:latin typeface="Consolas" panose="020B0609020204030204" pitchFamily="49" charset="0"/>
-              </a:rPr>
-              <a:t>String</a:t>
-            </a:r>
-            <a:r>
-              <a:rPr lang="en-US" b="0" dirty="0">
-                <a:solidFill>
-                  <a:srgbClr val="D4D4D4"/>
-                </a:solidFill>
-                <a:effectLst/>
-                <a:latin typeface="Consolas" panose="020B0609020204030204" pitchFamily="49" charset="0"/>
-              </a:rPr>
-              <a:t> </a:t>
-            </a:r>
-            <a:r>
-              <a:rPr lang="en-US" b="0" dirty="0" err="1">
-                <a:solidFill>
-                  <a:srgbClr val="9CDCFE"/>
-                </a:solidFill>
-                <a:effectLst/>
-                <a:latin typeface="Consolas" panose="020B0609020204030204" pitchFamily="49" charset="0"/>
-              </a:rPr>
-              <a:t>instanceName</a:t>
-            </a:r>
-            <a:r>
-              <a:rPr lang="en-US" b="0" dirty="0">
-                <a:solidFill>
-                  <a:srgbClr val="D4D4D4"/>
-                </a:solidFill>
-                <a:effectLst/>
-                <a:latin typeface="Consolas" panose="020B0609020204030204" pitchFamily="49" charset="0"/>
-              </a:rPr>
-              <a:t>, </a:t>
-            </a:r>
-            <a:r>
-              <a:rPr lang="en-US" b="0" dirty="0">
-                <a:solidFill>
-                  <a:srgbClr val="4EC9B0"/>
-                </a:solidFill>
-                <a:effectLst/>
-                <a:latin typeface="Consolas" panose="020B0609020204030204" pitchFamily="49" charset="0"/>
-              </a:rPr>
-              <a:t>int</a:t>
-            </a:r>
-            <a:r>
-              <a:rPr lang="en-US" b="0" dirty="0">
-                <a:solidFill>
-                  <a:srgbClr val="D4D4D4"/>
-                </a:solidFill>
-                <a:effectLst/>
-                <a:latin typeface="Consolas" panose="020B0609020204030204" pitchFamily="49" charset="0"/>
-              </a:rPr>
-              <a:t> </a:t>
-            </a:r>
-            <a:r>
-              <a:rPr lang="en-US" b="0" dirty="0" err="1">
-                <a:solidFill>
-                  <a:srgbClr val="9CDCFE"/>
-                </a:solidFill>
-                <a:effectLst/>
-                <a:latin typeface="Consolas" panose="020B0609020204030204" pitchFamily="49" charset="0"/>
-              </a:rPr>
-              <a:t>pwmChannel</a:t>
-            </a:r>
-            <a:r>
-              <a:rPr lang="en-US" b="0" dirty="0">
-                <a:solidFill>
-                  <a:srgbClr val="D4D4D4"/>
-                </a:solidFill>
-                <a:effectLst/>
-                <a:latin typeface="Consolas" panose="020B0609020204030204" pitchFamily="49" charset="0"/>
-              </a:rPr>
-              <a:t>)</a:t>
-            </a:r>
             <a:endParaRPr lang="en-US" dirty="0"/>
           </a:p>
           <a:p>
             <a:r>
               <a:rPr lang="en-US" dirty="0"/>
-              <a:t>Popular Methods:</a:t>
+              <a:t>Useful Methods:</a:t>
             </a:r>
             <a:br>
               <a:rPr lang="en-US" dirty="0"/>
@@ -21439,7 +21579,7 @@
                 </a:solidFill>
                 <a:latin typeface="Consolas" panose="020B0609020204030204" pitchFamily="49" charset="0"/>
               </a:rPr>
-              <a:t>		//for continuous servo</a:t>
+              <a:t>			//for continuous servo</a:t>
             </a:r>
             <a:endParaRPr lang="en-US" b="0" dirty="0">
               <a:solidFill>
@@ -21555,7 +21695,12 @@
             <p:ph idx="1"/>
           </p:nvPr>
         </p:nvSpPr>
-        <p:spPr/>
+        <p:spPr>
+          <a:xfrm>
+            <a:off x="654908" y="2372497"/>
+            <a:ext cx="10882184" cy="4403125"/>
+          </a:xfrm>
+        </p:spPr>
         <p:txBody>
           <a:bodyPr>
             <a:normAutofit/>
@@ -21568,36 +21713,84 @@
             </a:r>
           </a:p>
           <a:p>
-            <a:r>
-              <a:rPr lang="en-US" dirty="0"/>
-              <a:t>In FrcTeleOp.java, add code to control a servo by buttons on a game controller. For example:</a:t>
-            </a:r>
-          </a:p>
-          <a:p>
             <a:pPr lvl="1"/>
             <a:r>
               <a:rPr lang="en-US" dirty="0"/>
-              <a:t>Button X: 0-degree</a:t>
+              <a:t>Create a class variable (servo) to hold the created servo motor object (e.g. </a:t>
+            </a:r>
+            <a:r>
+              <a:rPr lang="en-US" dirty="0" err="1"/>
+              <a:t>FrcServo</a:t>
+            </a:r>
+            <a:r>
+              <a:rPr lang="en-US" dirty="0"/>
+              <a:t>).</a:t>
             </a:r>
           </a:p>
           <a:p>
             <a:pPr lvl="1"/>
             <a:r>
               <a:rPr lang="en-US" dirty="0"/>
-              <a:t>Button Y: 90-degree</a:t>
+              <a:t>In </a:t>
+            </a:r>
+            <a:r>
+              <a:rPr lang="en-US" dirty="0" err="1"/>
+              <a:t>robotInit</a:t>
+            </a:r>
+            <a:r>
+              <a:rPr lang="en-US" dirty="0"/>
+              <a:t> method, create the servo motor object specifying a name and the PWM channel it’s plugged into.</a:t>
+            </a:r>
+          </a:p>
+          <a:p>
+            <a:r>
+              <a:rPr lang="en-US" dirty="0"/>
+              <a:t>In FrcTeleOp.java, add code in the periodic method to control a servo by using the left trigger of the Xbox controller. (i.e. releasing it to go to 0-degree position and pressing it fully to go to 180-degree) and print a message on the dashboard to show the servo position.</a:t>
             </a:r>
           </a:p>
           <a:p>
             <a:pPr lvl="1"/>
             <a:r>
               <a:rPr lang="en-US" dirty="0"/>
-              <a:t>Button B: 180-degree</a:t>
-            </a:r>
-          </a:p>
-          <a:p>
-            <a:r>
-              <a:rPr lang="en-US" dirty="0"/>
-              <a:t>Print a message to the dashboard when the servo changes its position.</a:t>
+              <a:t>Read the Xbox left trigger (</a:t>
+            </a:r>
+            <a:r>
+              <a:rPr lang="en-US" dirty="0" err="1"/>
+              <a:t>robot.driverController.getLeftTriggerWithDeadband</a:t>
+            </a:r>
+            <a:r>
+              <a:rPr lang="en-US" dirty="0"/>
+              <a:t>).</a:t>
+            </a:r>
+          </a:p>
+          <a:p>
+            <a:pPr lvl="1"/>
+            <a:r>
+              <a:rPr lang="en-US" dirty="0"/>
+              <a:t>Set the servo position with the trigger value (</a:t>
+            </a:r>
+            <a:r>
+              <a:rPr lang="en-US" dirty="0" err="1"/>
+              <a:t>robot.servo.setPosition</a:t>
+            </a:r>
+            <a:r>
+              <a:rPr lang="en-US" dirty="0"/>
+              <a:t>).</a:t>
+            </a:r>
+          </a:p>
+          <a:p>
+            <a:pPr lvl="1"/>
+            <a:r>
+              <a:rPr lang="en-US" dirty="0"/>
+              <a:t>Display the servo position to the dashboard (</a:t>
+            </a:r>
+            <a:r>
+              <a:rPr lang="en-US" dirty="0" err="1"/>
+              <a:t>robot.dashboard.displayPrintf</a:t>
+            </a:r>
+            <a:r>
+              <a:rPr lang="en-US" dirty="0"/>
+              <a:t>).</a:t>
             </a:r>
           </a:p>
         </p:txBody>
@@ -21637,6 +21830,629 @@
           <p:cNvPr id="2" name="Title 1">
             <a:extLst>
               <a:ext uri="{FF2B5EF4-FFF2-40B4-BE49-F238E27FC236}">
+                <a16:creationId xmlns:a16="http://schemas.microsoft.com/office/drawing/2014/main" id="{B2E02B6C-2712-6E8F-7DD3-40E5BB5C2438}"/>
+              </a:ext>
+            </a:extLst>
+          </p:cNvPr>
+          <p:cNvSpPr>
+            <a:spLocks noGrp="1"/>
+          </p:cNvSpPr>
+          <p:nvPr>
+            <p:ph type="title"/>
+          </p:nvPr>
+        </p:nvSpPr>
+        <p:spPr/>
+        <p:txBody>
+          <a:bodyPr/>
+          <a:lstStyle/>
+          <a:p>
+            <a:r>
+              <a:rPr lang="en-US" dirty="0"/>
+              <a:t>Relay</a:t>
+            </a:r>
+          </a:p>
+        </p:txBody>
+      </p:sp>
+      <p:sp>
+        <p:nvSpPr>
+          <p:cNvPr id="3" name="Content Placeholder 2">
+            <a:extLst>
+              <a:ext uri="{FF2B5EF4-FFF2-40B4-BE49-F238E27FC236}">
+                <a16:creationId xmlns:a16="http://schemas.microsoft.com/office/drawing/2014/main" id="{22072D70-05A5-CA4F-5843-27D1400F26D2}"/>
+              </a:ext>
+            </a:extLst>
+          </p:cNvPr>
+          <p:cNvSpPr>
+            <a:spLocks noGrp="1"/>
+          </p:cNvSpPr>
+          <p:nvPr>
+            <p:ph idx="1"/>
+          </p:nvPr>
+        </p:nvSpPr>
+        <p:spPr>
+          <a:xfrm>
+            <a:off x="584886" y="2310713"/>
+            <a:ext cx="10997514" cy="4497859"/>
+          </a:xfrm>
+        </p:spPr>
+        <p:txBody>
+          <a:bodyPr>
+            <a:normAutofit fontScale="92500" lnSpcReduction="10000"/>
+          </a:bodyPr>
+          <a:lstStyle/>
+          <a:p>
+            <a:r>
+              <a:rPr lang="en-US" dirty="0"/>
+              <a:t>Relay is a switch. It has three states:</a:t>
+            </a:r>
+          </a:p>
+          <a:p>
+            <a:pPr lvl="1"/>
+            <a:r>
+              <a:rPr lang="en-US" dirty="0"/>
+              <a:t>OFF: Output is disconnected from the input power.</a:t>
+            </a:r>
+          </a:p>
+          <a:p>
+            <a:pPr lvl="1"/>
+            <a:r>
+              <a:rPr lang="en-US" dirty="0"/>
+              <a:t>FWD: Positive output is connected to positive power, negative output is connected to negative power.</a:t>
+            </a:r>
+          </a:p>
+          <a:p>
+            <a:pPr lvl="1"/>
+            <a:r>
+              <a:rPr lang="en-US" dirty="0"/>
+              <a:t>REV: Positive output is connected to negative power, negative output is connected to positive power.</a:t>
+            </a:r>
+          </a:p>
+          <a:p>
+            <a:r>
+              <a:rPr lang="en-US" dirty="0"/>
+              <a:t>It can be used to control a motor. Setting the relay to OFF stops the motor, FWD spins full speed in forward direction, REV spins full speed in reverse direction. Unlike motor controllers, relay does not regulate the motor speed. It’s either ON or OFF.</a:t>
+            </a:r>
+          </a:p>
+          <a:p>
+            <a:r>
+              <a:rPr lang="en-US" dirty="0"/>
+              <a:t>It is commonly used as an ON/OFF switch to LED lights. For example, the ring light used in vision.</a:t>
+            </a:r>
+          </a:p>
+          <a:p>
+            <a:r>
+              <a:rPr lang="en-US" dirty="0"/>
+              <a:t>Constructors:</a:t>
+            </a:r>
+            <a:br>
+              <a:rPr lang="en-US" dirty="0"/>
+            </a:br>
+            <a:r>
+              <a:rPr lang="en-US" b="0" dirty="0">
+                <a:solidFill>
+                  <a:srgbClr val="DCDCAA"/>
+                </a:solidFill>
+                <a:effectLst/>
+                <a:latin typeface="Consolas" panose="020B0609020204030204" pitchFamily="49" charset="0"/>
+              </a:rPr>
+              <a:t>Relay</a:t>
+            </a:r>
+            <a:r>
+              <a:rPr lang="en-US" b="0" dirty="0">
+                <a:solidFill>
+                  <a:srgbClr val="D4D4D4"/>
+                </a:solidFill>
+                <a:effectLst/>
+                <a:latin typeface="Consolas" panose="020B0609020204030204" pitchFamily="49" charset="0"/>
+              </a:rPr>
+              <a:t>(</a:t>
+            </a:r>
+            <a:r>
+              <a:rPr lang="en-US" b="0" dirty="0">
+                <a:solidFill>
+                  <a:srgbClr val="4EC9B0"/>
+                </a:solidFill>
+                <a:effectLst/>
+                <a:latin typeface="Consolas" panose="020B0609020204030204" pitchFamily="49" charset="0"/>
+              </a:rPr>
+              <a:t>int</a:t>
+            </a:r>
+            <a:r>
+              <a:rPr lang="en-US" b="0" dirty="0">
+                <a:solidFill>
+                  <a:srgbClr val="D4D4D4"/>
+                </a:solidFill>
+                <a:effectLst/>
+                <a:latin typeface="Consolas" panose="020B0609020204030204" pitchFamily="49" charset="0"/>
+              </a:rPr>
+              <a:t> </a:t>
+            </a:r>
+            <a:r>
+              <a:rPr lang="en-US" b="0" dirty="0">
+                <a:solidFill>
+                  <a:srgbClr val="9CDCFE"/>
+                </a:solidFill>
+                <a:effectLst/>
+                <a:latin typeface="Consolas" panose="020B0609020204030204" pitchFamily="49" charset="0"/>
+              </a:rPr>
+              <a:t>channel</a:t>
+            </a:r>
+            <a:r>
+              <a:rPr lang="en-US" b="0" dirty="0">
+                <a:solidFill>
+                  <a:srgbClr val="D4D4D4"/>
+                </a:solidFill>
+                <a:effectLst/>
+                <a:latin typeface="Consolas" panose="020B0609020204030204" pitchFamily="49" charset="0"/>
+              </a:rPr>
+              <a:t>, </a:t>
+            </a:r>
+            <a:r>
+              <a:rPr lang="en-US" b="0" dirty="0">
+                <a:solidFill>
+                  <a:srgbClr val="4EC9B0"/>
+                </a:solidFill>
+                <a:effectLst/>
+                <a:latin typeface="Consolas" panose="020B0609020204030204" pitchFamily="49" charset="0"/>
+              </a:rPr>
+              <a:t>Direction</a:t>
+            </a:r>
+            <a:r>
+              <a:rPr lang="en-US" b="0" dirty="0">
+                <a:solidFill>
+                  <a:srgbClr val="D4D4D4"/>
+                </a:solidFill>
+                <a:effectLst/>
+                <a:latin typeface="Consolas" panose="020B0609020204030204" pitchFamily="49" charset="0"/>
+              </a:rPr>
+              <a:t> </a:t>
+            </a:r>
+            <a:r>
+              <a:rPr lang="en-US" b="0" dirty="0">
+                <a:solidFill>
+                  <a:srgbClr val="9CDCFE"/>
+                </a:solidFill>
+                <a:effectLst/>
+                <a:latin typeface="Consolas" panose="020B0609020204030204" pitchFamily="49" charset="0"/>
+              </a:rPr>
+              <a:t>direction</a:t>
+            </a:r>
+            <a:r>
+              <a:rPr lang="en-US" b="0" dirty="0">
+                <a:solidFill>
+                  <a:srgbClr val="D4D4D4"/>
+                </a:solidFill>
+                <a:effectLst/>
+                <a:latin typeface="Consolas" panose="020B0609020204030204" pitchFamily="49" charset="0"/>
+              </a:rPr>
+              <a:t>)</a:t>
+            </a:r>
+            <a:br>
+              <a:rPr lang="en-US" b="0" dirty="0">
+                <a:solidFill>
+                  <a:srgbClr val="D4D4D4"/>
+                </a:solidFill>
+                <a:effectLst/>
+                <a:latin typeface="Consolas" panose="020B0609020204030204" pitchFamily="49" charset="0"/>
+              </a:rPr>
+            </a:br>
+            <a:r>
+              <a:rPr lang="en-US" dirty="0"/>
+              <a:t>channel – specifies relay channel</a:t>
+            </a:r>
+            <a:br>
+              <a:rPr lang="en-US" dirty="0"/>
+            </a:br>
+            <a:r>
+              <a:rPr lang="en-US" dirty="0"/>
+              <a:t>direction – specifies </a:t>
+            </a:r>
+            <a:r>
+              <a:rPr lang="en-US" dirty="0" err="1"/>
+              <a:t>kBoth</a:t>
+            </a:r>
+            <a:r>
+              <a:rPr lang="en-US" dirty="0"/>
+              <a:t>, </a:t>
+            </a:r>
+            <a:r>
+              <a:rPr lang="en-US" dirty="0" err="1"/>
+              <a:t>kForward</a:t>
+            </a:r>
+            <a:r>
+              <a:rPr lang="en-US" dirty="0"/>
+              <a:t> or </a:t>
+            </a:r>
+            <a:r>
+              <a:rPr lang="en-US" dirty="0" err="1"/>
+              <a:t>kReverse</a:t>
+            </a:r>
+            <a:endParaRPr lang="en-US" b="0" dirty="0">
+              <a:solidFill>
+                <a:srgbClr val="D4D4D4"/>
+              </a:solidFill>
+              <a:effectLst/>
+              <a:latin typeface="Consolas" panose="020B0609020204030204" pitchFamily="49" charset="0"/>
+            </a:endParaRPr>
+          </a:p>
+          <a:p>
+            <a:r>
+              <a:rPr lang="en-US" dirty="0"/>
+              <a:t>Methods:</a:t>
+            </a:r>
+            <a:br>
+              <a:rPr lang="en-US" dirty="0"/>
+            </a:br>
+            <a:r>
+              <a:rPr lang="en-US" b="0" dirty="0">
+                <a:solidFill>
+                  <a:srgbClr val="4EC9B0"/>
+                </a:solidFill>
+                <a:effectLst/>
+                <a:latin typeface="Consolas" panose="020B0609020204030204" pitchFamily="49" charset="0"/>
+              </a:rPr>
+              <a:t>void</a:t>
+            </a:r>
+            <a:r>
+              <a:rPr lang="en-US" b="0" dirty="0">
+                <a:solidFill>
+                  <a:srgbClr val="D4D4D4"/>
+                </a:solidFill>
+                <a:effectLst/>
+                <a:latin typeface="Consolas" panose="020B0609020204030204" pitchFamily="49" charset="0"/>
+              </a:rPr>
+              <a:t> </a:t>
+            </a:r>
+            <a:r>
+              <a:rPr lang="en-US" b="0" dirty="0">
+                <a:solidFill>
+                  <a:srgbClr val="DCDCAA"/>
+                </a:solidFill>
+                <a:effectLst/>
+                <a:latin typeface="Consolas" panose="020B0609020204030204" pitchFamily="49" charset="0"/>
+              </a:rPr>
+              <a:t>set</a:t>
+            </a:r>
+            <a:r>
+              <a:rPr lang="en-US" b="0" dirty="0">
+                <a:solidFill>
+                  <a:srgbClr val="D4D4D4"/>
+                </a:solidFill>
+                <a:effectLst/>
+                <a:latin typeface="Consolas" panose="020B0609020204030204" pitchFamily="49" charset="0"/>
+              </a:rPr>
+              <a:t>(</a:t>
+            </a:r>
+            <a:r>
+              <a:rPr lang="en-US" b="0" dirty="0">
+                <a:solidFill>
+                  <a:srgbClr val="4EC9B0"/>
+                </a:solidFill>
+                <a:effectLst/>
+                <a:latin typeface="Consolas" panose="020B0609020204030204" pitchFamily="49" charset="0"/>
+              </a:rPr>
+              <a:t>Value</a:t>
+            </a:r>
+            <a:r>
+              <a:rPr lang="en-US" b="0" dirty="0">
+                <a:solidFill>
+                  <a:srgbClr val="D4D4D4"/>
+                </a:solidFill>
+                <a:effectLst/>
+                <a:latin typeface="Consolas" panose="020B0609020204030204" pitchFamily="49" charset="0"/>
+              </a:rPr>
+              <a:t> </a:t>
+            </a:r>
+            <a:r>
+              <a:rPr lang="en-US" b="0" dirty="0">
+                <a:solidFill>
+                  <a:srgbClr val="9CDCFE"/>
+                </a:solidFill>
+                <a:effectLst/>
+                <a:latin typeface="Consolas" panose="020B0609020204030204" pitchFamily="49" charset="0"/>
+              </a:rPr>
+              <a:t>value</a:t>
+            </a:r>
+            <a:r>
+              <a:rPr lang="en-US" b="0" dirty="0">
+                <a:solidFill>
+                  <a:srgbClr val="D4D4D4"/>
+                </a:solidFill>
+                <a:effectLst/>
+                <a:latin typeface="Consolas" panose="020B0609020204030204" pitchFamily="49" charset="0"/>
+              </a:rPr>
+              <a:t>)	//values are: </a:t>
+            </a:r>
+            <a:r>
+              <a:rPr lang="en-US" b="0" dirty="0" err="1">
+                <a:solidFill>
+                  <a:srgbClr val="D4D4D4"/>
+                </a:solidFill>
+                <a:effectLst/>
+                <a:latin typeface="Consolas" panose="020B0609020204030204" pitchFamily="49" charset="0"/>
+              </a:rPr>
+              <a:t>kOff</a:t>
+            </a:r>
+            <a:r>
+              <a:rPr lang="en-US" b="0" dirty="0">
+                <a:solidFill>
+                  <a:srgbClr val="D4D4D4"/>
+                </a:solidFill>
+                <a:effectLst/>
+                <a:latin typeface="Consolas" panose="020B0609020204030204" pitchFamily="49" charset="0"/>
+              </a:rPr>
+              <a:t>, </a:t>
+            </a:r>
+            <a:r>
+              <a:rPr lang="en-US" b="0" dirty="0" err="1">
+                <a:solidFill>
+                  <a:srgbClr val="D4D4D4"/>
+                </a:solidFill>
+                <a:effectLst/>
+                <a:latin typeface="Consolas" panose="020B0609020204030204" pitchFamily="49" charset="0"/>
+              </a:rPr>
+              <a:t>kOn</a:t>
+            </a:r>
+            <a:r>
+              <a:rPr lang="en-US" b="0" dirty="0">
+                <a:solidFill>
+                  <a:srgbClr val="D4D4D4"/>
+                </a:solidFill>
+                <a:effectLst/>
+                <a:latin typeface="Consolas" panose="020B0609020204030204" pitchFamily="49" charset="0"/>
+              </a:rPr>
+              <a:t>, </a:t>
+            </a:r>
+            <a:r>
+              <a:rPr lang="en-US" b="0" dirty="0" err="1">
+                <a:solidFill>
+                  <a:srgbClr val="D4D4D4"/>
+                </a:solidFill>
+                <a:effectLst/>
+                <a:latin typeface="Consolas" panose="020B0609020204030204" pitchFamily="49" charset="0"/>
+              </a:rPr>
+              <a:t>kForward</a:t>
+            </a:r>
+            <a:r>
+              <a:rPr lang="en-US" b="0" dirty="0">
+                <a:solidFill>
+                  <a:srgbClr val="D4D4D4"/>
+                </a:solidFill>
+                <a:effectLst/>
+                <a:latin typeface="Consolas" panose="020B0609020204030204" pitchFamily="49" charset="0"/>
+              </a:rPr>
+              <a:t>, </a:t>
+            </a:r>
+            <a:r>
+              <a:rPr lang="en-US" b="0" dirty="0" err="1">
+                <a:solidFill>
+                  <a:srgbClr val="D4D4D4"/>
+                </a:solidFill>
+                <a:effectLst/>
+                <a:latin typeface="Consolas" panose="020B0609020204030204" pitchFamily="49" charset="0"/>
+              </a:rPr>
+              <a:t>kReverse</a:t>
+            </a:r>
+            <a:br>
+              <a:rPr lang="en-US" dirty="0">
+                <a:solidFill>
+                  <a:srgbClr val="D4D4D4"/>
+                </a:solidFill>
+                <a:latin typeface="Consolas" panose="020B0609020204030204" pitchFamily="49" charset="0"/>
+              </a:rPr>
+            </a:br>
+            <a:r>
+              <a:rPr lang="en-US" b="0" dirty="0">
+                <a:solidFill>
+                  <a:srgbClr val="4EC9B0"/>
+                </a:solidFill>
+                <a:effectLst/>
+                <a:latin typeface="Consolas" panose="020B0609020204030204" pitchFamily="49" charset="0"/>
+              </a:rPr>
+              <a:t>Value</a:t>
+            </a:r>
+            <a:r>
+              <a:rPr lang="en-US" b="0" dirty="0">
+                <a:solidFill>
+                  <a:srgbClr val="D4D4D4"/>
+                </a:solidFill>
+                <a:effectLst/>
+                <a:latin typeface="Consolas" panose="020B0609020204030204" pitchFamily="49" charset="0"/>
+              </a:rPr>
+              <a:t> </a:t>
+            </a:r>
+            <a:r>
+              <a:rPr lang="en-US" b="0" dirty="0">
+                <a:solidFill>
+                  <a:srgbClr val="DCDCAA"/>
+                </a:solidFill>
+                <a:effectLst/>
+                <a:latin typeface="Consolas" panose="020B0609020204030204" pitchFamily="49" charset="0"/>
+              </a:rPr>
+              <a:t>get</a:t>
+            </a:r>
+            <a:r>
+              <a:rPr lang="en-US" b="0" dirty="0">
+                <a:solidFill>
+                  <a:srgbClr val="D4D4D4"/>
+                </a:solidFill>
+                <a:effectLst/>
+                <a:latin typeface="Consolas" panose="020B0609020204030204" pitchFamily="49" charset="0"/>
+              </a:rPr>
+              <a:t>()</a:t>
+            </a:r>
+          </a:p>
+        </p:txBody>
+      </p:sp>
+    </p:spTree>
+    <p:extLst>
+      <p:ext uri="{BB962C8B-B14F-4D97-AF65-F5344CB8AC3E}">
+        <p14:creationId xmlns:p14="http://schemas.microsoft.com/office/powerpoint/2010/main" val="695861735"/>
+      </p:ext>
+    </p:extLst>
+  </p:cSld>
+  <p:clrMapOvr>
+    <a:masterClrMapping/>
+  </p:clrMapOvr>
+</p:sld>
+</file>
+
+<file path=ppt/slides/slide23.xml><?xml version="1.0" encoding="utf-8"?>
+<p:sld xmlns:a="http://schemas.openxmlformats.org/drawingml/2006/main" xmlns:r="http://schemas.openxmlformats.org/officeDocument/2006/relationships" xmlns:p="http://schemas.openxmlformats.org/presentationml/2006/main">
+  <p:cSld>
+    <p:spTree>
+      <p:nvGrpSpPr>
+        <p:cNvPr id="1" name=""/>
+        <p:cNvGrpSpPr/>
+        <p:nvPr/>
+      </p:nvGrpSpPr>
+      <p:grpSpPr>
+        <a:xfrm>
+          <a:off x="0" y="0"/>
+          <a:ext cx="0" cy="0"/>
+          <a:chOff x="0" y="0"/>
+          <a:chExt cx="0" cy="0"/>
+        </a:xfrm>
+      </p:grpSpPr>
+      <p:sp>
+        <p:nvSpPr>
+          <p:cNvPr id="2" name="Title 1">
+            <a:extLst>
+              <a:ext uri="{FF2B5EF4-FFF2-40B4-BE49-F238E27FC236}">
+                <a16:creationId xmlns:a16="http://schemas.microsoft.com/office/drawing/2014/main" id="{25F22763-71A5-4E21-9D53-C19159E0095C}"/>
+              </a:ext>
+            </a:extLst>
+          </p:cNvPr>
+          <p:cNvSpPr>
+            <a:spLocks noGrp="1"/>
+          </p:cNvSpPr>
+          <p:nvPr>
+            <p:ph type="title"/>
+          </p:nvPr>
+        </p:nvSpPr>
+        <p:spPr>
+          <a:xfrm>
+            <a:off x="486561" y="973668"/>
+            <a:ext cx="11039912" cy="706964"/>
+          </a:xfrm>
+        </p:spPr>
+        <p:txBody>
+          <a:bodyPr/>
+          <a:lstStyle/>
+          <a:p>
+            <a:r>
+              <a:rPr lang="en-US" dirty="0"/>
+              <a:t>Exercise: Control Ring Light with a Button</a:t>
+            </a:r>
+          </a:p>
+        </p:txBody>
+      </p:sp>
+      <p:sp>
+        <p:nvSpPr>
+          <p:cNvPr id="3" name="Content Placeholder 2">
+            <a:extLst>
+              <a:ext uri="{FF2B5EF4-FFF2-40B4-BE49-F238E27FC236}">
+                <a16:creationId xmlns:a16="http://schemas.microsoft.com/office/drawing/2014/main" id="{C7DAFEDB-D7B1-46F5-903A-AA970DA087E0}"/>
+              </a:ext>
+            </a:extLst>
+          </p:cNvPr>
+          <p:cNvSpPr>
+            <a:spLocks noGrp="1"/>
+          </p:cNvSpPr>
+          <p:nvPr>
+            <p:ph idx="1"/>
+          </p:nvPr>
+        </p:nvSpPr>
+        <p:spPr>
+          <a:xfrm>
+            <a:off x="571320" y="2281881"/>
+            <a:ext cx="11039912" cy="3737919"/>
+          </a:xfrm>
+        </p:spPr>
+        <p:txBody>
+          <a:bodyPr/>
+          <a:lstStyle/>
+          <a:p>
+            <a:r>
+              <a:rPr lang="en-US" dirty="0"/>
+              <a:t>Control a camera ring light with a button on the game controller.</a:t>
+            </a:r>
+          </a:p>
+          <a:p>
+            <a:pPr lvl="1"/>
+            <a:r>
+              <a:rPr lang="en-US" dirty="0"/>
+              <a:t>In Robot.java, add code to </a:t>
+            </a:r>
+            <a:r>
+              <a:rPr lang="en-US" dirty="0" err="1"/>
+              <a:t>robotInit</a:t>
+            </a:r>
+            <a:r>
+              <a:rPr lang="en-US" dirty="0"/>
+              <a:t> to create a relay in </a:t>
+            </a:r>
+            <a:r>
+              <a:rPr lang="en-US" dirty="0" err="1"/>
+              <a:t>kForward</a:t>
+            </a:r>
+            <a:r>
+              <a:rPr lang="en-US" dirty="0"/>
+              <a:t> direction mode (Relay).</a:t>
+            </a:r>
+          </a:p>
+          <a:p>
+            <a:pPr lvl="1"/>
+            <a:r>
+              <a:rPr lang="en-US" dirty="0"/>
+              <a:t>In FrcTeleOp.java, add code to </a:t>
+            </a:r>
+            <a:r>
+              <a:rPr lang="en-US" dirty="0" err="1"/>
+              <a:t>driverControllerButtonEvent</a:t>
+            </a:r>
+            <a:r>
+              <a:rPr lang="en-US" dirty="0"/>
+              <a:t> to toggle the ring light ON/OFF with pressing the A button. Print a message on the dashboard to show the ring light state.</a:t>
+            </a:r>
+          </a:p>
+        </p:txBody>
+      </p:sp>
+    </p:spTree>
+    <p:extLst>
+      <p:ext uri="{BB962C8B-B14F-4D97-AF65-F5344CB8AC3E}">
+        <p14:creationId xmlns:p14="http://schemas.microsoft.com/office/powerpoint/2010/main" val="3004109280"/>
+      </p:ext>
+    </p:extLst>
+  </p:cSld>
+  <p:clrMapOvr>
+    <a:masterClrMapping/>
+  </p:clrMapOvr>
+</p:sld>
+</file>
+
+<file path=ppt/slides/slide24.xml><?xml version="1.0" encoding="utf-8"?>
+<p:sld xmlns:a="http://schemas.openxmlformats.org/drawingml/2006/main" xmlns:r="http://schemas.openxmlformats.org/officeDocument/2006/relationships" xmlns:p="http://schemas.openxmlformats.org/presentationml/2006/main">
+  <p:cSld>
+    <p:spTree>
+      <p:nvGrpSpPr>
+        <p:cNvPr id="1" name=""/>
+        <p:cNvGrpSpPr/>
+        <p:nvPr/>
+      </p:nvGrpSpPr>
+      <p:grpSpPr>
+        <a:xfrm>
+          <a:off x="0" y="0"/>
+          <a:ext cx="0" cy="0"/>
+          <a:chOff x="0" y="0"/>
+          <a:chExt cx="0" cy="0"/>
+        </a:xfrm>
+      </p:grpSpPr>
+      <p:sp>
+        <p:nvSpPr>
+          <p:cNvPr id="2" name="Title 1">
+            <a:extLst>
+              <a:ext uri="{FF2B5EF4-FFF2-40B4-BE49-F238E27FC236}">
                 <a16:creationId xmlns:a16="http://schemas.microsoft.com/office/drawing/2014/main" id="{C3812F6D-D763-60D2-0685-E4FF5F6EEFAA}"/>
               </a:ext>
             </a:extLst>
@@ -21655,7 +22471,7 @@
           <a:p>
             <a:r>
               <a:rPr lang="en-US" dirty="0"/>
-              <a:t>Output: Pneumatics</a:t>
+              <a:t>Pneumatics</a:t>
             </a:r>
           </a:p>
         </p:txBody>
@@ -21684,13 +22500,13 @@
         </p:spPr>
         <p:txBody>
           <a:bodyPr>
-            <a:normAutofit fontScale="92500" lnSpcReduction="20000"/>
+            <a:normAutofit fontScale="85000" lnSpcReduction="10000"/>
           </a:bodyPr>
           <a:lstStyle/>
           <a:p>
             <a:r>
               <a:rPr lang="en-US" dirty="0"/>
-              <a:t>Pneumatics are devices actuated by air. They have a piston that extends and retracts when compressed air is pumped into one side or the other side of the cylinder.</a:t>
+              <a:t>Pneumatics are devices actuated by compressed air. They have a piston that extends and retracts when compressed air is pumped into one side or the other side of the cylinder.</a:t>
             </a:r>
           </a:p>
           <a:p>
@@ -21702,7 +22518,7 @@
           <a:p>
             <a:r>
               <a:rPr lang="en-US" dirty="0"/>
-              <a:t>Components of a pneumatic system: compressor, air tanks, pressure regulators, pressure sensor switch and valves. Compressor turns on to fill air tanks up to the maximum pressure of 120 psi which trips the pressure sensor switch to stop the compressor. Pneumatic Control Hub (PCH) is a CAN bus device that receives commands from </a:t>
+              <a:t>Components of a pneumatic system: compressor, air tanks, pressure regulators, pressure sensor switch, pressure relief valve and cylinder valves. Compressor turns on to fill air tanks up to the maximum pressure of 110-120 psi which trips the pressure sensor switch to stop the compressor. Pneumatic Control Hub (PCH) is a CAN bus device that receives commands from </a:t>
             </a:r>
             <a:r>
               <a:rPr lang="en-US" dirty="0" err="1"/>
@@ -22133,7 +22949,7 @@
           <a:p>
             <a:r>
               <a:rPr lang="en-US" dirty="0"/>
-              <a:t>Popular Methods:</a:t>
+              <a:t>Useful Methods:</a:t>
             </a:r>
             <a:br>
               <a:rPr lang="en-US" dirty="0"/>
@@ -22216,6 +23032,55 @@
                 <a:latin typeface="Consolas" panose="020B0609020204030204" pitchFamily="49" charset="0"/>
               </a:rPr>
               <a:t>retract</a:t>
+            </a:r>
+            <a:r>
+              <a:rPr lang="en-US" b="0" dirty="0">
+                <a:solidFill>
+                  <a:srgbClr val="D4D4D4"/>
+                </a:solidFill>
+                <a:effectLst/>
+                <a:latin typeface="Consolas" panose="020B0609020204030204" pitchFamily="49" charset="0"/>
+              </a:rPr>
+              <a:t>()</a:t>
+            </a:r>
+            <a:br>
+              <a:rPr lang="en-US" b="0" dirty="0">
+                <a:solidFill>
+                  <a:srgbClr val="D4D4D4"/>
+                </a:solidFill>
+                <a:effectLst/>
+                <a:latin typeface="Consolas" panose="020B0609020204030204" pitchFamily="49" charset="0"/>
+              </a:rPr>
+            </a:br>
+            <a:r>
+              <a:rPr lang="en-US" b="0" dirty="0" err="1">
+                <a:solidFill>
+                  <a:srgbClr val="4EC9B0"/>
+                </a:solidFill>
+                <a:effectLst/>
+                <a:latin typeface="Consolas" panose="020B0609020204030204" pitchFamily="49" charset="0"/>
+              </a:rPr>
+              <a:t>boolean</a:t>
+            </a:r>
+            <a:r>
+              <a:rPr lang="en-US" b="0" dirty="0">
+                <a:solidFill>
+                  <a:srgbClr val="D4D4D4"/>
+                </a:solidFill>
+                <a:effectLst/>
+                <a:latin typeface="Consolas" panose="020B0609020204030204" pitchFamily="49" charset="0"/>
+              </a:rPr>
+              <a:t> </a:t>
+            </a:r>
+            <a:r>
+              <a:rPr lang="en-US" b="0" dirty="0" err="1">
+                <a:solidFill>
+                  <a:srgbClr val="DCDCAA"/>
+                </a:solidFill>
+                <a:effectLst/>
+                <a:latin typeface="Consolas" panose="020B0609020204030204" pitchFamily="49" charset="0"/>
+              </a:rPr>
+              <a:t>isExtended</a:t>
             </a:r>
             <a:r>
               <a:rPr lang="en-US" b="0" dirty="0">
@@ -22243,7 +23108,7 @@
 </p:sld>
 </file>
 
-<file path=ppt/slides/slide23.xml><?xml version="1.0" encoding="utf-8"?>
+<file path=ppt/slides/slide25.xml><?xml version="1.0" encoding="utf-8"?>
 <p:sld xmlns:a="http://schemas.openxmlformats.org/drawingml/2006/main" xmlns:r="http://schemas.openxmlformats.org/officeDocument/2006/relationships" xmlns:p="http://schemas.openxmlformats.org/presentationml/2006/main">
   <p:cSld>
     <p:spTree>
@@ -22304,45 +23169,135 @@
             <p:ph idx="1"/>
           </p:nvPr>
         </p:nvSpPr>
-        <p:spPr/>
+        <p:spPr>
+          <a:xfrm>
+            <a:off x="634314" y="2286001"/>
+            <a:ext cx="10935729" cy="4452550"/>
+          </a:xfrm>
+        </p:spPr>
         <p:txBody>
-          <a:bodyPr/>
+          <a:bodyPr>
+            <a:normAutofit/>
+          </a:bodyPr>
           <a:lstStyle/>
           <a:p>
             <a:r>
               <a:rPr lang="en-US" dirty="0"/>
-              <a:t>In Robot.java, create a 2-valve pneumatic object.</a:t>
-            </a:r>
-          </a:p>
-          <a:p>
-            <a:r>
-              <a:rPr lang="en-US" dirty="0"/>
-              <a:t>In FrcTeleOp.java, add code to control the pneumatic valves connected to the PCH channels by a game controller button and print a message showing the pneumatic valve state to line 5 of the dashboard (hint: use the periodic method). Use the following methods:</a:t>
+              <a:t>In Robot.java, create a 2-valve pneumatic cylinder.</a:t>
             </a:r>
           </a:p>
           <a:p>
             <a:pPr lvl="1"/>
+            <a:r>
+              <a:rPr lang="en-US" dirty="0"/>
+              <a:t>Create a class variable (piston) to hold the created pneumatic cylinder (e.g. </a:t>
+            </a:r>
+            <a:r>
+              <a:rPr lang="en-US" dirty="0" err="1"/>
+              <a:t>FrcPneumatic</a:t>
+            </a:r>
+            <a:r>
+              <a:rPr lang="en-US" dirty="0"/>
+              <a:t>).</a:t>
+            </a:r>
+          </a:p>
+          <a:p>
+            <a:pPr lvl="1"/>
+            <a:r>
+              <a:rPr lang="en-US" dirty="0"/>
+              <a:t>In </a:t>
+            </a:r>
+            <a:r>
+              <a:rPr lang="en-US" dirty="0" err="1"/>
+              <a:t>robotInit</a:t>
+            </a:r>
+            <a:r>
+              <a:rPr lang="en-US" dirty="0"/>
+              <a:t> method, create the servo motor object specifying a name and the PWM channel it’s plugged into.</a:t>
+            </a:r>
+          </a:p>
+          <a:p>
+            <a:r>
+              <a:rPr lang="en-US" dirty="0"/>
+              <a:t>In FrcTeleOp.java, add code to the </a:t>
+            </a:r>
+            <a:r>
+              <a:rPr lang="en-US" dirty="0" err="1"/>
+              <a:t>buttonEvent</a:t>
+            </a:r>
+            <a:r>
+              <a:rPr lang="en-US" dirty="0"/>
+              <a:t> handler of the game controller (</a:t>
+            </a:r>
+            <a:r>
+              <a:rPr lang="en-US" dirty="0" err="1"/>
+              <a:t>driverControllerButtonEvent</a:t>
+            </a:r>
+            <a:r>
+              <a:rPr lang="en-US" dirty="0"/>
+              <a:t>) to control the </a:t>
+            </a:r>
+            <a:r>
+              <a:rPr lang="en-US" dirty="0" err="1"/>
+              <a:t>the</a:t>
+            </a:r>
+            <a:r>
+              <a:rPr lang="en-US" dirty="0"/>
+              <a:t> pneumatic valves connected to the PCH channels by a game controller button (press to extend, release to retract) and print a message showing the pneumatic valve state on the dashboard.</a:t>
+            </a:r>
+          </a:p>
+          <a:p>
+            <a:pPr lvl="1"/>
+            <a:r>
+              <a:rPr lang="en-US" dirty="0"/>
+              <a:t>On the button X pressed event, extends the pneumatic piston (</a:t>
+            </a:r>
+            <a:r>
+              <a:rPr lang="en-US" dirty="0" err="1"/>
+              <a:t>robot.piston.extend</a:t>
+            </a:r>
+            <a:r>
+              <a:rPr lang="en-US" dirty="0"/>
+              <a:t>).</a:t>
+            </a:r>
+          </a:p>
+          <a:p>
+            <a:pPr lvl="1"/>
+            <a:r>
+              <a:rPr lang="en-US" dirty="0"/>
+              <a:t>On the button X released event, retracts the pneumatic piston (</a:t>
+            </a:r>
+            <a:r>
+              <a:rPr lang="en-US" dirty="0" err="1"/>
+              <a:t>robot.piston.retract</a:t>
+            </a:r>
+            <a:r>
+              <a:rPr lang="en-US" dirty="0"/>
+              <a:t>).</a:t>
+            </a:r>
+          </a:p>
+          <a:p>
+            <a:pPr lvl="1"/>
+            <a:r>
+              <a:rPr lang="en-US" dirty="0"/>
+              <a:t>Display the piston state on the dashboard (</a:t>
+            </a:r>
             <a:r>
               <a:rPr lang="en-US" dirty="0" err="1"/>
               <a:t>robot.dashboard.displayPrintf</a:t>
             </a:r>
-            <a:endParaRPr lang="en-US" dirty="0"/>
-          </a:p>
-          <a:p>
-            <a:pPr lvl="1"/>
+            <a:r>
+              <a:rPr lang="en-US" dirty="0"/>
+              <a:t>, </a:t>
+            </a:r>
             <a:r>
               <a:rPr lang="en-US" dirty="0" err="1"/>
-              <a:t>robot.pneumatic.extend</a:t>
-            </a:r>
-            <a:endParaRPr lang="en-US" dirty="0"/>
-          </a:p>
-          <a:p>
-            <a:pPr lvl="1"/>
-            <a:r>
-              <a:rPr lang="en-US" dirty="0" err="1"/>
-              <a:t>robot.pneumatic.retract</a:t>
-            </a:r>
-            <a:endParaRPr lang="en-US" dirty="0"/>
+              <a:t>robot.piston.isExtended</a:t>
+            </a:r>
+            <a:r>
+              <a:rPr lang="en-US" dirty="0"/>
+              <a:t>).</a:t>
+            </a:r>
           </a:p>
         </p:txBody>
       </p:sp>
@@ -22350,6 +23305,1714 @@
     <p:extLst>
       <p:ext uri="{BB962C8B-B14F-4D97-AF65-F5344CB8AC3E}">
         <p14:creationId xmlns:p14="http://schemas.microsoft.com/office/powerpoint/2010/main" val="2329677530"/>
+      </p:ext>
+    </p:extLst>
+  </p:cSld>
+  <p:clrMapOvr>
+    <a:masterClrMapping/>
+  </p:clrMapOvr>
+</p:sld>
+</file>
+
+<file path=ppt/slides/slide26.xml><?xml version="1.0" encoding="utf-8"?>
+<p:sld xmlns:a="http://schemas.openxmlformats.org/drawingml/2006/main" xmlns:r="http://schemas.openxmlformats.org/officeDocument/2006/relationships" xmlns:p="http://schemas.openxmlformats.org/presentationml/2006/main">
+  <p:cSld>
+    <p:spTree>
+      <p:nvGrpSpPr>
+        <p:cNvPr id="1" name=""/>
+        <p:cNvGrpSpPr/>
+        <p:nvPr/>
+      </p:nvGrpSpPr>
+      <p:grpSpPr>
+        <a:xfrm>
+          <a:off x="0" y="0"/>
+          <a:ext cx="0" cy="0"/>
+          <a:chOff x="0" y="0"/>
+          <a:chExt cx="0" cy="0"/>
+        </a:xfrm>
+      </p:grpSpPr>
+      <p:sp>
+        <p:nvSpPr>
+          <p:cNvPr id="2" name="Title 1">
+            <a:extLst>
+              <a:ext uri="{FF2B5EF4-FFF2-40B4-BE49-F238E27FC236}">
+                <a16:creationId xmlns:a16="http://schemas.microsoft.com/office/drawing/2014/main" id="{58A41618-1B36-43A7-28A6-A0D8417BBFA2}"/>
+              </a:ext>
+            </a:extLst>
+          </p:cNvPr>
+          <p:cNvSpPr>
+            <a:spLocks noGrp="1"/>
+          </p:cNvSpPr>
+          <p:nvPr>
+            <p:ph type="title"/>
+          </p:nvPr>
+        </p:nvSpPr>
+        <p:spPr/>
+        <p:txBody>
+          <a:bodyPr/>
+          <a:lstStyle/>
+          <a:p>
+            <a:r>
+              <a:rPr lang="en-US" dirty="0"/>
+              <a:t>Sensors</a:t>
+            </a:r>
+          </a:p>
+        </p:txBody>
+      </p:sp>
+      <p:sp>
+        <p:nvSpPr>
+          <p:cNvPr id="3" name="Content Placeholder 2">
+            <a:extLst>
+              <a:ext uri="{FF2B5EF4-FFF2-40B4-BE49-F238E27FC236}">
+                <a16:creationId xmlns:a16="http://schemas.microsoft.com/office/drawing/2014/main" id="{B8A17E15-B473-0938-BF42-5FAABC44FFB8}"/>
+              </a:ext>
+            </a:extLst>
+          </p:cNvPr>
+          <p:cNvSpPr>
+            <a:spLocks noGrp="1"/>
+          </p:cNvSpPr>
+          <p:nvPr>
+            <p:ph idx="1"/>
+          </p:nvPr>
+        </p:nvSpPr>
+        <p:spPr>
+          <a:xfrm>
+            <a:off x="502508" y="2273643"/>
+            <a:ext cx="11088130" cy="4551406"/>
+          </a:xfrm>
+        </p:spPr>
+        <p:txBody>
+          <a:bodyPr>
+            <a:normAutofit lnSpcReduction="10000"/>
+          </a:bodyPr>
+          <a:lstStyle/>
+          <a:p>
+            <a:r>
+              <a:rPr lang="en-US" dirty="0"/>
+              <a:t>Two types of sensors: Digital sensors and Analog sensors.</a:t>
+            </a:r>
+          </a:p>
+          <a:p>
+            <a:r>
+              <a:rPr lang="en-US" dirty="0"/>
+              <a:t>Digital Sensors have two states: active, inactive (e.g. limit switches, beam break sensors).</a:t>
+            </a:r>
+          </a:p>
+          <a:p>
+            <a:r>
+              <a:rPr lang="en-US" dirty="0"/>
+              <a:t>Analog sensors provide analog values (e.g. ultrasonic, LIDAR, pressure sensor, color sensor, gyro, accelerometer </a:t>
+            </a:r>
+            <a:r>
+              <a:rPr lang="en-US" dirty="0" err="1"/>
+              <a:t>etc</a:t>
+            </a:r>
+            <a:r>
+              <a:rPr lang="en-US" dirty="0"/>
+              <a:t>).</a:t>
+            </a:r>
+          </a:p>
+          <a:p>
+            <a:r>
+              <a:rPr lang="en-US" dirty="0" err="1"/>
+              <a:t>FrcDigitalInput</a:t>
+            </a:r>
+            <a:r>
+              <a:rPr lang="en-US" dirty="0"/>
+              <a:t> constructors:</a:t>
+            </a:r>
+            <a:br>
+              <a:rPr lang="en-US" dirty="0"/>
+            </a:br>
+            <a:r>
+              <a:rPr lang="en-US" b="0" dirty="0" err="1">
+                <a:solidFill>
+                  <a:srgbClr val="DCDCAA"/>
+                </a:solidFill>
+                <a:effectLst/>
+                <a:latin typeface="Consolas" panose="020B0609020204030204" pitchFamily="49" charset="0"/>
+              </a:rPr>
+              <a:t>FrcDigitalInput</a:t>
+            </a:r>
+            <a:r>
+              <a:rPr lang="en-US" b="0" dirty="0">
+                <a:solidFill>
+                  <a:srgbClr val="D4D4D4"/>
+                </a:solidFill>
+                <a:effectLst/>
+                <a:latin typeface="Consolas" panose="020B0609020204030204" pitchFamily="49" charset="0"/>
+              </a:rPr>
+              <a:t>(</a:t>
+            </a:r>
+            <a:r>
+              <a:rPr lang="en-US" b="0" dirty="0">
+                <a:solidFill>
+                  <a:srgbClr val="4EC9B0"/>
+                </a:solidFill>
+                <a:effectLst/>
+                <a:latin typeface="Consolas" panose="020B0609020204030204" pitchFamily="49" charset="0"/>
+              </a:rPr>
+              <a:t>String</a:t>
+            </a:r>
+            <a:r>
+              <a:rPr lang="en-US" b="0" dirty="0">
+                <a:solidFill>
+                  <a:srgbClr val="D4D4D4"/>
+                </a:solidFill>
+                <a:effectLst/>
+                <a:latin typeface="Consolas" panose="020B0609020204030204" pitchFamily="49" charset="0"/>
+              </a:rPr>
+              <a:t> </a:t>
+            </a:r>
+            <a:r>
+              <a:rPr lang="en-US" b="0" dirty="0" err="1">
+                <a:solidFill>
+                  <a:srgbClr val="9CDCFE"/>
+                </a:solidFill>
+                <a:effectLst/>
+                <a:latin typeface="Consolas" panose="020B0609020204030204" pitchFamily="49" charset="0"/>
+              </a:rPr>
+              <a:t>instanceName</a:t>
+            </a:r>
+            <a:r>
+              <a:rPr lang="en-US" b="0" dirty="0">
+                <a:solidFill>
+                  <a:srgbClr val="D4D4D4"/>
+                </a:solidFill>
+                <a:effectLst/>
+                <a:latin typeface="Consolas" panose="020B0609020204030204" pitchFamily="49" charset="0"/>
+              </a:rPr>
+              <a:t>, </a:t>
+            </a:r>
+            <a:r>
+              <a:rPr lang="en-US" b="0" dirty="0">
+                <a:solidFill>
+                  <a:srgbClr val="4EC9B0"/>
+                </a:solidFill>
+                <a:effectLst/>
+                <a:latin typeface="Consolas" panose="020B0609020204030204" pitchFamily="49" charset="0"/>
+              </a:rPr>
+              <a:t>int</a:t>
+            </a:r>
+            <a:r>
+              <a:rPr lang="en-US" b="0" dirty="0">
+                <a:solidFill>
+                  <a:srgbClr val="D4D4D4"/>
+                </a:solidFill>
+                <a:effectLst/>
+                <a:latin typeface="Consolas" panose="020B0609020204030204" pitchFamily="49" charset="0"/>
+              </a:rPr>
+              <a:t> </a:t>
+            </a:r>
+            <a:r>
+              <a:rPr lang="en-US" dirty="0" err="1">
+                <a:solidFill>
+                  <a:srgbClr val="9CDCFE"/>
+                </a:solidFill>
+                <a:latin typeface="Consolas" panose="020B0609020204030204" pitchFamily="49" charset="0"/>
+              </a:rPr>
+              <a:t>dioChannel</a:t>
+            </a:r>
+            <a:r>
+              <a:rPr lang="en-US" b="0" dirty="0">
+                <a:solidFill>
+                  <a:srgbClr val="D4D4D4"/>
+                </a:solidFill>
+                <a:effectLst/>
+                <a:latin typeface="Consolas" panose="020B0609020204030204" pitchFamily="49" charset="0"/>
+              </a:rPr>
+              <a:t>)</a:t>
+            </a:r>
+          </a:p>
+          <a:p>
+            <a:r>
+              <a:rPr lang="en-US" dirty="0" err="1"/>
+              <a:t>FrcDigitalInput</a:t>
+            </a:r>
+            <a:r>
+              <a:rPr lang="en-US" dirty="0"/>
+              <a:t> useful methods:</a:t>
+            </a:r>
+            <a:br>
+              <a:rPr lang="en-US" dirty="0"/>
+            </a:br>
+            <a:r>
+              <a:rPr lang="en-US" b="0" dirty="0">
+                <a:solidFill>
+                  <a:srgbClr val="4EC9B0"/>
+                </a:solidFill>
+                <a:effectLst/>
+                <a:latin typeface="Consolas" panose="020B0609020204030204" pitchFamily="49" charset="0"/>
+              </a:rPr>
+              <a:t>void</a:t>
+            </a:r>
+            <a:r>
+              <a:rPr lang="en-US" b="0" dirty="0">
+                <a:solidFill>
+                  <a:srgbClr val="D4D4D4"/>
+                </a:solidFill>
+                <a:effectLst/>
+                <a:latin typeface="Consolas" panose="020B0609020204030204" pitchFamily="49" charset="0"/>
+              </a:rPr>
+              <a:t> </a:t>
+            </a:r>
+            <a:r>
+              <a:rPr lang="en-US" b="0" dirty="0" err="1">
+                <a:solidFill>
+                  <a:srgbClr val="DCDCAA"/>
+                </a:solidFill>
+                <a:effectLst/>
+                <a:latin typeface="Consolas" panose="020B0609020204030204" pitchFamily="49" charset="0"/>
+              </a:rPr>
+              <a:t>setInverted</a:t>
+            </a:r>
+            <a:r>
+              <a:rPr lang="en-US" b="0" dirty="0">
+                <a:solidFill>
+                  <a:srgbClr val="D4D4D4"/>
+                </a:solidFill>
+                <a:effectLst/>
+                <a:latin typeface="Consolas" panose="020B0609020204030204" pitchFamily="49" charset="0"/>
+              </a:rPr>
+              <a:t>(</a:t>
+            </a:r>
+            <a:r>
+              <a:rPr lang="en-US" b="0" dirty="0" err="1">
+                <a:solidFill>
+                  <a:srgbClr val="4EC9B0"/>
+                </a:solidFill>
+                <a:effectLst/>
+                <a:latin typeface="Consolas" panose="020B0609020204030204" pitchFamily="49" charset="0"/>
+              </a:rPr>
+              <a:t>boolean</a:t>
+            </a:r>
+            <a:r>
+              <a:rPr lang="en-US" b="0" dirty="0">
+                <a:solidFill>
+                  <a:srgbClr val="D4D4D4"/>
+                </a:solidFill>
+                <a:effectLst/>
+                <a:latin typeface="Consolas" panose="020B0609020204030204" pitchFamily="49" charset="0"/>
+              </a:rPr>
+              <a:t> </a:t>
+            </a:r>
+            <a:r>
+              <a:rPr lang="en-US" b="0" dirty="0">
+                <a:solidFill>
+                  <a:srgbClr val="9CDCFE"/>
+                </a:solidFill>
+                <a:effectLst/>
+                <a:latin typeface="Consolas" panose="020B0609020204030204" pitchFamily="49" charset="0"/>
+              </a:rPr>
+              <a:t>inverted</a:t>
+            </a:r>
+            <a:r>
+              <a:rPr lang="en-US" b="0" dirty="0">
+                <a:solidFill>
+                  <a:srgbClr val="D4D4D4"/>
+                </a:solidFill>
+                <a:effectLst/>
+                <a:latin typeface="Consolas" panose="020B0609020204030204" pitchFamily="49" charset="0"/>
+              </a:rPr>
+              <a:t>)</a:t>
+            </a:r>
+            <a:br>
+              <a:rPr lang="en-US" dirty="0">
+                <a:solidFill>
+                  <a:srgbClr val="D4D4D4"/>
+                </a:solidFill>
+                <a:latin typeface="Consolas" panose="020B0609020204030204" pitchFamily="49" charset="0"/>
+              </a:rPr>
+            </a:br>
+            <a:r>
+              <a:rPr lang="en-US" b="0" dirty="0" err="1">
+                <a:solidFill>
+                  <a:srgbClr val="4EC9B0"/>
+                </a:solidFill>
+                <a:effectLst/>
+                <a:latin typeface="Consolas" panose="020B0609020204030204" pitchFamily="49" charset="0"/>
+              </a:rPr>
+              <a:t>boolean</a:t>
+            </a:r>
+            <a:r>
+              <a:rPr lang="en-US" b="0" dirty="0">
+                <a:solidFill>
+                  <a:srgbClr val="D4D4D4"/>
+                </a:solidFill>
+                <a:effectLst/>
+                <a:latin typeface="Consolas" panose="020B0609020204030204" pitchFamily="49" charset="0"/>
+              </a:rPr>
+              <a:t> </a:t>
+            </a:r>
+            <a:r>
+              <a:rPr lang="en-US" b="0" dirty="0" err="1">
+                <a:solidFill>
+                  <a:srgbClr val="DCDCAA"/>
+                </a:solidFill>
+                <a:effectLst/>
+                <a:latin typeface="Consolas" panose="020B0609020204030204" pitchFamily="49" charset="0"/>
+              </a:rPr>
+              <a:t>isActive</a:t>
+            </a:r>
+            <a:r>
+              <a:rPr lang="en-US" b="0" dirty="0">
+                <a:solidFill>
+                  <a:srgbClr val="D4D4D4"/>
+                </a:solidFill>
+                <a:effectLst/>
+                <a:latin typeface="Consolas" panose="020B0609020204030204" pitchFamily="49" charset="0"/>
+              </a:rPr>
+              <a:t>()</a:t>
+            </a:r>
+          </a:p>
+          <a:p>
+            <a:r>
+              <a:rPr lang="en-US" dirty="0" err="1"/>
+              <a:t>FrcAnalogInput</a:t>
+            </a:r>
+            <a:r>
+              <a:rPr lang="en-US" dirty="0"/>
+              <a:t> constructors:</a:t>
+            </a:r>
+            <a:br>
+              <a:rPr lang="en-US" dirty="0"/>
+            </a:br>
+            <a:r>
+              <a:rPr lang="en-US" b="0" dirty="0" err="1">
+                <a:solidFill>
+                  <a:srgbClr val="DCDCAA"/>
+                </a:solidFill>
+                <a:effectLst/>
+                <a:latin typeface="Consolas" panose="020B0609020204030204" pitchFamily="49" charset="0"/>
+              </a:rPr>
+              <a:t>FrcAnalogInput</a:t>
+            </a:r>
+            <a:r>
+              <a:rPr lang="en-US" b="0" dirty="0">
+                <a:solidFill>
+                  <a:srgbClr val="D4D4D4"/>
+                </a:solidFill>
+                <a:effectLst/>
+                <a:latin typeface="Consolas" panose="020B0609020204030204" pitchFamily="49" charset="0"/>
+              </a:rPr>
+              <a:t>(</a:t>
+            </a:r>
+            <a:r>
+              <a:rPr lang="en-US" b="0" dirty="0">
+                <a:solidFill>
+                  <a:srgbClr val="4EC9B0"/>
+                </a:solidFill>
+                <a:effectLst/>
+                <a:latin typeface="Consolas" panose="020B0609020204030204" pitchFamily="49" charset="0"/>
+              </a:rPr>
+              <a:t>String</a:t>
+            </a:r>
+            <a:r>
+              <a:rPr lang="en-US" b="0" dirty="0">
+                <a:solidFill>
+                  <a:srgbClr val="D4D4D4"/>
+                </a:solidFill>
+                <a:effectLst/>
+                <a:latin typeface="Consolas" panose="020B0609020204030204" pitchFamily="49" charset="0"/>
+              </a:rPr>
+              <a:t> </a:t>
+            </a:r>
+            <a:r>
+              <a:rPr lang="en-US" b="0" dirty="0" err="1">
+                <a:solidFill>
+                  <a:srgbClr val="9CDCFE"/>
+                </a:solidFill>
+                <a:effectLst/>
+                <a:latin typeface="Consolas" panose="020B0609020204030204" pitchFamily="49" charset="0"/>
+              </a:rPr>
+              <a:t>instanceName</a:t>
+            </a:r>
+            <a:r>
+              <a:rPr lang="en-US" b="0" dirty="0">
+                <a:solidFill>
+                  <a:srgbClr val="D4D4D4"/>
+                </a:solidFill>
+                <a:effectLst/>
+                <a:latin typeface="Consolas" panose="020B0609020204030204" pitchFamily="49" charset="0"/>
+              </a:rPr>
+              <a:t>, </a:t>
+            </a:r>
+            <a:r>
+              <a:rPr lang="en-US" b="0" dirty="0">
+                <a:solidFill>
+                  <a:srgbClr val="4EC9B0"/>
+                </a:solidFill>
+                <a:effectLst/>
+                <a:latin typeface="Consolas" panose="020B0609020204030204" pitchFamily="49" charset="0"/>
+              </a:rPr>
+              <a:t>int</a:t>
+            </a:r>
+            <a:r>
+              <a:rPr lang="en-US" b="0" dirty="0">
+                <a:solidFill>
+                  <a:srgbClr val="D4D4D4"/>
+                </a:solidFill>
+                <a:effectLst/>
+                <a:latin typeface="Consolas" panose="020B0609020204030204" pitchFamily="49" charset="0"/>
+              </a:rPr>
+              <a:t> </a:t>
+            </a:r>
+            <a:r>
+              <a:rPr lang="en-US" b="0" dirty="0" err="1">
+                <a:solidFill>
+                  <a:srgbClr val="9CDCFE"/>
+                </a:solidFill>
+                <a:effectLst/>
+                <a:latin typeface="Consolas" panose="020B0609020204030204" pitchFamily="49" charset="0"/>
+              </a:rPr>
+              <a:t>analogChannel</a:t>
+            </a:r>
+            <a:r>
+              <a:rPr lang="en-US" b="0" dirty="0">
+                <a:solidFill>
+                  <a:srgbClr val="D4D4D4"/>
+                </a:solidFill>
+                <a:effectLst/>
+                <a:latin typeface="Consolas" panose="020B0609020204030204" pitchFamily="49" charset="0"/>
+              </a:rPr>
+              <a:t>)</a:t>
+            </a:r>
+          </a:p>
+          <a:p>
+            <a:r>
+              <a:rPr lang="en-US" dirty="0" err="1"/>
+              <a:t>FrcAnalogInput</a:t>
+            </a:r>
+            <a:r>
+              <a:rPr lang="en-US" dirty="0"/>
+              <a:t> useful methods:</a:t>
+            </a:r>
+            <a:br>
+              <a:rPr lang="en-US" dirty="0"/>
+            </a:br>
+            <a:r>
+              <a:rPr lang="en-US" b="0" dirty="0">
+                <a:solidFill>
+                  <a:srgbClr val="4EC9B0"/>
+                </a:solidFill>
+                <a:effectLst/>
+                <a:latin typeface="Consolas" panose="020B0609020204030204" pitchFamily="49" charset="0"/>
+              </a:rPr>
+              <a:t>void</a:t>
+            </a:r>
+            <a:r>
+              <a:rPr lang="en-US" b="0" dirty="0">
+                <a:solidFill>
+                  <a:srgbClr val="D4D4D4"/>
+                </a:solidFill>
+                <a:effectLst/>
+                <a:latin typeface="Consolas" panose="020B0609020204030204" pitchFamily="49" charset="0"/>
+              </a:rPr>
+              <a:t> </a:t>
+            </a:r>
+            <a:r>
+              <a:rPr lang="en-US" b="0" dirty="0">
+                <a:solidFill>
+                  <a:srgbClr val="DCDCAA"/>
+                </a:solidFill>
+                <a:effectLst/>
+                <a:latin typeface="Consolas" panose="020B0609020204030204" pitchFamily="49" charset="0"/>
+              </a:rPr>
+              <a:t>calibrate</a:t>
+            </a:r>
+            <a:r>
+              <a:rPr lang="en-US" b="0" dirty="0">
+                <a:solidFill>
+                  <a:srgbClr val="D4D4D4"/>
+                </a:solidFill>
+                <a:effectLst/>
+                <a:latin typeface="Consolas" panose="020B0609020204030204" pitchFamily="49" charset="0"/>
+              </a:rPr>
+              <a:t>()</a:t>
+            </a:r>
+            <a:br>
+              <a:rPr lang="en-US" b="0" dirty="0">
+                <a:solidFill>
+                  <a:srgbClr val="D4D4D4"/>
+                </a:solidFill>
+                <a:effectLst/>
+                <a:latin typeface="Consolas" panose="020B0609020204030204" pitchFamily="49" charset="0"/>
+              </a:rPr>
+            </a:br>
+            <a:r>
+              <a:rPr lang="en-US" b="0" dirty="0" err="1">
+                <a:solidFill>
+                  <a:srgbClr val="4EC9B0"/>
+                </a:solidFill>
+                <a:effectLst/>
+                <a:latin typeface="Consolas" panose="020B0609020204030204" pitchFamily="49" charset="0"/>
+              </a:rPr>
+              <a:t>SensorData</a:t>
+            </a:r>
+            <a:r>
+              <a:rPr lang="en-US" b="0" dirty="0">
+                <a:solidFill>
+                  <a:srgbClr val="D4D4D4"/>
+                </a:solidFill>
+                <a:effectLst/>
+                <a:latin typeface="Consolas" panose="020B0609020204030204" pitchFamily="49" charset="0"/>
+              </a:rPr>
+              <a:t>&lt;</a:t>
+            </a:r>
+            <a:r>
+              <a:rPr lang="en-US" b="0" dirty="0">
+                <a:solidFill>
+                  <a:srgbClr val="4EC9B0"/>
+                </a:solidFill>
+                <a:effectLst/>
+                <a:latin typeface="Consolas" panose="020B0609020204030204" pitchFamily="49" charset="0"/>
+              </a:rPr>
+              <a:t>Double</a:t>
+            </a:r>
+            <a:r>
+              <a:rPr lang="en-US" b="0" dirty="0">
+                <a:solidFill>
+                  <a:srgbClr val="D4D4D4"/>
+                </a:solidFill>
+                <a:effectLst/>
+                <a:latin typeface="Consolas" panose="020B0609020204030204" pitchFamily="49" charset="0"/>
+              </a:rPr>
+              <a:t>&gt; </a:t>
+            </a:r>
+            <a:r>
+              <a:rPr lang="en-US" b="0" dirty="0" err="1">
+                <a:solidFill>
+                  <a:srgbClr val="DCDCAA"/>
+                </a:solidFill>
+                <a:effectLst/>
+                <a:latin typeface="Consolas" panose="020B0609020204030204" pitchFamily="49" charset="0"/>
+              </a:rPr>
+              <a:t>getRawData</a:t>
+            </a:r>
+            <a:r>
+              <a:rPr lang="en-US" b="0" dirty="0">
+                <a:solidFill>
+                  <a:srgbClr val="D4D4D4"/>
+                </a:solidFill>
+                <a:effectLst/>
+                <a:latin typeface="Consolas" panose="020B0609020204030204" pitchFamily="49" charset="0"/>
+              </a:rPr>
+              <a:t>(</a:t>
+            </a:r>
+            <a:r>
+              <a:rPr lang="en-US" b="0" dirty="0">
+                <a:solidFill>
+                  <a:srgbClr val="4EC9B0"/>
+                </a:solidFill>
+                <a:effectLst/>
+                <a:latin typeface="Consolas" panose="020B0609020204030204" pitchFamily="49" charset="0"/>
+              </a:rPr>
+              <a:t>int</a:t>
+            </a:r>
+            <a:r>
+              <a:rPr lang="en-US" b="0" dirty="0">
+                <a:solidFill>
+                  <a:srgbClr val="D4D4D4"/>
+                </a:solidFill>
+                <a:effectLst/>
+                <a:latin typeface="Consolas" panose="020B0609020204030204" pitchFamily="49" charset="0"/>
+              </a:rPr>
+              <a:t> </a:t>
+            </a:r>
+            <a:r>
+              <a:rPr lang="en-US" b="0" dirty="0">
+                <a:solidFill>
+                  <a:srgbClr val="9CDCFE"/>
+                </a:solidFill>
+                <a:effectLst/>
+                <a:latin typeface="Consolas" panose="020B0609020204030204" pitchFamily="49" charset="0"/>
+              </a:rPr>
+              <a:t>index</a:t>
+            </a:r>
+            <a:r>
+              <a:rPr lang="en-US" b="0" dirty="0">
+                <a:solidFill>
+                  <a:srgbClr val="D4D4D4"/>
+                </a:solidFill>
+                <a:effectLst/>
+                <a:latin typeface="Consolas" panose="020B0609020204030204" pitchFamily="49" charset="0"/>
+              </a:rPr>
+              <a:t>, </a:t>
+            </a:r>
+            <a:r>
+              <a:rPr lang="en-US" b="0" dirty="0" err="1">
+                <a:solidFill>
+                  <a:srgbClr val="4EC9B0"/>
+                </a:solidFill>
+                <a:effectLst/>
+                <a:latin typeface="Consolas" panose="020B0609020204030204" pitchFamily="49" charset="0"/>
+              </a:rPr>
+              <a:t>DataType</a:t>
+            </a:r>
+            <a:r>
+              <a:rPr lang="en-US" b="0" dirty="0">
+                <a:solidFill>
+                  <a:srgbClr val="D4D4D4"/>
+                </a:solidFill>
+                <a:effectLst/>
+                <a:latin typeface="Consolas" panose="020B0609020204030204" pitchFamily="49" charset="0"/>
+              </a:rPr>
+              <a:t> </a:t>
+            </a:r>
+            <a:r>
+              <a:rPr lang="en-US" b="0" dirty="0" err="1">
+                <a:solidFill>
+                  <a:srgbClr val="9CDCFE"/>
+                </a:solidFill>
+                <a:effectLst/>
+                <a:latin typeface="Consolas" panose="020B0609020204030204" pitchFamily="49" charset="0"/>
+              </a:rPr>
+              <a:t>dataType</a:t>
+            </a:r>
+            <a:r>
+              <a:rPr lang="en-US" b="0" dirty="0">
+                <a:solidFill>
+                  <a:srgbClr val="D4D4D4"/>
+                </a:solidFill>
+                <a:effectLst/>
+                <a:latin typeface="Consolas" panose="020B0609020204030204" pitchFamily="49" charset="0"/>
+              </a:rPr>
+              <a:t>)</a:t>
+            </a:r>
+          </a:p>
+          <a:p>
+            <a:pPr marL="0" indent="0">
+              <a:buNone/>
+            </a:pPr>
+            <a:endParaRPr lang="en-US" b="0" dirty="0">
+              <a:solidFill>
+                <a:srgbClr val="D4D4D4"/>
+              </a:solidFill>
+              <a:effectLst/>
+              <a:latin typeface="Consolas" panose="020B0609020204030204" pitchFamily="49" charset="0"/>
+            </a:endParaRPr>
+          </a:p>
+        </p:txBody>
+      </p:sp>
+    </p:spTree>
+    <p:extLst>
+      <p:ext uri="{BB962C8B-B14F-4D97-AF65-F5344CB8AC3E}">
+        <p14:creationId xmlns:p14="http://schemas.microsoft.com/office/powerpoint/2010/main" val="2570183838"/>
+      </p:ext>
+    </p:extLst>
+  </p:cSld>
+  <p:clrMapOvr>
+    <a:masterClrMapping/>
+  </p:clrMapOvr>
+</p:sld>
+</file>
+
+<file path=ppt/slides/slide27.xml><?xml version="1.0" encoding="utf-8"?>
+<p:sld xmlns:a="http://schemas.openxmlformats.org/drawingml/2006/main" xmlns:r="http://schemas.openxmlformats.org/officeDocument/2006/relationships" xmlns:p="http://schemas.openxmlformats.org/presentationml/2006/main">
+  <p:cSld>
+    <p:spTree>
+      <p:nvGrpSpPr>
+        <p:cNvPr id="1" name=""/>
+        <p:cNvGrpSpPr/>
+        <p:nvPr/>
+      </p:nvGrpSpPr>
+      <p:grpSpPr>
+        <a:xfrm>
+          <a:off x="0" y="0"/>
+          <a:ext cx="0" cy="0"/>
+          <a:chOff x="0" y="0"/>
+          <a:chExt cx="0" cy="0"/>
+        </a:xfrm>
+      </p:grpSpPr>
+      <p:sp>
+        <p:nvSpPr>
+          <p:cNvPr id="2" name="Title 1">
+            <a:extLst>
+              <a:ext uri="{FF2B5EF4-FFF2-40B4-BE49-F238E27FC236}">
+                <a16:creationId xmlns:a16="http://schemas.microsoft.com/office/drawing/2014/main" id="{871A9152-653E-E3BA-4D18-5977A8EDDDFB}"/>
+              </a:ext>
+            </a:extLst>
+          </p:cNvPr>
+          <p:cNvSpPr>
+            <a:spLocks noGrp="1"/>
+          </p:cNvSpPr>
+          <p:nvPr>
+            <p:ph type="title"/>
+          </p:nvPr>
+        </p:nvSpPr>
+        <p:spPr/>
+        <p:txBody>
+          <a:bodyPr/>
+          <a:lstStyle/>
+          <a:p>
+            <a:r>
+              <a:rPr lang="en-US" dirty="0"/>
+              <a:t>Exercise: Digital Sensor</a:t>
+            </a:r>
+          </a:p>
+        </p:txBody>
+      </p:sp>
+      <p:sp>
+        <p:nvSpPr>
+          <p:cNvPr id="3" name="Content Placeholder 2">
+            <a:extLst>
+              <a:ext uri="{FF2B5EF4-FFF2-40B4-BE49-F238E27FC236}">
+                <a16:creationId xmlns:a16="http://schemas.microsoft.com/office/drawing/2014/main" id="{06A58EDA-0195-7583-69F2-ECDB1CC19668}"/>
+              </a:ext>
+            </a:extLst>
+          </p:cNvPr>
+          <p:cNvSpPr>
+            <a:spLocks noGrp="1"/>
+          </p:cNvSpPr>
+          <p:nvPr>
+            <p:ph idx="1"/>
+          </p:nvPr>
+        </p:nvSpPr>
+        <p:spPr>
+          <a:xfrm>
+            <a:off x="634314" y="2286001"/>
+            <a:ext cx="10935729" cy="4452550"/>
+          </a:xfrm>
+        </p:spPr>
+        <p:txBody>
+          <a:bodyPr>
+            <a:normAutofit/>
+          </a:bodyPr>
+          <a:lstStyle/>
+          <a:p>
+            <a:r>
+              <a:rPr lang="en-US" dirty="0"/>
+              <a:t>In Robot.java, create a limit switch.</a:t>
+            </a:r>
+          </a:p>
+          <a:p>
+            <a:pPr lvl="1"/>
+            <a:r>
+              <a:rPr lang="en-US" dirty="0"/>
+              <a:t>Create a class variable (</a:t>
+            </a:r>
+            <a:r>
+              <a:rPr lang="en-US" dirty="0" err="1"/>
+              <a:t>limitSwitch</a:t>
+            </a:r>
+            <a:r>
+              <a:rPr lang="en-US" dirty="0"/>
+              <a:t>) to hold the created digital input object (e.g. </a:t>
+            </a:r>
+            <a:r>
+              <a:rPr lang="en-US" dirty="0" err="1"/>
+              <a:t>FrcDigitalInput</a:t>
+            </a:r>
+            <a:r>
+              <a:rPr lang="en-US" dirty="0"/>
+              <a:t>).</a:t>
+            </a:r>
+          </a:p>
+          <a:p>
+            <a:pPr lvl="1"/>
+            <a:r>
+              <a:rPr lang="en-US" dirty="0"/>
+              <a:t>In </a:t>
+            </a:r>
+            <a:r>
+              <a:rPr lang="en-US" dirty="0" err="1"/>
+              <a:t>robotInit</a:t>
+            </a:r>
+            <a:r>
+              <a:rPr lang="en-US" dirty="0"/>
+              <a:t> method, create the limit switch object specifying a name and the DIO channel it’s plugged into.</a:t>
+            </a:r>
+          </a:p>
+          <a:p>
+            <a:r>
+              <a:rPr lang="en-US" dirty="0"/>
+              <a:t>In FrcTeleOp.java, add code to the periodic method to print a message showing the state of the limit switch on the dashboard.</a:t>
+            </a:r>
+          </a:p>
+          <a:p>
+            <a:pPr lvl="1"/>
+            <a:r>
+              <a:rPr lang="en-US" dirty="0"/>
+              <a:t>On the button X pressed event, extends the pneumatic piston (</a:t>
+            </a:r>
+            <a:r>
+              <a:rPr lang="en-US" dirty="0" err="1"/>
+              <a:t>robot.piston.extend</a:t>
+            </a:r>
+            <a:r>
+              <a:rPr lang="en-US" dirty="0"/>
+              <a:t>).</a:t>
+            </a:r>
+          </a:p>
+          <a:p>
+            <a:pPr lvl="1"/>
+            <a:r>
+              <a:rPr lang="en-US" dirty="0"/>
+              <a:t>On the button X released event, retracts the pneumatic piston (</a:t>
+            </a:r>
+            <a:r>
+              <a:rPr lang="en-US" dirty="0" err="1"/>
+              <a:t>robot.piston.retract</a:t>
+            </a:r>
+            <a:r>
+              <a:rPr lang="en-US" dirty="0"/>
+              <a:t>).</a:t>
+            </a:r>
+          </a:p>
+          <a:p>
+            <a:pPr lvl="1"/>
+            <a:r>
+              <a:rPr lang="en-US" dirty="0"/>
+              <a:t>Display the piston state on the dashboard (</a:t>
+            </a:r>
+            <a:r>
+              <a:rPr lang="en-US" dirty="0" err="1"/>
+              <a:t>robot.dashboard.displayPrintf</a:t>
+            </a:r>
+            <a:r>
+              <a:rPr lang="en-US" dirty="0"/>
+              <a:t>, </a:t>
+            </a:r>
+            <a:r>
+              <a:rPr lang="en-US" dirty="0" err="1"/>
+              <a:t>robot.piston.isExtended</a:t>
+            </a:r>
+            <a:r>
+              <a:rPr lang="en-US" dirty="0"/>
+              <a:t>).</a:t>
+            </a:r>
+          </a:p>
+        </p:txBody>
+      </p:sp>
+    </p:spTree>
+    <p:extLst>
+      <p:ext uri="{BB962C8B-B14F-4D97-AF65-F5344CB8AC3E}">
+        <p14:creationId xmlns:p14="http://schemas.microsoft.com/office/powerpoint/2010/main" val="3420926589"/>
+      </p:ext>
+    </p:extLst>
+  </p:cSld>
+  <p:clrMapOvr>
+    <a:masterClrMapping/>
+  </p:clrMapOvr>
+</p:sld>
+</file>
+
+<file path=ppt/slides/slide28.xml><?xml version="1.0" encoding="utf-8"?>
+<p:sld xmlns:a="http://schemas.openxmlformats.org/drawingml/2006/main" xmlns:r="http://schemas.openxmlformats.org/officeDocument/2006/relationships" xmlns:p="http://schemas.openxmlformats.org/presentationml/2006/main">
+  <p:cSld>
+    <p:spTree>
+      <p:nvGrpSpPr>
+        <p:cNvPr id="1" name=""/>
+        <p:cNvGrpSpPr/>
+        <p:nvPr/>
+      </p:nvGrpSpPr>
+      <p:grpSpPr>
+        <a:xfrm>
+          <a:off x="0" y="0"/>
+          <a:ext cx="0" cy="0"/>
+          <a:chOff x="0" y="0"/>
+          <a:chExt cx="0" cy="0"/>
+        </a:xfrm>
+      </p:grpSpPr>
+      <p:sp>
+        <p:nvSpPr>
+          <p:cNvPr id="2" name="Title 1">
+            <a:extLst>
+              <a:ext uri="{FF2B5EF4-FFF2-40B4-BE49-F238E27FC236}">
+                <a16:creationId xmlns:a16="http://schemas.microsoft.com/office/drawing/2014/main" id="{871A9152-653E-E3BA-4D18-5977A8EDDDFB}"/>
+              </a:ext>
+            </a:extLst>
+          </p:cNvPr>
+          <p:cNvSpPr>
+            <a:spLocks noGrp="1"/>
+          </p:cNvSpPr>
+          <p:nvPr>
+            <p:ph type="title"/>
+          </p:nvPr>
+        </p:nvSpPr>
+        <p:spPr/>
+        <p:txBody>
+          <a:bodyPr/>
+          <a:lstStyle/>
+          <a:p>
+            <a:r>
+              <a:rPr lang="en-US" dirty="0"/>
+              <a:t>Exercise: Analog Sensor</a:t>
+            </a:r>
+          </a:p>
+        </p:txBody>
+      </p:sp>
+      <p:sp>
+        <p:nvSpPr>
+          <p:cNvPr id="3" name="Content Placeholder 2">
+            <a:extLst>
+              <a:ext uri="{FF2B5EF4-FFF2-40B4-BE49-F238E27FC236}">
+                <a16:creationId xmlns:a16="http://schemas.microsoft.com/office/drawing/2014/main" id="{06A58EDA-0195-7583-69F2-ECDB1CC19668}"/>
+              </a:ext>
+            </a:extLst>
+          </p:cNvPr>
+          <p:cNvSpPr>
+            <a:spLocks noGrp="1"/>
+          </p:cNvSpPr>
+          <p:nvPr>
+            <p:ph idx="1"/>
+          </p:nvPr>
+        </p:nvSpPr>
+        <p:spPr>
+          <a:xfrm>
+            <a:off x="634314" y="2286001"/>
+            <a:ext cx="10935729" cy="4452550"/>
+          </a:xfrm>
+        </p:spPr>
+        <p:txBody>
+          <a:bodyPr>
+            <a:normAutofit/>
+          </a:bodyPr>
+          <a:lstStyle/>
+          <a:p>
+            <a:r>
+              <a:rPr lang="en-US" dirty="0"/>
+              <a:t>In Robot.java, create a REV color sensor.</a:t>
+            </a:r>
+          </a:p>
+          <a:p>
+            <a:pPr lvl="1"/>
+            <a:r>
+              <a:rPr lang="en-US" dirty="0"/>
+              <a:t>Create a class variable (</a:t>
+            </a:r>
+            <a:r>
+              <a:rPr lang="en-US" dirty="0" err="1"/>
+              <a:t>colorSensor</a:t>
+            </a:r>
+            <a:r>
+              <a:rPr lang="en-US" dirty="0"/>
+              <a:t>) to hold the created analog sensor object (e.g. ColorSensorV3).</a:t>
+            </a:r>
+          </a:p>
+          <a:p>
+            <a:pPr lvl="1"/>
+            <a:r>
+              <a:rPr lang="en-US" dirty="0"/>
+              <a:t>In </a:t>
+            </a:r>
+            <a:r>
+              <a:rPr lang="en-US" dirty="0" err="1"/>
+              <a:t>robotInit</a:t>
+            </a:r>
+            <a:r>
+              <a:rPr lang="en-US" dirty="0"/>
+              <a:t> method, create the color sensor specifying the I2C port it’s plugged into.</a:t>
+            </a:r>
+          </a:p>
+          <a:p>
+            <a:r>
+              <a:rPr lang="en-US" dirty="0"/>
+              <a:t>In FrcTeleOp.java, add code to the periodic method to print a message showing the color sensor values on the dashboard.</a:t>
+            </a:r>
+          </a:p>
+          <a:p>
+            <a:pPr lvl="1"/>
+            <a:r>
+              <a:rPr lang="en-US" dirty="0"/>
+              <a:t>Display the color sensor values on the dashboard (</a:t>
+            </a:r>
+            <a:r>
+              <a:rPr lang="en-US" dirty="0" err="1"/>
+              <a:t>robot.dashboard.displayPrintf</a:t>
+            </a:r>
+            <a:r>
+              <a:rPr lang="en-US" dirty="0"/>
+              <a:t>, </a:t>
+            </a:r>
+            <a:r>
+              <a:rPr lang="en-US" dirty="0" err="1"/>
+              <a:t>robot.colorSensor.getProximity</a:t>
+            </a:r>
+            <a:r>
+              <a:rPr lang="en-US" dirty="0"/>
+              <a:t>, </a:t>
+            </a:r>
+            <a:r>
+              <a:rPr lang="en-US" dirty="0" err="1"/>
+              <a:t>robot.colorSensor.getRed</a:t>
+            </a:r>
+            <a:r>
+              <a:rPr lang="en-US" dirty="0"/>
+              <a:t>, </a:t>
+            </a:r>
+            <a:r>
+              <a:rPr lang="en-US" dirty="0" err="1"/>
+              <a:t>robot.colorSensor.getGreen</a:t>
+            </a:r>
+            <a:r>
+              <a:rPr lang="en-US" dirty="0"/>
+              <a:t>, </a:t>
+            </a:r>
+            <a:r>
+              <a:rPr lang="en-US" dirty="0" err="1"/>
+              <a:t>robot.colorSensor.getBlue</a:t>
+            </a:r>
+            <a:r>
+              <a:rPr lang="en-US" dirty="0"/>
+              <a:t>).</a:t>
+            </a:r>
+          </a:p>
+        </p:txBody>
+      </p:sp>
+    </p:spTree>
+    <p:extLst>
+      <p:ext uri="{BB962C8B-B14F-4D97-AF65-F5344CB8AC3E}">
+        <p14:creationId xmlns:p14="http://schemas.microsoft.com/office/powerpoint/2010/main" val="2767844410"/>
+      </p:ext>
+    </p:extLst>
+  </p:cSld>
+  <p:clrMapOvr>
+    <a:masterClrMapping/>
+  </p:clrMapOvr>
+</p:sld>
+</file>
+
+<file path=ppt/slides/slide29.xml><?xml version="1.0" encoding="utf-8"?>
+<p:sld xmlns:a="http://schemas.openxmlformats.org/drawingml/2006/main" xmlns:r="http://schemas.openxmlformats.org/officeDocument/2006/relationships" xmlns:p="http://schemas.openxmlformats.org/presentationml/2006/main">
+  <p:cSld>
+    <p:spTree>
+      <p:nvGrpSpPr>
+        <p:cNvPr id="1" name=""/>
+        <p:cNvGrpSpPr/>
+        <p:nvPr/>
+      </p:nvGrpSpPr>
+      <p:grpSpPr>
+        <a:xfrm>
+          <a:off x="0" y="0"/>
+          <a:ext cx="0" cy="0"/>
+          <a:chOff x="0" y="0"/>
+          <a:chExt cx="0" cy="0"/>
+        </a:xfrm>
+      </p:grpSpPr>
+      <p:sp>
+        <p:nvSpPr>
+          <p:cNvPr id="2" name="Title 1">
+            <a:extLst>
+              <a:ext uri="{FF2B5EF4-FFF2-40B4-BE49-F238E27FC236}">
+                <a16:creationId xmlns:a16="http://schemas.microsoft.com/office/drawing/2014/main" id="{E84B7729-DF12-CA7C-610E-8FD172CE9307}"/>
+              </a:ext>
+            </a:extLst>
+          </p:cNvPr>
+          <p:cNvSpPr>
+            <a:spLocks noGrp="1"/>
+          </p:cNvSpPr>
+          <p:nvPr>
+            <p:ph type="title"/>
+          </p:nvPr>
+        </p:nvSpPr>
+        <p:spPr/>
+        <p:txBody>
+          <a:bodyPr/>
+          <a:lstStyle/>
+          <a:p>
+            <a:r>
+              <a:rPr lang="en-US" dirty="0"/>
+              <a:t>Digital Sensor Trigger</a:t>
+            </a:r>
+          </a:p>
+        </p:txBody>
+      </p:sp>
+      <p:sp>
+        <p:nvSpPr>
+          <p:cNvPr id="3" name="Content Placeholder 2">
+            <a:extLst>
+              <a:ext uri="{FF2B5EF4-FFF2-40B4-BE49-F238E27FC236}">
+                <a16:creationId xmlns:a16="http://schemas.microsoft.com/office/drawing/2014/main" id="{4D0DD588-A874-9778-4773-0EC80728EE14}"/>
+              </a:ext>
+            </a:extLst>
+          </p:cNvPr>
+          <p:cNvSpPr>
+            <a:spLocks noGrp="1"/>
+          </p:cNvSpPr>
+          <p:nvPr>
+            <p:ph idx="1"/>
+          </p:nvPr>
+        </p:nvSpPr>
+        <p:spPr>
+          <a:xfrm>
+            <a:off x="609600" y="2302477"/>
+            <a:ext cx="10948086" cy="4481382"/>
+          </a:xfrm>
+        </p:spPr>
+        <p:txBody>
+          <a:bodyPr>
+            <a:normAutofit fontScale="92500" lnSpcReduction="10000"/>
+          </a:bodyPr>
+          <a:lstStyle/>
+          <a:p>
+            <a:r>
+              <a:rPr lang="en-US" dirty="0"/>
+              <a:t>Digital trigger provides an asynchronous mechanism to detect digital sensor state changes. It monitors the digital sensor and will do a callback when state change occurs. By default, the digital trigger is created disabled so you need to explicitly enable the monitoring and disable it when it’s no longer needed.</a:t>
+            </a:r>
+          </a:p>
+          <a:p>
+            <a:r>
+              <a:rPr lang="en-US" dirty="0" err="1"/>
+              <a:t>TrcDigitalInputTrigger</a:t>
+            </a:r>
+            <a:r>
+              <a:rPr lang="en-US" dirty="0"/>
+              <a:t> constructors:</a:t>
+            </a:r>
+            <a:br>
+              <a:rPr lang="en-US" dirty="0"/>
+            </a:br>
+            <a:r>
+              <a:rPr lang="en-US" b="0" dirty="0" err="1">
+                <a:solidFill>
+                  <a:srgbClr val="DCDCAA"/>
+                </a:solidFill>
+                <a:effectLst/>
+                <a:latin typeface="Consolas" panose="020B0609020204030204" pitchFamily="49" charset="0"/>
+              </a:rPr>
+              <a:t>TrcDigitalInputTrigger</a:t>
+            </a:r>
+            <a:r>
+              <a:rPr lang="en-US" b="0" dirty="0">
+                <a:solidFill>
+                  <a:srgbClr val="D4D4D4"/>
+                </a:solidFill>
+                <a:effectLst/>
+                <a:latin typeface="Consolas" panose="020B0609020204030204" pitchFamily="49" charset="0"/>
+              </a:rPr>
+              <a:t>(</a:t>
+            </a:r>
+            <a:r>
+              <a:rPr lang="en-US" b="0" dirty="0">
+                <a:solidFill>
+                  <a:srgbClr val="4EC9B0"/>
+                </a:solidFill>
+                <a:effectLst/>
+                <a:latin typeface="Consolas" panose="020B0609020204030204" pitchFamily="49" charset="0"/>
+              </a:rPr>
+              <a:t>String</a:t>
+            </a:r>
+            <a:r>
+              <a:rPr lang="en-US" b="0" dirty="0">
+                <a:solidFill>
+                  <a:srgbClr val="D4D4D4"/>
+                </a:solidFill>
+                <a:effectLst/>
+                <a:latin typeface="Consolas" panose="020B0609020204030204" pitchFamily="49" charset="0"/>
+              </a:rPr>
+              <a:t> </a:t>
+            </a:r>
+            <a:r>
+              <a:rPr lang="en-US" b="0" dirty="0" err="1">
+                <a:solidFill>
+                  <a:srgbClr val="9CDCFE"/>
+                </a:solidFill>
+                <a:effectLst/>
+                <a:latin typeface="Consolas" panose="020B0609020204030204" pitchFamily="49" charset="0"/>
+              </a:rPr>
+              <a:t>instanceName</a:t>
+            </a:r>
+            <a:r>
+              <a:rPr lang="en-US" b="0" dirty="0">
+                <a:solidFill>
+                  <a:srgbClr val="D4D4D4"/>
+                </a:solidFill>
+                <a:effectLst/>
+                <a:latin typeface="Consolas" panose="020B0609020204030204" pitchFamily="49" charset="0"/>
+              </a:rPr>
+              <a:t>, </a:t>
+            </a:r>
+            <a:r>
+              <a:rPr lang="en-US" b="0" dirty="0" err="1">
+                <a:solidFill>
+                  <a:srgbClr val="4EC9B0"/>
+                </a:solidFill>
+                <a:effectLst/>
+                <a:latin typeface="Consolas" panose="020B0609020204030204" pitchFamily="49" charset="0"/>
+              </a:rPr>
+              <a:t>TrcDigitalInput</a:t>
+            </a:r>
+            <a:r>
+              <a:rPr lang="en-US" b="0" dirty="0">
+                <a:solidFill>
+                  <a:srgbClr val="D4D4D4"/>
+                </a:solidFill>
+                <a:effectLst/>
+                <a:latin typeface="Consolas" panose="020B0609020204030204" pitchFamily="49" charset="0"/>
+              </a:rPr>
+              <a:t> </a:t>
+            </a:r>
+            <a:r>
+              <a:rPr lang="en-US" b="0" dirty="0">
+                <a:solidFill>
+                  <a:srgbClr val="9CDCFE"/>
+                </a:solidFill>
+                <a:effectLst/>
+                <a:latin typeface="Consolas" panose="020B0609020204030204" pitchFamily="49" charset="0"/>
+              </a:rPr>
+              <a:t>sensor</a:t>
+            </a:r>
+            <a:r>
+              <a:rPr lang="en-US" b="0" dirty="0">
+                <a:solidFill>
+                  <a:srgbClr val="D4D4D4"/>
+                </a:solidFill>
+                <a:effectLst/>
+                <a:latin typeface="Consolas" panose="020B0609020204030204" pitchFamily="49" charset="0"/>
+              </a:rPr>
+              <a:t>, </a:t>
+            </a:r>
+            <a:r>
+              <a:rPr lang="en-US" b="0" dirty="0" err="1">
+                <a:solidFill>
+                  <a:srgbClr val="4EC9B0"/>
+                </a:solidFill>
+                <a:effectLst/>
+                <a:latin typeface="Consolas" panose="020B0609020204030204" pitchFamily="49" charset="0"/>
+              </a:rPr>
+              <a:t>TrcEvent</a:t>
+            </a:r>
+            <a:r>
+              <a:rPr lang="en-US" b="0" dirty="0" err="1">
+                <a:solidFill>
+                  <a:srgbClr val="D4D4D4"/>
+                </a:solidFill>
+                <a:effectLst/>
+                <a:latin typeface="Consolas" panose="020B0609020204030204" pitchFamily="49" charset="0"/>
+              </a:rPr>
+              <a:t>.</a:t>
+            </a:r>
+            <a:r>
+              <a:rPr lang="en-US" b="0" dirty="0" err="1">
+                <a:solidFill>
+                  <a:srgbClr val="4EC9B0"/>
+                </a:solidFill>
+                <a:effectLst/>
+                <a:latin typeface="Consolas" panose="020B0609020204030204" pitchFamily="49" charset="0"/>
+              </a:rPr>
+              <a:t>Callback</a:t>
+            </a:r>
+            <a:r>
+              <a:rPr lang="en-US" b="0" dirty="0">
+                <a:solidFill>
+                  <a:srgbClr val="D4D4D4"/>
+                </a:solidFill>
+                <a:effectLst/>
+                <a:latin typeface="Consolas" panose="020B0609020204030204" pitchFamily="49" charset="0"/>
+              </a:rPr>
+              <a:t> </a:t>
+            </a:r>
+            <a:r>
+              <a:rPr lang="en-US" b="0" dirty="0" err="1">
+                <a:solidFill>
+                  <a:srgbClr val="9CDCFE"/>
+                </a:solidFill>
+                <a:effectLst/>
+                <a:latin typeface="Consolas" panose="020B0609020204030204" pitchFamily="49" charset="0"/>
+              </a:rPr>
+              <a:t>triggerCallback</a:t>
+            </a:r>
+            <a:r>
+              <a:rPr lang="en-US" b="0" dirty="0">
+                <a:solidFill>
+                  <a:srgbClr val="D4D4D4"/>
+                </a:solidFill>
+                <a:effectLst/>
+                <a:latin typeface="Consolas" panose="020B0609020204030204" pitchFamily="49" charset="0"/>
+              </a:rPr>
+              <a:t>)</a:t>
+            </a:r>
+          </a:p>
+          <a:p>
+            <a:r>
+              <a:rPr lang="en-US" dirty="0" err="1"/>
+              <a:t>TrcDigitalInputTrigger</a:t>
+            </a:r>
+            <a:r>
+              <a:rPr lang="en-US" dirty="0"/>
+              <a:t> useful methods:</a:t>
+            </a:r>
+            <a:br>
+              <a:rPr lang="en-US" dirty="0"/>
+            </a:br>
+            <a:r>
+              <a:rPr lang="en-US" b="0" dirty="0">
+                <a:solidFill>
+                  <a:srgbClr val="4EC9B0"/>
+                </a:solidFill>
+                <a:effectLst/>
+                <a:latin typeface="Consolas" panose="020B0609020204030204" pitchFamily="49" charset="0"/>
+              </a:rPr>
+              <a:t>void</a:t>
+            </a:r>
+            <a:r>
+              <a:rPr lang="en-US" b="0" dirty="0">
+                <a:solidFill>
+                  <a:srgbClr val="D4D4D4"/>
+                </a:solidFill>
+                <a:effectLst/>
+                <a:latin typeface="Consolas" panose="020B0609020204030204" pitchFamily="49" charset="0"/>
+              </a:rPr>
+              <a:t> </a:t>
+            </a:r>
+            <a:r>
+              <a:rPr lang="en-US" b="0" dirty="0" err="1">
+                <a:solidFill>
+                  <a:srgbClr val="DCDCAA"/>
+                </a:solidFill>
+                <a:effectLst/>
+                <a:latin typeface="Consolas" panose="020B0609020204030204" pitchFamily="49" charset="0"/>
+              </a:rPr>
+              <a:t>setEnabled</a:t>
+            </a:r>
+            <a:r>
+              <a:rPr lang="en-US" b="0" dirty="0">
+                <a:solidFill>
+                  <a:srgbClr val="D4D4D4"/>
+                </a:solidFill>
+                <a:effectLst/>
+                <a:latin typeface="Consolas" panose="020B0609020204030204" pitchFamily="49" charset="0"/>
+              </a:rPr>
+              <a:t>(</a:t>
+            </a:r>
+            <a:r>
+              <a:rPr lang="en-US" b="0" dirty="0" err="1">
+                <a:solidFill>
+                  <a:srgbClr val="4EC9B0"/>
+                </a:solidFill>
+                <a:effectLst/>
+                <a:latin typeface="Consolas" panose="020B0609020204030204" pitchFamily="49" charset="0"/>
+              </a:rPr>
+              <a:t>boolean</a:t>
+            </a:r>
+            <a:r>
+              <a:rPr lang="en-US" b="0" dirty="0">
+                <a:solidFill>
+                  <a:srgbClr val="D4D4D4"/>
+                </a:solidFill>
+                <a:effectLst/>
+                <a:latin typeface="Consolas" panose="020B0609020204030204" pitchFamily="49" charset="0"/>
+              </a:rPr>
+              <a:t> </a:t>
+            </a:r>
+            <a:r>
+              <a:rPr lang="en-US" b="0" dirty="0">
+                <a:solidFill>
+                  <a:srgbClr val="9CDCFE"/>
+                </a:solidFill>
+                <a:effectLst/>
+                <a:latin typeface="Consolas" panose="020B0609020204030204" pitchFamily="49" charset="0"/>
+              </a:rPr>
+              <a:t>enabled</a:t>
+            </a:r>
+            <a:r>
+              <a:rPr lang="en-US" b="0" dirty="0">
+                <a:solidFill>
+                  <a:srgbClr val="D4D4D4"/>
+                </a:solidFill>
+                <a:effectLst/>
+                <a:latin typeface="Consolas" panose="020B0609020204030204" pitchFamily="49" charset="0"/>
+              </a:rPr>
+              <a:t>)</a:t>
+            </a:r>
+            <a:br>
+              <a:rPr lang="en-US" b="0" dirty="0">
+                <a:solidFill>
+                  <a:srgbClr val="D4D4D4"/>
+                </a:solidFill>
+                <a:effectLst/>
+                <a:latin typeface="Consolas" panose="020B0609020204030204" pitchFamily="49" charset="0"/>
+              </a:rPr>
+            </a:br>
+            <a:r>
+              <a:rPr lang="en-US" b="0" dirty="0" err="1">
+                <a:solidFill>
+                  <a:srgbClr val="4EC9B0"/>
+                </a:solidFill>
+                <a:effectLst/>
+                <a:latin typeface="Consolas" panose="020B0609020204030204" pitchFamily="49" charset="0"/>
+              </a:rPr>
+              <a:t>boolean</a:t>
+            </a:r>
+            <a:r>
+              <a:rPr lang="en-US" b="0" dirty="0">
+                <a:solidFill>
+                  <a:srgbClr val="D4D4D4"/>
+                </a:solidFill>
+                <a:effectLst/>
+                <a:latin typeface="Consolas" panose="020B0609020204030204" pitchFamily="49" charset="0"/>
+              </a:rPr>
+              <a:t> </a:t>
+            </a:r>
+            <a:r>
+              <a:rPr lang="en-US" b="0" dirty="0" err="1">
+                <a:solidFill>
+                  <a:srgbClr val="DCDCAA"/>
+                </a:solidFill>
+                <a:effectLst/>
+                <a:latin typeface="Consolas" panose="020B0609020204030204" pitchFamily="49" charset="0"/>
+              </a:rPr>
+              <a:t>isEnabled</a:t>
+            </a:r>
+            <a:r>
+              <a:rPr lang="en-US" b="0" dirty="0">
+                <a:solidFill>
+                  <a:srgbClr val="D4D4D4"/>
+                </a:solidFill>
+                <a:effectLst/>
+                <a:latin typeface="Consolas" panose="020B0609020204030204" pitchFamily="49" charset="0"/>
+              </a:rPr>
+              <a:t>()</a:t>
+            </a:r>
+            <a:br>
+              <a:rPr lang="en-US" dirty="0">
+                <a:solidFill>
+                  <a:srgbClr val="D4D4D4"/>
+                </a:solidFill>
+                <a:latin typeface="Consolas" panose="020B0609020204030204" pitchFamily="49" charset="0"/>
+              </a:rPr>
+            </a:br>
+            <a:r>
+              <a:rPr lang="en-US" b="0" dirty="0" err="1">
+                <a:solidFill>
+                  <a:srgbClr val="4EC9B0"/>
+                </a:solidFill>
+                <a:effectLst/>
+                <a:latin typeface="Consolas" panose="020B0609020204030204" pitchFamily="49" charset="0"/>
+              </a:rPr>
+              <a:t>boolean</a:t>
+            </a:r>
+            <a:r>
+              <a:rPr lang="en-US" b="0" dirty="0">
+                <a:solidFill>
+                  <a:srgbClr val="D4D4D4"/>
+                </a:solidFill>
+                <a:effectLst/>
+                <a:latin typeface="Consolas" panose="020B0609020204030204" pitchFamily="49" charset="0"/>
+              </a:rPr>
+              <a:t> </a:t>
+            </a:r>
+            <a:r>
+              <a:rPr lang="en-US" b="0" dirty="0" err="1">
+                <a:solidFill>
+                  <a:srgbClr val="DCDCAA"/>
+                </a:solidFill>
+                <a:effectLst/>
+                <a:latin typeface="Consolas" panose="020B0609020204030204" pitchFamily="49" charset="0"/>
+              </a:rPr>
+              <a:t>getSensorState</a:t>
+            </a:r>
+            <a:r>
+              <a:rPr lang="en-US" b="0" dirty="0">
+                <a:solidFill>
+                  <a:srgbClr val="D4D4D4"/>
+                </a:solidFill>
+                <a:effectLst/>
+                <a:latin typeface="Consolas" panose="020B0609020204030204" pitchFamily="49" charset="0"/>
+              </a:rPr>
+              <a:t>()</a:t>
+            </a:r>
+          </a:p>
+          <a:p>
+            <a:r>
+              <a:rPr lang="en-US" dirty="0"/>
+              <a:t>Digital Trigger callback method:</a:t>
+            </a:r>
+            <a:br>
+              <a:rPr lang="en-US" dirty="0">
+                <a:solidFill>
+                  <a:srgbClr val="D4D4D4"/>
+                </a:solidFill>
+                <a:latin typeface="Consolas" panose="020B0609020204030204" pitchFamily="49" charset="0"/>
+              </a:rPr>
+            </a:br>
+            <a:r>
+              <a:rPr lang="en-US" b="0" dirty="0">
+                <a:solidFill>
+                  <a:srgbClr val="4EC9B0"/>
+                </a:solidFill>
+                <a:effectLst/>
+                <a:latin typeface="Consolas" panose="020B0609020204030204" pitchFamily="49" charset="0"/>
+              </a:rPr>
+              <a:t>void</a:t>
+            </a:r>
+            <a:r>
+              <a:rPr lang="en-US" b="0" dirty="0">
+                <a:solidFill>
+                  <a:srgbClr val="D4D4D4"/>
+                </a:solidFill>
+                <a:effectLst/>
+                <a:latin typeface="Consolas" panose="020B0609020204030204" pitchFamily="49" charset="0"/>
+              </a:rPr>
+              <a:t> </a:t>
+            </a:r>
+            <a:r>
+              <a:rPr lang="en-US" b="0" dirty="0" err="1">
+                <a:solidFill>
+                  <a:srgbClr val="DCDCAA"/>
+                </a:solidFill>
+                <a:effectLst/>
+                <a:latin typeface="Consolas" panose="020B0609020204030204" pitchFamily="49" charset="0"/>
+              </a:rPr>
+              <a:t>digitalTriggerCallback</a:t>
+            </a:r>
+            <a:r>
+              <a:rPr lang="en-US" b="0" dirty="0">
+                <a:solidFill>
+                  <a:srgbClr val="D4D4D4"/>
+                </a:solidFill>
+                <a:effectLst/>
+                <a:latin typeface="Consolas" panose="020B0609020204030204" pitchFamily="49" charset="0"/>
+              </a:rPr>
+              <a:t>(</a:t>
+            </a:r>
+            <a:r>
+              <a:rPr lang="en-US" b="0" dirty="0">
+                <a:solidFill>
+                  <a:srgbClr val="4EC9B0"/>
+                </a:solidFill>
+                <a:effectLst/>
+                <a:latin typeface="Consolas" panose="020B0609020204030204" pitchFamily="49" charset="0"/>
+              </a:rPr>
+              <a:t>Object</a:t>
+            </a:r>
+            <a:r>
+              <a:rPr lang="en-US" b="0" dirty="0">
+                <a:solidFill>
+                  <a:srgbClr val="D4D4D4"/>
+                </a:solidFill>
+                <a:effectLst/>
+                <a:latin typeface="Consolas" panose="020B0609020204030204" pitchFamily="49" charset="0"/>
+              </a:rPr>
+              <a:t> </a:t>
+            </a:r>
+            <a:r>
+              <a:rPr lang="en-US" b="0" dirty="0">
+                <a:solidFill>
+                  <a:srgbClr val="9CDCFE"/>
+                </a:solidFill>
+                <a:effectLst/>
+                <a:latin typeface="Consolas" panose="020B0609020204030204" pitchFamily="49" charset="0"/>
+              </a:rPr>
+              <a:t>context</a:t>
+            </a:r>
+            <a:r>
+              <a:rPr lang="en-US" b="0" dirty="0">
+                <a:solidFill>
+                  <a:srgbClr val="D4D4D4"/>
+                </a:solidFill>
+                <a:effectLst/>
+                <a:latin typeface="Consolas" panose="020B0609020204030204" pitchFamily="49" charset="0"/>
+              </a:rPr>
+              <a:t>)</a:t>
+            </a:r>
+          </a:p>
+          <a:p>
+            <a:r>
+              <a:rPr lang="en-US" dirty="0"/>
+              <a:t>Digital Trigger callback context is an </a:t>
+            </a:r>
+            <a:r>
+              <a:rPr lang="en-US" dirty="0" err="1"/>
+              <a:t>AtomicBoolean</a:t>
+            </a:r>
+            <a:r>
+              <a:rPr lang="en-US" dirty="0"/>
+              <a:t>. It gives you the digital sensor state that caused the trigger:</a:t>
+            </a:r>
+            <a:br>
+              <a:rPr lang="en-US" dirty="0"/>
+            </a:br>
+            <a:r>
+              <a:rPr lang="en-US" b="0" dirty="0">
+                <a:solidFill>
+                  <a:srgbClr val="D4D4D4"/>
+                </a:solidFill>
+                <a:effectLst/>
+                <a:latin typeface="Consolas" panose="020B0609020204030204" pitchFamily="49" charset="0"/>
+              </a:rPr>
+              <a:t>((</a:t>
+            </a:r>
+            <a:r>
+              <a:rPr lang="en-US" b="0" dirty="0" err="1">
+                <a:solidFill>
+                  <a:srgbClr val="4EC9B0"/>
+                </a:solidFill>
+                <a:effectLst/>
+                <a:latin typeface="Consolas" panose="020B0609020204030204" pitchFamily="49" charset="0"/>
+              </a:rPr>
+              <a:t>AtomicBoolean</a:t>
+            </a:r>
+            <a:r>
+              <a:rPr lang="en-US" b="0" dirty="0">
+                <a:solidFill>
+                  <a:srgbClr val="D4D4D4"/>
+                </a:solidFill>
+                <a:effectLst/>
+                <a:latin typeface="Consolas" panose="020B0609020204030204" pitchFamily="49" charset="0"/>
+              </a:rPr>
+              <a:t>) </a:t>
+            </a:r>
+            <a:r>
+              <a:rPr lang="en-US" b="0" dirty="0">
+                <a:solidFill>
+                  <a:srgbClr val="9CDCFE"/>
+                </a:solidFill>
+                <a:effectLst/>
+                <a:latin typeface="Consolas" panose="020B0609020204030204" pitchFamily="49" charset="0"/>
+              </a:rPr>
+              <a:t>context</a:t>
+            </a:r>
+            <a:r>
+              <a:rPr lang="en-US" b="0" dirty="0">
+                <a:solidFill>
+                  <a:srgbClr val="D4D4D4"/>
+                </a:solidFill>
+                <a:effectLst/>
+                <a:latin typeface="Consolas" panose="020B0609020204030204" pitchFamily="49" charset="0"/>
+              </a:rPr>
+              <a:t>).</a:t>
+            </a:r>
+            <a:r>
+              <a:rPr lang="en-US" b="0" dirty="0">
+                <a:solidFill>
+                  <a:srgbClr val="DCDCAA"/>
+                </a:solidFill>
+                <a:effectLst/>
+                <a:latin typeface="Consolas" panose="020B0609020204030204" pitchFamily="49" charset="0"/>
+              </a:rPr>
+              <a:t>get</a:t>
+            </a:r>
+            <a:r>
+              <a:rPr lang="en-US" b="0" dirty="0">
+                <a:solidFill>
+                  <a:srgbClr val="D4D4D4"/>
+                </a:solidFill>
+                <a:effectLst/>
+                <a:latin typeface="Consolas" panose="020B0609020204030204" pitchFamily="49" charset="0"/>
+              </a:rPr>
+              <a:t>()</a:t>
+            </a:r>
+          </a:p>
+          <a:p>
+            <a:pPr marL="0" indent="0">
+              <a:buNone/>
+            </a:pPr>
+            <a:endParaRPr lang="en-US" b="0" dirty="0">
+              <a:solidFill>
+                <a:srgbClr val="D4D4D4"/>
+              </a:solidFill>
+              <a:effectLst/>
+              <a:latin typeface="Consolas" panose="020B0609020204030204" pitchFamily="49" charset="0"/>
+            </a:endParaRPr>
+          </a:p>
+        </p:txBody>
+      </p:sp>
+    </p:spTree>
+    <p:extLst>
+      <p:ext uri="{BB962C8B-B14F-4D97-AF65-F5344CB8AC3E}">
+        <p14:creationId xmlns:p14="http://schemas.microsoft.com/office/powerpoint/2010/main" val="891936620"/>
       </p:ext>
     </p:extLst>
   </p:cSld>
@@ -22422,8 +25085,8 @@
         </p:nvSpPr>
         <p:spPr>
           <a:xfrm>
-            <a:off x="881449" y="2442520"/>
-            <a:ext cx="10853351" cy="4055076"/>
+            <a:off x="613719" y="2442520"/>
+            <a:ext cx="11121081" cy="4055076"/>
           </a:xfrm>
         </p:spPr>
         <p:txBody>
@@ -22453,7 +25116,7 @@
             <a:pPr lvl="2"/>
             <a:r>
               <a:rPr lang="en-US" dirty="0"/>
-              <a:t>Output: Can select how the info is displayed. If displayed as text/number fields, they are displayed at fixed locations on the screen, will not scroll away but will keep changing as the information is updated. If desire to see history of the changing values, one can display the info as a time graph.</a:t>
+              <a:t>Output: Can select how the info is displayed. If displayed as text/number fields, they are displayed at fixed locations on the screen, will not scroll away but will keep changing as the information is updated. If desire to see history of the changing values, one can display the values as a time graph.</a:t>
             </a:r>
           </a:p>
           <a:p>
@@ -22477,6 +25140,2530 @@
     <p:extLst>
       <p:ext uri="{BB962C8B-B14F-4D97-AF65-F5344CB8AC3E}">
         <p14:creationId xmlns:p14="http://schemas.microsoft.com/office/powerpoint/2010/main" val="3762712876"/>
+      </p:ext>
+    </p:extLst>
+  </p:cSld>
+  <p:clrMapOvr>
+    <a:masterClrMapping/>
+  </p:clrMapOvr>
+</p:sld>
+</file>
+
+<file path=ppt/slides/slide30.xml><?xml version="1.0" encoding="utf-8"?>
+<p:sld xmlns:a="http://schemas.openxmlformats.org/drawingml/2006/main" xmlns:r="http://schemas.openxmlformats.org/officeDocument/2006/relationships" xmlns:p="http://schemas.openxmlformats.org/presentationml/2006/main">
+  <p:cSld>
+    <p:spTree>
+      <p:nvGrpSpPr>
+        <p:cNvPr id="1" name=""/>
+        <p:cNvGrpSpPr/>
+        <p:nvPr/>
+      </p:nvGrpSpPr>
+      <p:grpSpPr>
+        <a:xfrm>
+          <a:off x="0" y="0"/>
+          <a:ext cx="0" cy="0"/>
+          <a:chOff x="0" y="0"/>
+          <a:chExt cx="0" cy="0"/>
+        </a:xfrm>
+      </p:grpSpPr>
+      <p:sp>
+        <p:nvSpPr>
+          <p:cNvPr id="2" name="Title 1">
+            <a:extLst>
+              <a:ext uri="{FF2B5EF4-FFF2-40B4-BE49-F238E27FC236}">
+                <a16:creationId xmlns:a16="http://schemas.microsoft.com/office/drawing/2014/main" id="{1A5C3943-16AC-9995-BFE6-56BA7C52F892}"/>
+              </a:ext>
+            </a:extLst>
+          </p:cNvPr>
+          <p:cNvSpPr>
+            <a:spLocks noGrp="1"/>
+          </p:cNvSpPr>
+          <p:nvPr>
+            <p:ph type="title"/>
+          </p:nvPr>
+        </p:nvSpPr>
+        <p:spPr/>
+        <p:txBody>
+          <a:bodyPr/>
+          <a:lstStyle/>
+          <a:p>
+            <a:r>
+              <a:rPr lang="en-US" dirty="0"/>
+              <a:t>Exercise: Digital Sensor Trigger</a:t>
+            </a:r>
+          </a:p>
+        </p:txBody>
+      </p:sp>
+      <p:sp>
+        <p:nvSpPr>
+          <p:cNvPr id="3" name="Content Placeholder 2">
+            <a:extLst>
+              <a:ext uri="{FF2B5EF4-FFF2-40B4-BE49-F238E27FC236}">
+                <a16:creationId xmlns:a16="http://schemas.microsoft.com/office/drawing/2014/main" id="{4E7FD74C-3ACC-B766-467E-704648E51D7F}"/>
+              </a:ext>
+            </a:extLst>
+          </p:cNvPr>
+          <p:cNvSpPr>
+            <a:spLocks noGrp="1"/>
+          </p:cNvSpPr>
+          <p:nvPr>
+            <p:ph idx="1"/>
+          </p:nvPr>
+        </p:nvSpPr>
+        <p:spPr>
+          <a:xfrm>
+            <a:off x="523104" y="2273643"/>
+            <a:ext cx="11038702" cy="4485503"/>
+          </a:xfrm>
+        </p:spPr>
+        <p:txBody>
+          <a:bodyPr>
+            <a:normAutofit/>
+          </a:bodyPr>
+          <a:lstStyle/>
+          <a:p>
+            <a:r>
+              <a:rPr lang="en-US" dirty="0"/>
+              <a:t>In Robot.java, create a limit switch and a digital trigger.</a:t>
+            </a:r>
+          </a:p>
+          <a:p>
+            <a:pPr lvl="1"/>
+            <a:r>
+              <a:rPr lang="en-US" dirty="0"/>
+              <a:t>Create a class variable (</a:t>
+            </a:r>
+            <a:r>
+              <a:rPr lang="en-US" dirty="0" err="1"/>
+              <a:t>limitSwitch</a:t>
+            </a:r>
+            <a:r>
+              <a:rPr lang="en-US" dirty="0"/>
+              <a:t>) to hold the created digital input object (</a:t>
+            </a:r>
+            <a:r>
+              <a:rPr lang="en-US" dirty="0" err="1"/>
+              <a:t>FrcDigitalInput</a:t>
+            </a:r>
+            <a:r>
+              <a:rPr lang="en-US" dirty="0"/>
+              <a:t>).</a:t>
+            </a:r>
+          </a:p>
+          <a:p>
+            <a:pPr lvl="1"/>
+            <a:r>
+              <a:rPr lang="en-US" dirty="0"/>
+              <a:t>Create a class variable (</a:t>
+            </a:r>
+            <a:r>
+              <a:rPr lang="en-US" dirty="0" err="1"/>
+              <a:t>limitSwitchTrigger</a:t>
+            </a:r>
+            <a:r>
+              <a:rPr lang="en-US" dirty="0"/>
+              <a:t>) to hold the created digital trigger (</a:t>
+            </a:r>
+            <a:r>
+              <a:rPr lang="en-US" dirty="0" err="1"/>
+              <a:t>TrcDigitalInputTrigger</a:t>
+            </a:r>
+            <a:r>
+              <a:rPr lang="en-US" dirty="0"/>
+              <a:t>).</a:t>
+            </a:r>
+          </a:p>
+          <a:p>
+            <a:pPr lvl="1"/>
+            <a:r>
+              <a:rPr lang="en-US" dirty="0"/>
+              <a:t>In </a:t>
+            </a:r>
+            <a:r>
+              <a:rPr lang="en-US" dirty="0" err="1"/>
+              <a:t>robotInit</a:t>
+            </a:r>
+            <a:r>
+              <a:rPr lang="en-US" dirty="0"/>
+              <a:t> method, create the limit switch object specifying a name and the DIO channel it’s plugged into.</a:t>
+            </a:r>
+          </a:p>
+          <a:p>
+            <a:pPr lvl="1"/>
+            <a:r>
+              <a:rPr lang="en-US" dirty="0"/>
+              <a:t>In </a:t>
+            </a:r>
+            <a:r>
+              <a:rPr lang="en-US" dirty="0" err="1"/>
+              <a:t>robotInit</a:t>
+            </a:r>
+            <a:r>
+              <a:rPr lang="en-US" dirty="0"/>
+              <a:t> method, create the digital trigger specifying a name, the </a:t>
+            </a:r>
+            <a:r>
+              <a:rPr lang="en-US" dirty="0" err="1"/>
+              <a:t>limitSwitch</a:t>
+            </a:r>
+            <a:r>
+              <a:rPr lang="en-US" dirty="0"/>
+              <a:t> object as the sensor and the callback method to call when the trigger occurs.</a:t>
+            </a:r>
+          </a:p>
+          <a:p>
+            <a:pPr lvl="1"/>
+            <a:r>
+              <a:rPr lang="en-US" dirty="0"/>
+              <a:t>Create the trigger callback method:</a:t>
+            </a:r>
+            <a:br>
+              <a:rPr lang="en-US" dirty="0"/>
+            </a:br>
+            <a:r>
+              <a:rPr lang="en-US" dirty="0"/>
+              <a:t>private void </a:t>
+            </a:r>
+            <a:r>
+              <a:rPr lang="en-US" dirty="0" err="1"/>
+              <a:t>limitSwitchTriggerCallback</a:t>
+            </a:r>
+            <a:r>
+              <a:rPr lang="en-US" dirty="0"/>
+              <a:t>(Object context)</a:t>
+            </a:r>
+          </a:p>
+          <a:p>
+            <a:pPr lvl="1"/>
+            <a:r>
+              <a:rPr lang="en-US" dirty="0"/>
+              <a:t>In the callback method, print a message showing the state of the limit switch on the dashboard. Hint:</a:t>
+            </a:r>
+            <a:br>
+              <a:rPr lang="en-US" dirty="0"/>
+            </a:br>
+            <a:r>
+              <a:rPr lang="en-US" dirty="0">
+                <a:solidFill>
+                  <a:schemeClr val="accent5"/>
+                </a:solidFill>
+              </a:rPr>
+              <a:t>((</a:t>
+            </a:r>
+            <a:r>
+              <a:rPr lang="en-US" dirty="0" err="1">
+                <a:solidFill>
+                  <a:schemeClr val="accent5"/>
+                </a:solidFill>
+              </a:rPr>
+              <a:t>AtomicBoolean</a:t>
+            </a:r>
+            <a:r>
+              <a:rPr lang="en-US" dirty="0">
+                <a:solidFill>
+                  <a:schemeClr val="accent5"/>
+                </a:solidFill>
+              </a:rPr>
+              <a:t>) context).get() </a:t>
+            </a:r>
+            <a:r>
+              <a:rPr lang="en-US" dirty="0"/>
+              <a:t>returns the state of the limit switch</a:t>
+            </a:r>
+          </a:p>
+        </p:txBody>
+      </p:sp>
+    </p:spTree>
+    <p:extLst>
+      <p:ext uri="{BB962C8B-B14F-4D97-AF65-F5344CB8AC3E}">
+        <p14:creationId xmlns:p14="http://schemas.microsoft.com/office/powerpoint/2010/main" val="422267176"/>
+      </p:ext>
+    </p:extLst>
+  </p:cSld>
+  <p:clrMapOvr>
+    <a:masterClrMapping/>
+  </p:clrMapOvr>
+</p:sld>
+</file>
+
+<file path=ppt/slides/slide31.xml><?xml version="1.0" encoding="utf-8"?>
+<p:sld xmlns:a="http://schemas.openxmlformats.org/drawingml/2006/main" xmlns:r="http://schemas.openxmlformats.org/officeDocument/2006/relationships" xmlns:p="http://schemas.openxmlformats.org/presentationml/2006/main">
+  <p:cSld>
+    <p:spTree>
+      <p:nvGrpSpPr>
+        <p:cNvPr id="1" name=""/>
+        <p:cNvGrpSpPr/>
+        <p:nvPr/>
+      </p:nvGrpSpPr>
+      <p:grpSpPr>
+        <a:xfrm>
+          <a:off x="0" y="0"/>
+          <a:ext cx="0" cy="0"/>
+          <a:chOff x="0" y="0"/>
+          <a:chExt cx="0" cy="0"/>
+        </a:xfrm>
+      </p:grpSpPr>
+      <p:sp>
+        <p:nvSpPr>
+          <p:cNvPr id="2" name="Title 1">
+            <a:extLst>
+              <a:ext uri="{FF2B5EF4-FFF2-40B4-BE49-F238E27FC236}">
+                <a16:creationId xmlns:a16="http://schemas.microsoft.com/office/drawing/2014/main" id="{E84B7729-DF12-CA7C-610E-8FD172CE9307}"/>
+              </a:ext>
+            </a:extLst>
+          </p:cNvPr>
+          <p:cNvSpPr>
+            <a:spLocks noGrp="1"/>
+          </p:cNvSpPr>
+          <p:nvPr>
+            <p:ph type="title"/>
+          </p:nvPr>
+        </p:nvSpPr>
+        <p:spPr/>
+        <p:txBody>
+          <a:bodyPr/>
+          <a:lstStyle/>
+          <a:p>
+            <a:r>
+              <a:rPr lang="en-US" dirty="0"/>
+              <a:t>Analog Sensor Trigger</a:t>
+            </a:r>
+          </a:p>
+        </p:txBody>
+      </p:sp>
+      <p:sp>
+        <p:nvSpPr>
+          <p:cNvPr id="3" name="Content Placeholder 2">
+            <a:extLst>
+              <a:ext uri="{FF2B5EF4-FFF2-40B4-BE49-F238E27FC236}">
+                <a16:creationId xmlns:a16="http://schemas.microsoft.com/office/drawing/2014/main" id="{4D0DD588-A874-9778-4773-0EC80728EE14}"/>
+              </a:ext>
+            </a:extLst>
+          </p:cNvPr>
+          <p:cNvSpPr>
+            <a:spLocks noGrp="1"/>
+          </p:cNvSpPr>
+          <p:nvPr>
+            <p:ph idx="1"/>
+          </p:nvPr>
+        </p:nvSpPr>
+        <p:spPr>
+          <a:xfrm>
+            <a:off x="539577" y="2265405"/>
+            <a:ext cx="11055179" cy="4518453"/>
+          </a:xfrm>
+        </p:spPr>
+        <p:txBody>
+          <a:bodyPr>
+            <a:normAutofit fontScale="92500" lnSpcReduction="10000"/>
+          </a:bodyPr>
+          <a:lstStyle/>
+          <a:p>
+            <a:r>
+              <a:rPr lang="en-US" dirty="0"/>
+              <a:t>Analog trigger provides an asynchronous mechanism to detect sensor value crosses preset thresholds. It monitors the analog sensor and will do a callback when a threshold has been crossed.</a:t>
+            </a:r>
+          </a:p>
+          <a:p>
+            <a:r>
+              <a:rPr lang="en-US" dirty="0" err="1"/>
+              <a:t>TrcAnalogSensorTrigger</a:t>
+            </a:r>
+            <a:r>
+              <a:rPr lang="en-US" dirty="0"/>
+              <a:t> constructors:</a:t>
+            </a:r>
+            <a:br>
+              <a:rPr lang="en-US" dirty="0"/>
+            </a:br>
+            <a:r>
+              <a:rPr lang="en-US" b="0" dirty="0" err="1">
+                <a:solidFill>
+                  <a:srgbClr val="DCDCAA"/>
+                </a:solidFill>
+                <a:effectLst/>
+                <a:latin typeface="Consolas" panose="020B0609020204030204" pitchFamily="49" charset="0"/>
+              </a:rPr>
+              <a:t>TrcAnalogSensorTrigger</a:t>
+            </a:r>
+            <a:r>
+              <a:rPr lang="en-US" b="0" dirty="0">
+                <a:solidFill>
+                  <a:srgbClr val="D4D4D4"/>
+                </a:solidFill>
+                <a:effectLst/>
+                <a:latin typeface="Consolas" panose="020B0609020204030204" pitchFamily="49" charset="0"/>
+              </a:rPr>
+              <a:t>(</a:t>
+            </a:r>
+            <a:r>
+              <a:rPr lang="en-US" b="0" dirty="0">
+                <a:solidFill>
+                  <a:srgbClr val="4EC9B0"/>
+                </a:solidFill>
+                <a:effectLst/>
+                <a:latin typeface="Consolas" panose="020B0609020204030204" pitchFamily="49" charset="0"/>
+              </a:rPr>
+              <a:t>String</a:t>
+            </a:r>
+            <a:r>
+              <a:rPr lang="en-US" b="0" dirty="0">
+                <a:solidFill>
+                  <a:srgbClr val="D4D4D4"/>
+                </a:solidFill>
+                <a:effectLst/>
+                <a:latin typeface="Consolas" panose="020B0609020204030204" pitchFamily="49" charset="0"/>
+              </a:rPr>
+              <a:t> </a:t>
+            </a:r>
+            <a:r>
+              <a:rPr lang="en-US" b="0" dirty="0" err="1">
+                <a:solidFill>
+                  <a:srgbClr val="9CDCFE"/>
+                </a:solidFill>
+                <a:effectLst/>
+                <a:latin typeface="Consolas" panose="020B0609020204030204" pitchFamily="49" charset="0"/>
+              </a:rPr>
+              <a:t>instanceName</a:t>
+            </a:r>
+            <a:r>
+              <a:rPr lang="en-US" b="0" dirty="0">
+                <a:solidFill>
+                  <a:srgbClr val="D4D4D4"/>
+                </a:solidFill>
+                <a:effectLst/>
+                <a:latin typeface="Consolas" panose="020B0609020204030204" pitchFamily="49" charset="0"/>
+              </a:rPr>
+              <a:t>, </a:t>
+            </a:r>
+            <a:r>
+              <a:rPr lang="en-US" b="0" dirty="0" err="1">
+                <a:solidFill>
+                  <a:srgbClr val="4EC9B0"/>
+                </a:solidFill>
+                <a:effectLst/>
+                <a:latin typeface="Consolas" panose="020B0609020204030204" pitchFamily="49" charset="0"/>
+              </a:rPr>
+              <a:t>TrcSensor</a:t>
+            </a:r>
+            <a:r>
+              <a:rPr lang="en-US" b="0" dirty="0">
+                <a:solidFill>
+                  <a:srgbClr val="D4D4D4"/>
+                </a:solidFill>
+                <a:effectLst/>
+                <a:latin typeface="Consolas" panose="020B0609020204030204" pitchFamily="49" charset="0"/>
+              </a:rPr>
+              <a:t>&lt;</a:t>
+            </a:r>
+            <a:r>
+              <a:rPr lang="en-US" b="0" dirty="0">
+                <a:solidFill>
+                  <a:srgbClr val="4EC9B0"/>
+                </a:solidFill>
+                <a:effectLst/>
+                <a:latin typeface="Consolas" panose="020B0609020204030204" pitchFamily="49" charset="0"/>
+              </a:rPr>
+              <a:t>D</a:t>
+            </a:r>
+            <a:r>
+              <a:rPr lang="en-US" b="0" dirty="0">
+                <a:solidFill>
+                  <a:srgbClr val="D4D4D4"/>
+                </a:solidFill>
+                <a:effectLst/>
+                <a:latin typeface="Consolas" panose="020B0609020204030204" pitchFamily="49" charset="0"/>
+              </a:rPr>
+              <a:t>&gt; </a:t>
+            </a:r>
+            <a:r>
+              <a:rPr lang="en-US" b="0" dirty="0">
+                <a:solidFill>
+                  <a:srgbClr val="9CDCFE"/>
+                </a:solidFill>
+                <a:effectLst/>
+                <a:latin typeface="Consolas" panose="020B0609020204030204" pitchFamily="49" charset="0"/>
+              </a:rPr>
+              <a:t>sensor</a:t>
+            </a:r>
+            <a:r>
+              <a:rPr lang="en-US" b="0" dirty="0">
+                <a:solidFill>
+                  <a:srgbClr val="D4D4D4"/>
+                </a:solidFill>
+                <a:effectLst/>
+                <a:latin typeface="Consolas" panose="020B0609020204030204" pitchFamily="49" charset="0"/>
+              </a:rPr>
+              <a:t>, </a:t>
+            </a:r>
+            <a:r>
+              <a:rPr lang="en-US" b="0" dirty="0">
+                <a:solidFill>
+                  <a:srgbClr val="4EC9B0"/>
+                </a:solidFill>
+                <a:effectLst/>
+                <a:latin typeface="Consolas" panose="020B0609020204030204" pitchFamily="49" charset="0"/>
+              </a:rPr>
+              <a:t>int</a:t>
+            </a:r>
+            <a:r>
+              <a:rPr lang="en-US" b="0" dirty="0">
+                <a:solidFill>
+                  <a:srgbClr val="D4D4D4"/>
+                </a:solidFill>
+                <a:effectLst/>
+                <a:latin typeface="Consolas" panose="020B0609020204030204" pitchFamily="49" charset="0"/>
+              </a:rPr>
+              <a:t> </a:t>
+            </a:r>
+            <a:r>
+              <a:rPr lang="en-US" b="0" dirty="0">
+                <a:solidFill>
+                  <a:srgbClr val="9CDCFE"/>
+                </a:solidFill>
+                <a:effectLst/>
+                <a:latin typeface="Consolas" panose="020B0609020204030204" pitchFamily="49" charset="0"/>
+              </a:rPr>
+              <a:t>index</a:t>
+            </a:r>
+            <a:r>
+              <a:rPr lang="en-US" b="0" dirty="0">
+                <a:solidFill>
+                  <a:srgbClr val="D4D4D4"/>
+                </a:solidFill>
+                <a:effectLst/>
+                <a:latin typeface="Consolas" panose="020B0609020204030204" pitchFamily="49" charset="0"/>
+              </a:rPr>
+              <a:t>, </a:t>
+            </a:r>
+            <a:r>
+              <a:rPr lang="en-US" b="0" dirty="0">
+                <a:solidFill>
+                  <a:srgbClr val="4EC9B0"/>
+                </a:solidFill>
+                <a:effectLst/>
+                <a:latin typeface="Consolas" panose="020B0609020204030204" pitchFamily="49" charset="0"/>
+              </a:rPr>
+              <a:t>D</a:t>
+            </a:r>
+            <a:r>
+              <a:rPr lang="en-US" b="0" dirty="0">
+                <a:solidFill>
+                  <a:srgbClr val="D4D4D4"/>
+                </a:solidFill>
+                <a:effectLst/>
+                <a:latin typeface="Consolas" panose="020B0609020204030204" pitchFamily="49" charset="0"/>
+              </a:rPr>
+              <a:t> </a:t>
+            </a:r>
+            <a:r>
+              <a:rPr lang="en-US" b="0" dirty="0" err="1">
+                <a:solidFill>
+                  <a:srgbClr val="9CDCFE"/>
+                </a:solidFill>
+                <a:effectLst/>
+                <a:latin typeface="Consolas" panose="020B0609020204030204" pitchFamily="49" charset="0"/>
+              </a:rPr>
+              <a:t>dataType</a:t>
+            </a:r>
+            <a:r>
+              <a:rPr lang="en-US" b="0" dirty="0">
+                <a:solidFill>
+                  <a:srgbClr val="D4D4D4"/>
+                </a:solidFill>
+                <a:effectLst/>
+                <a:latin typeface="Consolas" panose="020B0609020204030204" pitchFamily="49" charset="0"/>
+              </a:rPr>
+              <a:t>, </a:t>
+            </a:r>
+            <a:r>
+              <a:rPr lang="en-US" b="0" dirty="0">
+                <a:solidFill>
+                  <a:srgbClr val="4EC9B0"/>
+                </a:solidFill>
+                <a:effectLst/>
+                <a:latin typeface="Consolas" panose="020B0609020204030204" pitchFamily="49" charset="0"/>
+              </a:rPr>
+              <a:t>double</a:t>
+            </a:r>
+            <a:r>
+              <a:rPr lang="en-US" b="0" dirty="0">
+                <a:solidFill>
+                  <a:srgbClr val="D4D4D4"/>
+                </a:solidFill>
+                <a:effectLst/>
+                <a:latin typeface="Consolas" panose="020B0609020204030204" pitchFamily="49" charset="0"/>
+              </a:rPr>
+              <a:t>[] </a:t>
+            </a:r>
+            <a:r>
+              <a:rPr lang="en-US" b="0" dirty="0" err="1">
+                <a:solidFill>
+                  <a:srgbClr val="9CDCFE"/>
+                </a:solidFill>
+                <a:effectLst/>
+                <a:latin typeface="Consolas" panose="020B0609020204030204" pitchFamily="49" charset="0"/>
+              </a:rPr>
+              <a:t>dataPoints</a:t>
+            </a:r>
+            <a:r>
+              <a:rPr lang="en-US" b="0" dirty="0">
+                <a:solidFill>
+                  <a:srgbClr val="D4D4D4"/>
+                </a:solidFill>
+                <a:effectLst/>
+                <a:latin typeface="Consolas" panose="020B0609020204030204" pitchFamily="49" charset="0"/>
+              </a:rPr>
+              <a:t>, </a:t>
+            </a:r>
+            <a:r>
+              <a:rPr lang="en-US" b="0" dirty="0" err="1">
+                <a:solidFill>
+                  <a:srgbClr val="4EC9B0"/>
+                </a:solidFill>
+                <a:effectLst/>
+                <a:latin typeface="Consolas" panose="020B0609020204030204" pitchFamily="49" charset="0"/>
+              </a:rPr>
+              <a:t>boolean</a:t>
+            </a:r>
+            <a:r>
+              <a:rPr lang="en-US" b="0" dirty="0">
+                <a:solidFill>
+                  <a:srgbClr val="D4D4D4"/>
+                </a:solidFill>
+                <a:effectLst/>
+                <a:latin typeface="Consolas" panose="020B0609020204030204" pitchFamily="49" charset="0"/>
+              </a:rPr>
+              <a:t> </a:t>
+            </a:r>
+            <a:r>
+              <a:rPr lang="en-US" b="0" dirty="0" err="1">
+                <a:solidFill>
+                  <a:srgbClr val="9CDCFE"/>
+                </a:solidFill>
+                <a:effectLst/>
+                <a:latin typeface="Consolas" panose="020B0609020204030204" pitchFamily="49" charset="0"/>
+              </a:rPr>
+              <a:t>dataIsTrigger</a:t>
+            </a:r>
+            <a:r>
+              <a:rPr lang="en-US" b="0" dirty="0">
+                <a:solidFill>
+                  <a:srgbClr val="D4D4D4"/>
+                </a:solidFill>
+                <a:effectLst/>
+                <a:latin typeface="Consolas" panose="020B0609020204030204" pitchFamily="49" charset="0"/>
+              </a:rPr>
+              <a:t>, </a:t>
+            </a:r>
+            <a:r>
+              <a:rPr lang="en-US" b="0" dirty="0" err="1">
+                <a:solidFill>
+                  <a:srgbClr val="4EC9B0"/>
+                </a:solidFill>
+                <a:effectLst/>
+                <a:latin typeface="Consolas" panose="020B0609020204030204" pitchFamily="49" charset="0"/>
+              </a:rPr>
+              <a:t>TrcEvent</a:t>
+            </a:r>
+            <a:r>
+              <a:rPr lang="en-US" b="0" dirty="0" err="1">
+                <a:solidFill>
+                  <a:srgbClr val="D4D4D4"/>
+                </a:solidFill>
+                <a:effectLst/>
+                <a:latin typeface="Consolas" panose="020B0609020204030204" pitchFamily="49" charset="0"/>
+              </a:rPr>
+              <a:t>.</a:t>
+            </a:r>
+            <a:r>
+              <a:rPr lang="en-US" b="0" dirty="0" err="1">
+                <a:solidFill>
+                  <a:srgbClr val="4EC9B0"/>
+                </a:solidFill>
+                <a:effectLst/>
+                <a:latin typeface="Consolas" panose="020B0609020204030204" pitchFamily="49" charset="0"/>
+              </a:rPr>
+              <a:t>Callback</a:t>
+            </a:r>
+            <a:r>
+              <a:rPr lang="en-US" dirty="0">
+                <a:solidFill>
+                  <a:srgbClr val="D4D4D4"/>
+                </a:solidFill>
+                <a:latin typeface="Consolas" panose="020B0609020204030204" pitchFamily="49" charset="0"/>
+              </a:rPr>
+              <a:t> </a:t>
+            </a:r>
+            <a:r>
+              <a:rPr lang="en-US" b="0" dirty="0" err="1">
+                <a:solidFill>
+                  <a:srgbClr val="9CDCFE"/>
+                </a:solidFill>
+                <a:effectLst/>
+                <a:latin typeface="Consolas" panose="020B0609020204030204" pitchFamily="49" charset="0"/>
+              </a:rPr>
+              <a:t>triggerCallback</a:t>
+            </a:r>
+            <a:r>
+              <a:rPr lang="en-US" b="0" dirty="0">
+                <a:solidFill>
+                  <a:srgbClr val="D4D4D4"/>
+                </a:solidFill>
+                <a:effectLst/>
+                <a:latin typeface="Consolas" panose="020B0609020204030204" pitchFamily="49" charset="0"/>
+              </a:rPr>
+              <a:t>)</a:t>
+            </a:r>
+          </a:p>
+          <a:p>
+            <a:r>
+              <a:rPr lang="en-US" dirty="0" err="1"/>
+              <a:t>TrcAnalogSensorTrigger</a:t>
+            </a:r>
+            <a:r>
+              <a:rPr lang="en-US" dirty="0"/>
+              <a:t> useful methods:</a:t>
+            </a:r>
+            <a:br>
+              <a:rPr lang="en-US" dirty="0"/>
+            </a:br>
+            <a:r>
+              <a:rPr lang="en-US" b="0" dirty="0">
+                <a:solidFill>
+                  <a:srgbClr val="4EC9B0"/>
+                </a:solidFill>
+                <a:effectLst/>
+                <a:latin typeface="Consolas" panose="020B0609020204030204" pitchFamily="49" charset="0"/>
+              </a:rPr>
+              <a:t>void</a:t>
+            </a:r>
+            <a:r>
+              <a:rPr lang="en-US" b="0" dirty="0">
+                <a:solidFill>
+                  <a:srgbClr val="D4D4D4"/>
+                </a:solidFill>
+                <a:effectLst/>
+                <a:latin typeface="Consolas" panose="020B0609020204030204" pitchFamily="49" charset="0"/>
+              </a:rPr>
+              <a:t> </a:t>
+            </a:r>
+            <a:r>
+              <a:rPr lang="en-US" b="0" dirty="0" err="1">
+                <a:solidFill>
+                  <a:srgbClr val="DCDCAA"/>
+                </a:solidFill>
+                <a:effectLst/>
+                <a:latin typeface="Consolas" panose="020B0609020204030204" pitchFamily="49" charset="0"/>
+              </a:rPr>
+              <a:t>setEnabled</a:t>
+            </a:r>
+            <a:r>
+              <a:rPr lang="en-US" b="0" dirty="0">
+                <a:solidFill>
+                  <a:srgbClr val="D4D4D4"/>
+                </a:solidFill>
+                <a:effectLst/>
+                <a:latin typeface="Consolas" panose="020B0609020204030204" pitchFamily="49" charset="0"/>
+              </a:rPr>
+              <a:t>(</a:t>
+            </a:r>
+            <a:r>
+              <a:rPr lang="en-US" b="0" dirty="0" err="1">
+                <a:solidFill>
+                  <a:srgbClr val="4EC9B0"/>
+                </a:solidFill>
+                <a:effectLst/>
+                <a:latin typeface="Consolas" panose="020B0609020204030204" pitchFamily="49" charset="0"/>
+              </a:rPr>
+              <a:t>boolean</a:t>
+            </a:r>
+            <a:r>
+              <a:rPr lang="en-US" b="0" dirty="0">
+                <a:solidFill>
+                  <a:srgbClr val="D4D4D4"/>
+                </a:solidFill>
+                <a:effectLst/>
+                <a:latin typeface="Consolas" panose="020B0609020204030204" pitchFamily="49" charset="0"/>
+              </a:rPr>
+              <a:t> </a:t>
+            </a:r>
+            <a:r>
+              <a:rPr lang="en-US" b="0" dirty="0">
+                <a:solidFill>
+                  <a:srgbClr val="9CDCFE"/>
+                </a:solidFill>
+                <a:effectLst/>
+                <a:latin typeface="Consolas" panose="020B0609020204030204" pitchFamily="49" charset="0"/>
+              </a:rPr>
+              <a:t>enabled</a:t>
+            </a:r>
+            <a:r>
+              <a:rPr lang="en-US" b="0" dirty="0">
+                <a:solidFill>
+                  <a:srgbClr val="D4D4D4"/>
+                </a:solidFill>
+                <a:effectLst/>
+                <a:latin typeface="Consolas" panose="020B0609020204030204" pitchFamily="49" charset="0"/>
+              </a:rPr>
+              <a:t>)</a:t>
+            </a:r>
+            <a:br>
+              <a:rPr lang="en-US" b="0" dirty="0">
+                <a:solidFill>
+                  <a:srgbClr val="D4D4D4"/>
+                </a:solidFill>
+                <a:effectLst/>
+                <a:latin typeface="Consolas" panose="020B0609020204030204" pitchFamily="49" charset="0"/>
+              </a:rPr>
+            </a:br>
+            <a:r>
+              <a:rPr lang="en-US" b="0" dirty="0" err="1">
+                <a:solidFill>
+                  <a:srgbClr val="4EC9B0"/>
+                </a:solidFill>
+                <a:effectLst/>
+                <a:latin typeface="Consolas" panose="020B0609020204030204" pitchFamily="49" charset="0"/>
+              </a:rPr>
+              <a:t>boolean</a:t>
+            </a:r>
+            <a:r>
+              <a:rPr lang="en-US" b="0" dirty="0">
+                <a:solidFill>
+                  <a:srgbClr val="D4D4D4"/>
+                </a:solidFill>
+                <a:effectLst/>
+                <a:latin typeface="Consolas" panose="020B0609020204030204" pitchFamily="49" charset="0"/>
+              </a:rPr>
+              <a:t> </a:t>
+            </a:r>
+            <a:r>
+              <a:rPr lang="en-US" b="0" dirty="0" err="1">
+                <a:solidFill>
+                  <a:srgbClr val="DCDCAA"/>
+                </a:solidFill>
+                <a:effectLst/>
+                <a:latin typeface="Consolas" panose="020B0609020204030204" pitchFamily="49" charset="0"/>
+              </a:rPr>
+              <a:t>isEnabled</a:t>
+            </a:r>
+            <a:r>
+              <a:rPr lang="en-US" b="0" dirty="0">
+                <a:solidFill>
+                  <a:srgbClr val="D4D4D4"/>
+                </a:solidFill>
+                <a:effectLst/>
+                <a:latin typeface="Consolas" panose="020B0609020204030204" pitchFamily="49" charset="0"/>
+              </a:rPr>
+              <a:t>()</a:t>
+            </a:r>
+            <a:br>
+              <a:rPr lang="en-US" b="0" dirty="0">
+                <a:solidFill>
+                  <a:srgbClr val="D4D4D4"/>
+                </a:solidFill>
+                <a:effectLst/>
+                <a:latin typeface="Consolas" panose="020B0609020204030204" pitchFamily="49" charset="0"/>
+              </a:rPr>
+            </a:br>
+            <a:r>
+              <a:rPr lang="en-US" b="0" dirty="0">
+                <a:solidFill>
+                  <a:srgbClr val="4EC9B0"/>
+                </a:solidFill>
+                <a:effectLst/>
+                <a:latin typeface="Consolas" panose="020B0609020204030204" pitchFamily="49" charset="0"/>
+              </a:rPr>
+              <a:t>double</a:t>
+            </a:r>
+            <a:r>
+              <a:rPr lang="en-US" b="0" dirty="0">
+                <a:solidFill>
+                  <a:srgbClr val="D4D4D4"/>
+                </a:solidFill>
+                <a:effectLst/>
+                <a:latin typeface="Consolas" panose="020B0609020204030204" pitchFamily="49" charset="0"/>
+              </a:rPr>
+              <a:t> </a:t>
+            </a:r>
+            <a:r>
+              <a:rPr lang="en-US" b="0" dirty="0" err="1">
+                <a:solidFill>
+                  <a:srgbClr val="DCDCAA"/>
+                </a:solidFill>
+                <a:effectLst/>
+                <a:latin typeface="Consolas" panose="020B0609020204030204" pitchFamily="49" charset="0"/>
+              </a:rPr>
+              <a:t>getSensorValue</a:t>
+            </a:r>
+            <a:r>
+              <a:rPr lang="en-US" b="0" dirty="0">
+                <a:solidFill>
+                  <a:srgbClr val="D4D4D4"/>
+                </a:solidFill>
+                <a:effectLst/>
+                <a:latin typeface="Consolas" panose="020B0609020204030204" pitchFamily="49" charset="0"/>
+              </a:rPr>
+              <a:t>()</a:t>
+            </a:r>
+          </a:p>
+          <a:p>
+            <a:r>
+              <a:rPr lang="en-US" dirty="0"/>
+              <a:t>Analog Trigger callback method:</a:t>
+            </a:r>
+            <a:br>
+              <a:rPr lang="en-US" dirty="0"/>
+            </a:br>
+            <a:r>
+              <a:rPr lang="en-US" b="0" dirty="0">
+                <a:solidFill>
+                  <a:srgbClr val="4EC9B0"/>
+                </a:solidFill>
+                <a:effectLst/>
+                <a:latin typeface="Consolas" panose="020B0609020204030204" pitchFamily="49" charset="0"/>
+              </a:rPr>
+              <a:t>void</a:t>
+            </a:r>
+            <a:r>
+              <a:rPr lang="en-US" b="0" dirty="0">
+                <a:solidFill>
+                  <a:srgbClr val="D4D4D4"/>
+                </a:solidFill>
+                <a:effectLst/>
+                <a:latin typeface="Consolas" panose="020B0609020204030204" pitchFamily="49" charset="0"/>
+              </a:rPr>
+              <a:t> </a:t>
+            </a:r>
+            <a:r>
+              <a:rPr lang="en-US" b="0" dirty="0" err="1">
+                <a:solidFill>
+                  <a:srgbClr val="DCDCAA"/>
+                </a:solidFill>
+                <a:effectLst/>
+                <a:latin typeface="Consolas" panose="020B0609020204030204" pitchFamily="49" charset="0"/>
+              </a:rPr>
+              <a:t>analogTriggerCallback</a:t>
+            </a:r>
+            <a:r>
+              <a:rPr lang="en-US" b="0" dirty="0">
+                <a:solidFill>
+                  <a:srgbClr val="D4D4D4"/>
+                </a:solidFill>
+                <a:effectLst/>
+                <a:latin typeface="Consolas" panose="020B0609020204030204" pitchFamily="49" charset="0"/>
+              </a:rPr>
+              <a:t>(</a:t>
+            </a:r>
+            <a:r>
+              <a:rPr lang="en-US" b="0" dirty="0">
+                <a:solidFill>
+                  <a:srgbClr val="4EC9B0"/>
+                </a:solidFill>
+                <a:effectLst/>
+                <a:latin typeface="Consolas" panose="020B0609020204030204" pitchFamily="49" charset="0"/>
+              </a:rPr>
+              <a:t>Object</a:t>
+            </a:r>
+            <a:r>
+              <a:rPr lang="en-US" b="0" dirty="0">
+                <a:solidFill>
+                  <a:srgbClr val="D4D4D4"/>
+                </a:solidFill>
+                <a:effectLst/>
+                <a:latin typeface="Consolas" panose="020B0609020204030204" pitchFamily="49" charset="0"/>
+              </a:rPr>
+              <a:t> </a:t>
+            </a:r>
+            <a:r>
+              <a:rPr lang="en-US" b="0" dirty="0">
+                <a:solidFill>
+                  <a:srgbClr val="9CDCFE"/>
+                </a:solidFill>
+                <a:effectLst/>
+                <a:latin typeface="Consolas" panose="020B0609020204030204" pitchFamily="49" charset="0"/>
+              </a:rPr>
+              <a:t>context</a:t>
+            </a:r>
+            <a:r>
+              <a:rPr lang="en-US" b="0" dirty="0">
+                <a:solidFill>
+                  <a:srgbClr val="D4D4D4"/>
+                </a:solidFill>
+                <a:effectLst/>
+                <a:latin typeface="Consolas" panose="020B0609020204030204" pitchFamily="49" charset="0"/>
+              </a:rPr>
+              <a:t>)</a:t>
+            </a:r>
+          </a:p>
+          <a:p>
+            <a:r>
+              <a:rPr lang="en-US" dirty="0"/>
+              <a:t>Analog Trigger callback context is a </a:t>
+            </a:r>
+            <a:r>
+              <a:rPr lang="en-US" dirty="0" err="1"/>
+              <a:t>TrcAnalogSensorTrigger.CallbackContext</a:t>
+            </a:r>
+            <a:r>
+              <a:rPr lang="en-US" dirty="0"/>
+              <a:t> object. It gives you the state of the analog trigger at the time of the trigger:</a:t>
+            </a:r>
+            <a:br>
+              <a:rPr lang="en-US" dirty="0"/>
+            </a:br>
+            <a:r>
+              <a:rPr lang="en-US" b="0" dirty="0">
+                <a:solidFill>
+                  <a:srgbClr val="D4D4D4"/>
+                </a:solidFill>
+                <a:effectLst/>
+                <a:latin typeface="Consolas" panose="020B0609020204030204" pitchFamily="49" charset="0"/>
+              </a:rPr>
+              <a:t>((</a:t>
+            </a:r>
+            <a:r>
+              <a:rPr lang="en-US" b="0" dirty="0" err="1">
+                <a:solidFill>
+                  <a:srgbClr val="4EC9B0"/>
+                </a:solidFill>
+                <a:effectLst/>
+                <a:latin typeface="Consolas" panose="020B0609020204030204" pitchFamily="49" charset="0"/>
+              </a:rPr>
+              <a:t>TrcAnalogSensorTrigger.CallbackContext</a:t>
+            </a:r>
+            <a:r>
+              <a:rPr lang="en-US" b="0" dirty="0">
+                <a:solidFill>
+                  <a:srgbClr val="D4D4D4"/>
+                </a:solidFill>
+                <a:effectLst/>
+                <a:latin typeface="Consolas" panose="020B0609020204030204" pitchFamily="49" charset="0"/>
+              </a:rPr>
+              <a:t>) </a:t>
+            </a:r>
+            <a:r>
+              <a:rPr lang="en-US" b="0" dirty="0">
+                <a:solidFill>
+                  <a:srgbClr val="9CDCFE"/>
+                </a:solidFill>
+                <a:effectLst/>
+                <a:latin typeface="Consolas" panose="020B0609020204030204" pitchFamily="49" charset="0"/>
+              </a:rPr>
+              <a:t>context</a:t>
+            </a:r>
+            <a:r>
+              <a:rPr lang="en-US" b="0" dirty="0">
+                <a:solidFill>
+                  <a:srgbClr val="D4D4D4"/>
+                </a:solidFill>
+                <a:effectLst/>
+                <a:latin typeface="Consolas" panose="020B0609020204030204" pitchFamily="49" charset="0"/>
+              </a:rPr>
+              <a:t>).</a:t>
+            </a:r>
+            <a:r>
+              <a:rPr lang="en-US" b="0" dirty="0" err="1">
+                <a:solidFill>
+                  <a:srgbClr val="D4D4D4"/>
+                </a:solidFill>
+                <a:effectLst/>
+                <a:latin typeface="Consolas" panose="020B0609020204030204" pitchFamily="49" charset="0"/>
+              </a:rPr>
+              <a:t>sensorValue</a:t>
+            </a:r>
+            <a:br>
+              <a:rPr lang="en-US" b="0" dirty="0">
+                <a:solidFill>
+                  <a:srgbClr val="D4D4D4"/>
+                </a:solidFill>
+                <a:effectLst/>
+                <a:latin typeface="Consolas" panose="020B0609020204030204" pitchFamily="49" charset="0"/>
+              </a:rPr>
+            </a:br>
+            <a:r>
+              <a:rPr lang="en-US" b="0" dirty="0">
+                <a:solidFill>
+                  <a:srgbClr val="D4D4D4"/>
+                </a:solidFill>
+                <a:effectLst/>
+                <a:latin typeface="Consolas" panose="020B0609020204030204" pitchFamily="49" charset="0"/>
+              </a:rPr>
+              <a:t>((</a:t>
+            </a:r>
+            <a:r>
+              <a:rPr lang="en-US" b="0" dirty="0" err="1">
+                <a:solidFill>
+                  <a:srgbClr val="4EC9B0"/>
+                </a:solidFill>
+                <a:effectLst/>
+                <a:latin typeface="Consolas" panose="020B0609020204030204" pitchFamily="49" charset="0"/>
+              </a:rPr>
+              <a:t>TrcAnalogSensorTrigger.CallbackContext</a:t>
+            </a:r>
+            <a:r>
+              <a:rPr lang="en-US" b="0" dirty="0">
+                <a:solidFill>
+                  <a:srgbClr val="D4D4D4"/>
+                </a:solidFill>
+                <a:effectLst/>
+                <a:latin typeface="Consolas" panose="020B0609020204030204" pitchFamily="49" charset="0"/>
+              </a:rPr>
+              <a:t>) </a:t>
+            </a:r>
+            <a:r>
+              <a:rPr lang="en-US" b="0" dirty="0">
+                <a:solidFill>
+                  <a:srgbClr val="9CDCFE"/>
+                </a:solidFill>
+                <a:effectLst/>
+                <a:latin typeface="Consolas" panose="020B0609020204030204" pitchFamily="49" charset="0"/>
+              </a:rPr>
+              <a:t>context</a:t>
+            </a:r>
+            <a:r>
+              <a:rPr lang="en-US" b="0" dirty="0">
+                <a:solidFill>
+                  <a:srgbClr val="D4D4D4"/>
+                </a:solidFill>
+                <a:effectLst/>
+                <a:latin typeface="Consolas" panose="020B0609020204030204" pitchFamily="49" charset="0"/>
+              </a:rPr>
+              <a:t>).</a:t>
+            </a:r>
+            <a:r>
+              <a:rPr lang="en-US" b="0" dirty="0" err="1">
+                <a:solidFill>
+                  <a:srgbClr val="D4D4D4"/>
+                </a:solidFill>
+                <a:effectLst/>
+                <a:latin typeface="Consolas" panose="020B0609020204030204" pitchFamily="49" charset="0"/>
+              </a:rPr>
+              <a:t>prevZone</a:t>
+            </a:r>
+            <a:br>
+              <a:rPr lang="en-US" b="0" dirty="0">
+                <a:solidFill>
+                  <a:srgbClr val="D4D4D4"/>
+                </a:solidFill>
+                <a:effectLst/>
+                <a:latin typeface="Consolas" panose="020B0609020204030204" pitchFamily="49" charset="0"/>
+              </a:rPr>
+            </a:br>
+            <a:r>
+              <a:rPr lang="en-US" b="0" dirty="0">
+                <a:solidFill>
+                  <a:srgbClr val="D4D4D4"/>
+                </a:solidFill>
+                <a:effectLst/>
+                <a:latin typeface="Consolas" panose="020B0609020204030204" pitchFamily="49" charset="0"/>
+              </a:rPr>
+              <a:t>((</a:t>
+            </a:r>
+            <a:r>
+              <a:rPr lang="en-US" b="0" dirty="0" err="1">
+                <a:solidFill>
+                  <a:srgbClr val="4EC9B0"/>
+                </a:solidFill>
+                <a:effectLst/>
+                <a:latin typeface="Consolas" panose="020B0609020204030204" pitchFamily="49" charset="0"/>
+              </a:rPr>
+              <a:t>TrcAnalogSensorTrigger.CallbackContext</a:t>
+            </a:r>
+            <a:r>
+              <a:rPr lang="en-US" b="0" dirty="0">
+                <a:solidFill>
+                  <a:srgbClr val="D4D4D4"/>
+                </a:solidFill>
+                <a:effectLst/>
+                <a:latin typeface="Consolas" panose="020B0609020204030204" pitchFamily="49" charset="0"/>
+              </a:rPr>
+              <a:t>) </a:t>
+            </a:r>
+            <a:r>
+              <a:rPr lang="en-US" b="0" dirty="0">
+                <a:solidFill>
+                  <a:srgbClr val="9CDCFE"/>
+                </a:solidFill>
+                <a:effectLst/>
+                <a:latin typeface="Consolas" panose="020B0609020204030204" pitchFamily="49" charset="0"/>
+              </a:rPr>
+              <a:t>context</a:t>
+            </a:r>
+            <a:r>
+              <a:rPr lang="en-US" b="0" dirty="0">
+                <a:solidFill>
+                  <a:srgbClr val="D4D4D4"/>
+                </a:solidFill>
+                <a:effectLst/>
+                <a:latin typeface="Consolas" panose="020B0609020204030204" pitchFamily="49" charset="0"/>
+              </a:rPr>
+              <a:t>).</a:t>
+            </a:r>
+            <a:r>
+              <a:rPr lang="en-US" b="0" dirty="0" err="1">
+                <a:solidFill>
+                  <a:srgbClr val="D4D4D4"/>
+                </a:solidFill>
+                <a:effectLst/>
+                <a:latin typeface="Consolas" panose="020B0609020204030204" pitchFamily="49" charset="0"/>
+              </a:rPr>
+              <a:t>currZone</a:t>
+            </a:r>
+            <a:endParaRPr lang="en-US" b="0" dirty="0">
+              <a:solidFill>
+                <a:srgbClr val="D4D4D4"/>
+              </a:solidFill>
+              <a:effectLst/>
+              <a:latin typeface="Consolas" panose="020B0609020204030204" pitchFamily="49" charset="0"/>
+            </a:endParaRPr>
+          </a:p>
+        </p:txBody>
+      </p:sp>
+      <p:pic>
+        <p:nvPicPr>
+          <p:cNvPr id="7" name="Picture 6">
+            <a:extLst>
+              <a:ext uri="{FF2B5EF4-FFF2-40B4-BE49-F238E27FC236}">
+                <a16:creationId xmlns:a16="http://schemas.microsoft.com/office/drawing/2014/main" id="{F04A0827-6510-1612-B3CD-63A073429180}"/>
+              </a:ext>
+            </a:extLst>
+          </p:cNvPr>
+          <p:cNvPicPr>
+            <a:picLocks noChangeAspect="1"/>
+          </p:cNvPicPr>
+          <p:nvPr/>
+        </p:nvPicPr>
+        <p:blipFill>
+          <a:blip r:embed="rId2"/>
+          <a:stretch>
+            <a:fillRect/>
+          </a:stretch>
+        </p:blipFill>
+        <p:spPr>
+          <a:xfrm>
+            <a:off x="5778715" y="3607563"/>
+            <a:ext cx="6133199" cy="1488145"/>
+          </a:xfrm>
+          <a:prstGeom prst="rect">
+            <a:avLst/>
+          </a:prstGeom>
+        </p:spPr>
+      </p:pic>
+    </p:spTree>
+    <p:extLst>
+      <p:ext uri="{BB962C8B-B14F-4D97-AF65-F5344CB8AC3E}">
+        <p14:creationId xmlns:p14="http://schemas.microsoft.com/office/powerpoint/2010/main" val="948334368"/>
+      </p:ext>
+    </p:extLst>
+  </p:cSld>
+  <p:clrMapOvr>
+    <a:masterClrMapping/>
+  </p:clrMapOvr>
+</p:sld>
+</file>
+
+<file path=ppt/slides/slide32.xml><?xml version="1.0" encoding="utf-8"?>
+<p:sld xmlns:a="http://schemas.openxmlformats.org/drawingml/2006/main" xmlns:r="http://schemas.openxmlformats.org/officeDocument/2006/relationships" xmlns:p="http://schemas.openxmlformats.org/presentationml/2006/main">
+  <p:cSld>
+    <p:spTree>
+      <p:nvGrpSpPr>
+        <p:cNvPr id="1" name=""/>
+        <p:cNvGrpSpPr/>
+        <p:nvPr/>
+      </p:nvGrpSpPr>
+      <p:grpSpPr>
+        <a:xfrm>
+          <a:off x="0" y="0"/>
+          <a:ext cx="0" cy="0"/>
+          <a:chOff x="0" y="0"/>
+          <a:chExt cx="0" cy="0"/>
+        </a:xfrm>
+      </p:grpSpPr>
+      <p:sp>
+        <p:nvSpPr>
+          <p:cNvPr id="2" name="Title 1">
+            <a:extLst>
+              <a:ext uri="{FF2B5EF4-FFF2-40B4-BE49-F238E27FC236}">
+                <a16:creationId xmlns:a16="http://schemas.microsoft.com/office/drawing/2014/main" id="{1A5C3943-16AC-9995-BFE6-56BA7C52F892}"/>
+              </a:ext>
+            </a:extLst>
+          </p:cNvPr>
+          <p:cNvSpPr>
+            <a:spLocks noGrp="1"/>
+          </p:cNvSpPr>
+          <p:nvPr>
+            <p:ph type="title"/>
+          </p:nvPr>
+        </p:nvSpPr>
+        <p:spPr/>
+        <p:txBody>
+          <a:bodyPr/>
+          <a:lstStyle/>
+          <a:p>
+            <a:r>
+              <a:rPr lang="en-US" dirty="0"/>
+              <a:t>Exercise: Analog Sensor Trigger</a:t>
+            </a:r>
+          </a:p>
+        </p:txBody>
+      </p:sp>
+      <p:sp>
+        <p:nvSpPr>
+          <p:cNvPr id="3" name="Content Placeholder 2">
+            <a:extLst>
+              <a:ext uri="{FF2B5EF4-FFF2-40B4-BE49-F238E27FC236}">
+                <a16:creationId xmlns:a16="http://schemas.microsoft.com/office/drawing/2014/main" id="{4E7FD74C-3ACC-B766-467E-704648E51D7F}"/>
+              </a:ext>
+            </a:extLst>
+          </p:cNvPr>
+          <p:cNvSpPr>
+            <a:spLocks noGrp="1"/>
+          </p:cNvSpPr>
+          <p:nvPr>
+            <p:ph idx="1"/>
+          </p:nvPr>
+        </p:nvSpPr>
+        <p:spPr>
+          <a:xfrm>
+            <a:off x="510746" y="2248929"/>
+            <a:ext cx="11141676" cy="4609071"/>
+          </a:xfrm>
+        </p:spPr>
+        <p:txBody>
+          <a:bodyPr>
+            <a:normAutofit fontScale="77500" lnSpcReduction="20000"/>
+          </a:bodyPr>
+          <a:lstStyle/>
+          <a:p>
+            <a:r>
+              <a:rPr lang="en-US" dirty="0"/>
+              <a:t>In Robot.java, create a REV color sensor, an analog sensor that wraps around the REV color sensor to make it compatible with our framework and an analog trigger.</a:t>
+            </a:r>
+          </a:p>
+          <a:p>
+            <a:pPr lvl="1"/>
+            <a:r>
+              <a:rPr lang="en-US" dirty="0"/>
+              <a:t>Create a class variable (</a:t>
+            </a:r>
+            <a:r>
+              <a:rPr lang="en-US" dirty="0" err="1"/>
+              <a:t>revColorSensor</a:t>
+            </a:r>
+            <a:r>
+              <a:rPr lang="en-US" dirty="0"/>
+              <a:t>) to hold the created REV color sensor (ColorSensorV3).</a:t>
+            </a:r>
+          </a:p>
+          <a:p>
+            <a:pPr lvl="1"/>
+            <a:r>
+              <a:rPr lang="en-US" dirty="0"/>
+              <a:t>Create a class variable (</a:t>
+            </a:r>
+            <a:r>
+              <a:rPr lang="en-US" dirty="0" err="1"/>
+              <a:t>colorSensor</a:t>
+            </a:r>
+            <a:r>
+              <a:rPr lang="en-US" dirty="0"/>
+              <a:t>) to hold the created analog sensor (</a:t>
+            </a:r>
+            <a:r>
+              <a:rPr lang="en-US" dirty="0" err="1"/>
+              <a:t>TrcAnalogSensor</a:t>
+            </a:r>
+            <a:r>
+              <a:rPr lang="en-US" dirty="0"/>
+              <a:t>).</a:t>
+            </a:r>
+          </a:p>
+          <a:p>
+            <a:pPr lvl="1"/>
+            <a:r>
+              <a:rPr lang="en-US" dirty="0"/>
+              <a:t>Create a class variable (</a:t>
+            </a:r>
+            <a:r>
+              <a:rPr lang="en-US" dirty="0" err="1"/>
+              <a:t>colorSensorTrigger</a:t>
+            </a:r>
+            <a:r>
+              <a:rPr lang="en-US" dirty="0"/>
+              <a:t>) to hold the created analog trigger (</a:t>
+            </a:r>
+            <a:r>
+              <a:rPr lang="en-US" dirty="0" err="1"/>
+              <a:t>TrcAnalogSensorTrigger</a:t>
+            </a:r>
+            <a:r>
+              <a:rPr lang="en-US" dirty="0"/>
+              <a:t>).</a:t>
+            </a:r>
+          </a:p>
+          <a:p>
+            <a:pPr lvl="1"/>
+            <a:r>
+              <a:rPr lang="en-US" dirty="0"/>
+              <a:t>In </a:t>
+            </a:r>
+            <a:r>
+              <a:rPr lang="en-US" dirty="0" err="1"/>
+              <a:t>robotInit</a:t>
+            </a:r>
+            <a:r>
+              <a:rPr lang="en-US" dirty="0"/>
+              <a:t> method, create the REV color sensor object specifying the I2C port it’s plugged into.</a:t>
+            </a:r>
+          </a:p>
+          <a:p>
+            <a:pPr lvl="1"/>
+            <a:r>
+              <a:rPr lang="en-US" dirty="0"/>
+              <a:t>Create the analog sensor object specifying a name and the method to call to get the color sensor value (</a:t>
+            </a:r>
+            <a:r>
+              <a:rPr lang="en-US" dirty="0" err="1"/>
+              <a:t>getColorSensorValue</a:t>
+            </a:r>
+            <a:r>
+              <a:rPr lang="en-US" dirty="0"/>
+              <a:t>).</a:t>
+            </a:r>
+          </a:p>
+          <a:p>
+            <a:pPr lvl="1"/>
+            <a:r>
+              <a:rPr lang="en-US" dirty="0"/>
+              <a:t>Create an array of doubles containing the trigger threshold values.</a:t>
+            </a:r>
+          </a:p>
+          <a:p>
+            <a:pPr lvl="1"/>
+            <a:r>
+              <a:rPr lang="en-US" dirty="0"/>
+              <a:t>Create the analog trigger specifying a name, the created analog sensor, zero as the index, </a:t>
+            </a:r>
+            <a:r>
+              <a:rPr lang="en-US" dirty="0" err="1"/>
+              <a:t>TrcAnalogInput.DataType.INPUT_DATA</a:t>
+            </a:r>
+            <a:r>
+              <a:rPr lang="en-US" dirty="0"/>
+              <a:t> as the data type, the threshold array, false as </a:t>
+            </a:r>
+            <a:r>
+              <a:rPr lang="en-US" dirty="0" err="1"/>
+              <a:t>dataIsTrigger</a:t>
+            </a:r>
+            <a:r>
+              <a:rPr lang="en-US" dirty="0"/>
+              <a:t> and the method to call when the trigger occurs.</a:t>
+            </a:r>
+          </a:p>
+          <a:p>
+            <a:pPr lvl="1"/>
+            <a:r>
+              <a:rPr lang="en-US" dirty="0"/>
+              <a:t>Create the </a:t>
+            </a:r>
+            <a:r>
+              <a:rPr lang="en-US" dirty="0" err="1"/>
+              <a:t>getColorSensorValue</a:t>
+            </a:r>
+            <a:r>
+              <a:rPr lang="en-US" dirty="0"/>
+              <a:t> method that returns the proximity value of the REV color sensor (</a:t>
+            </a:r>
+            <a:r>
+              <a:rPr lang="en-US" dirty="0" err="1"/>
+              <a:t>revColorSensor.getProximity</a:t>
+            </a:r>
+            <a:r>
+              <a:rPr lang="en-US" dirty="0"/>
+              <a:t>).</a:t>
+            </a:r>
+          </a:p>
+          <a:p>
+            <a:pPr lvl="1"/>
+            <a:r>
+              <a:rPr lang="en-US" dirty="0"/>
+              <a:t>Create the trigger callback method:</a:t>
+            </a:r>
+            <a:br>
+              <a:rPr lang="en-US" dirty="0"/>
+            </a:br>
+            <a:r>
+              <a:rPr lang="en-US" dirty="0"/>
+              <a:t>private void </a:t>
+            </a:r>
+            <a:r>
+              <a:rPr lang="en-US" dirty="0" err="1"/>
+              <a:t>colorSensorTriggerCallback</a:t>
+            </a:r>
+            <a:r>
+              <a:rPr lang="en-US" dirty="0"/>
+              <a:t>(Object context)</a:t>
+            </a:r>
+          </a:p>
+          <a:p>
+            <a:pPr lvl="1"/>
+            <a:r>
+              <a:rPr lang="en-US" dirty="0"/>
+              <a:t>In the callback method, print a message showing the state of the color sensor on the dashboard. Hint:</a:t>
+            </a:r>
+            <a:br>
+              <a:rPr lang="en-US" dirty="0"/>
+            </a:br>
+            <a:r>
+              <a:rPr lang="en-US" dirty="0" err="1">
+                <a:solidFill>
+                  <a:schemeClr val="accent5"/>
+                </a:solidFill>
+              </a:rPr>
+              <a:t>TrcAnalogSensorTrigger.CallbackContext</a:t>
+            </a:r>
+            <a:r>
+              <a:rPr lang="en-US" dirty="0">
+                <a:solidFill>
+                  <a:schemeClr val="accent5"/>
+                </a:solidFill>
+              </a:rPr>
+              <a:t> </a:t>
+            </a:r>
+            <a:r>
+              <a:rPr lang="en-US" dirty="0" err="1">
+                <a:solidFill>
+                  <a:schemeClr val="accent5"/>
+                </a:solidFill>
+              </a:rPr>
+              <a:t>colorSensorContext</a:t>
+            </a:r>
+            <a:r>
+              <a:rPr lang="en-US" dirty="0">
+                <a:solidFill>
+                  <a:schemeClr val="accent5"/>
+                </a:solidFill>
+              </a:rPr>
+              <a:t> = (</a:t>
+            </a:r>
+            <a:r>
+              <a:rPr lang="en-US" dirty="0" err="1">
+                <a:solidFill>
+                  <a:schemeClr val="accent5"/>
+                </a:solidFill>
+              </a:rPr>
+              <a:t>TrcAnalogSensorTrigger.CallbackContext</a:t>
+            </a:r>
+            <a:r>
+              <a:rPr lang="en-US" dirty="0">
+                <a:solidFill>
+                  <a:schemeClr val="accent5"/>
+                </a:solidFill>
+              </a:rPr>
+              <a:t>) context;</a:t>
+            </a:r>
+            <a:br>
+              <a:rPr lang="en-US" dirty="0"/>
+            </a:br>
+            <a:r>
+              <a:rPr lang="en-US" dirty="0" err="1">
+                <a:solidFill>
+                  <a:schemeClr val="accent5"/>
+                </a:solidFill>
+              </a:rPr>
+              <a:t>colorSensorContext.sensorValue</a:t>
+            </a:r>
+            <a:r>
+              <a:rPr lang="en-US" dirty="0">
+                <a:solidFill>
+                  <a:schemeClr val="accent5"/>
+                </a:solidFill>
+              </a:rPr>
+              <a:t> </a:t>
+            </a:r>
+            <a:r>
+              <a:rPr lang="en-US" dirty="0"/>
+              <a:t>returns the color sensor value</a:t>
+            </a:r>
+            <a:br>
+              <a:rPr lang="en-US" dirty="0"/>
+            </a:br>
+            <a:r>
+              <a:rPr lang="en-US" dirty="0" err="1">
+                <a:solidFill>
+                  <a:schemeClr val="accent5"/>
+                </a:solidFill>
+              </a:rPr>
+              <a:t>colorSensorContext.prevZone</a:t>
+            </a:r>
+            <a:r>
+              <a:rPr lang="en-US" dirty="0">
+                <a:solidFill>
+                  <a:schemeClr val="accent5"/>
+                </a:solidFill>
+              </a:rPr>
+              <a:t> </a:t>
+            </a:r>
+            <a:r>
+              <a:rPr lang="en-US" dirty="0"/>
+              <a:t>returns the previous threshold zone</a:t>
+            </a:r>
+            <a:br>
+              <a:rPr lang="en-US" dirty="0"/>
+            </a:br>
+            <a:r>
+              <a:rPr lang="en-US" dirty="0" err="1">
+                <a:solidFill>
+                  <a:schemeClr val="accent5"/>
+                </a:solidFill>
+              </a:rPr>
+              <a:t>colorSensorContext.prevZone</a:t>
+            </a:r>
+            <a:r>
+              <a:rPr lang="en-US" dirty="0">
+                <a:solidFill>
+                  <a:schemeClr val="accent5"/>
+                </a:solidFill>
+              </a:rPr>
+              <a:t> </a:t>
+            </a:r>
+            <a:r>
+              <a:rPr lang="en-US" dirty="0"/>
+              <a:t>returns the current threshold zone</a:t>
+            </a:r>
+          </a:p>
+        </p:txBody>
+      </p:sp>
+    </p:spTree>
+    <p:extLst>
+      <p:ext uri="{BB962C8B-B14F-4D97-AF65-F5344CB8AC3E}">
+        <p14:creationId xmlns:p14="http://schemas.microsoft.com/office/powerpoint/2010/main" val="1000779979"/>
+      </p:ext>
+    </p:extLst>
+  </p:cSld>
+  <p:clrMapOvr>
+    <a:masterClrMapping/>
+  </p:clrMapOvr>
+</p:sld>
+</file>
+
+<file path=ppt/slides/slide33.xml><?xml version="1.0" encoding="utf-8"?>
+<p:sld xmlns:a="http://schemas.openxmlformats.org/drawingml/2006/main" xmlns:r="http://schemas.openxmlformats.org/officeDocument/2006/relationships" xmlns:p="http://schemas.openxmlformats.org/presentationml/2006/main">
+  <p:cSld>
+    <p:spTree>
+      <p:nvGrpSpPr>
+        <p:cNvPr id="1" name=""/>
+        <p:cNvGrpSpPr/>
+        <p:nvPr/>
+      </p:nvGrpSpPr>
+      <p:grpSpPr>
+        <a:xfrm>
+          <a:off x="0" y="0"/>
+          <a:ext cx="0" cy="0"/>
+          <a:chOff x="0" y="0"/>
+          <a:chExt cx="0" cy="0"/>
+        </a:xfrm>
+      </p:grpSpPr>
+      <p:sp>
+        <p:nvSpPr>
+          <p:cNvPr id="2" name="Title 1">
+            <a:extLst>
+              <a:ext uri="{FF2B5EF4-FFF2-40B4-BE49-F238E27FC236}">
+                <a16:creationId xmlns:a16="http://schemas.microsoft.com/office/drawing/2014/main" id="{14D11BDE-A545-6830-EB6B-00F311702B42}"/>
+              </a:ext>
+            </a:extLst>
+          </p:cNvPr>
+          <p:cNvSpPr>
+            <a:spLocks noGrp="1"/>
+          </p:cNvSpPr>
+          <p:nvPr>
+            <p:ph type="title"/>
+          </p:nvPr>
+        </p:nvSpPr>
+        <p:spPr/>
+        <p:txBody>
+          <a:bodyPr/>
+          <a:lstStyle/>
+          <a:p>
+            <a:r>
+              <a:rPr lang="en-US" dirty="0"/>
+              <a:t>Indicators</a:t>
+            </a:r>
+          </a:p>
+        </p:txBody>
+      </p:sp>
+      <p:sp>
+        <p:nvSpPr>
+          <p:cNvPr id="3" name="Content Placeholder 2">
+            <a:extLst>
+              <a:ext uri="{FF2B5EF4-FFF2-40B4-BE49-F238E27FC236}">
+                <a16:creationId xmlns:a16="http://schemas.microsoft.com/office/drawing/2014/main" id="{4F3C7504-C88C-B701-D9A0-FD236340058A}"/>
+              </a:ext>
+            </a:extLst>
+          </p:cNvPr>
+          <p:cNvSpPr>
+            <a:spLocks noGrp="1"/>
+          </p:cNvSpPr>
+          <p:nvPr>
+            <p:ph idx="1"/>
+          </p:nvPr>
+        </p:nvSpPr>
+        <p:spPr>
+          <a:xfrm>
+            <a:off x="543697" y="2273643"/>
+            <a:ext cx="11030465" cy="3746157"/>
+          </a:xfrm>
+        </p:spPr>
+        <p:txBody>
+          <a:bodyPr>
+            <a:normAutofit/>
+          </a:bodyPr>
+          <a:lstStyle/>
+          <a:p>
+            <a:r>
+              <a:rPr lang="en-US" dirty="0"/>
+              <a:t>Indicators are used to give feedback to the human operators. Our framework supports the following categories:</a:t>
+            </a:r>
+          </a:p>
+          <a:p>
+            <a:pPr lvl="1"/>
+            <a:r>
+              <a:rPr lang="en-US" dirty="0"/>
+              <a:t>Single LED: (</a:t>
+            </a:r>
+            <a:r>
+              <a:rPr lang="en-US" dirty="0" err="1"/>
+              <a:t>FrcDigitalOutput</a:t>
+            </a:r>
+            <a:r>
+              <a:rPr lang="en-US" dirty="0"/>
+              <a:t>)</a:t>
+            </a:r>
+          </a:p>
+          <a:p>
+            <a:pPr lvl="1"/>
+            <a:r>
+              <a:rPr lang="en-US" dirty="0"/>
+              <a:t>LED strip: single color, RGB (</a:t>
+            </a:r>
+            <a:r>
+              <a:rPr lang="en-US" dirty="0" err="1"/>
+              <a:t>FrcRevBlinkin</a:t>
+            </a:r>
+            <a:r>
+              <a:rPr lang="en-US" dirty="0"/>
+              <a:t>)</a:t>
+            </a:r>
+          </a:p>
+          <a:p>
+            <a:pPr lvl="1"/>
+            <a:r>
+              <a:rPr lang="en-US" dirty="0"/>
+              <a:t>Addressable LED strip: each pixel on the strip can be programmed to a different color (</a:t>
+            </a:r>
+            <a:r>
+              <a:rPr lang="en-US" dirty="0" err="1"/>
+              <a:t>FrcAddressable</a:t>
+            </a:r>
+            <a:r>
+              <a:rPr lang="en-US" dirty="0"/>
+              <a:t> LED,  </a:t>
+            </a:r>
+            <a:r>
+              <a:rPr lang="en-US" dirty="0" err="1"/>
+              <a:t>FrcRevBlinkin</a:t>
+            </a:r>
+            <a:r>
+              <a:rPr lang="en-US" dirty="0"/>
+              <a:t>)</a:t>
+            </a:r>
+          </a:p>
+          <a:p>
+            <a:pPr lvl="1"/>
+            <a:r>
+              <a:rPr lang="en-US" dirty="0"/>
+              <a:t>LED Panel: (FrcI2cLEDPanel)</a:t>
+            </a:r>
+          </a:p>
+          <a:p>
+            <a:pPr lvl="1"/>
+            <a:r>
+              <a:rPr lang="en-US" dirty="0"/>
+              <a:t>Speech: Emic2 Text to Speech controller (FrcEmic2TextToSpeech)</a:t>
+            </a:r>
+          </a:p>
+          <a:p>
+            <a:pPr lvl="1"/>
+            <a:r>
+              <a:rPr lang="en-US" dirty="0" err="1"/>
+              <a:t>TrcTone</a:t>
+            </a:r>
+            <a:r>
+              <a:rPr lang="en-US" dirty="0"/>
+              <a:t>, </a:t>
+            </a:r>
+            <a:r>
+              <a:rPr lang="en-US" dirty="0" err="1"/>
+              <a:t>TrcSong</a:t>
+            </a:r>
+            <a:r>
+              <a:rPr lang="en-US" dirty="0"/>
+              <a:t>: supports generating sound and play songs (more for FTC and not really for FRC because FRC robot controller does not support sound).</a:t>
+            </a:r>
+          </a:p>
+        </p:txBody>
+      </p:sp>
+    </p:spTree>
+    <p:extLst>
+      <p:ext uri="{BB962C8B-B14F-4D97-AF65-F5344CB8AC3E}">
+        <p14:creationId xmlns:p14="http://schemas.microsoft.com/office/powerpoint/2010/main" val="3395940910"/>
+      </p:ext>
+    </p:extLst>
+  </p:cSld>
+  <p:clrMapOvr>
+    <a:masterClrMapping/>
+  </p:clrMapOvr>
+</p:sld>
+</file>
+
+<file path=ppt/slides/slide34.xml><?xml version="1.0" encoding="utf-8"?>
+<p:sld xmlns:a="http://schemas.openxmlformats.org/drawingml/2006/main" xmlns:r="http://schemas.openxmlformats.org/officeDocument/2006/relationships" xmlns:p="http://schemas.openxmlformats.org/presentationml/2006/main">
+  <p:cSld>
+    <p:spTree>
+      <p:nvGrpSpPr>
+        <p:cNvPr id="1" name=""/>
+        <p:cNvGrpSpPr/>
+        <p:nvPr/>
+      </p:nvGrpSpPr>
+      <p:grpSpPr>
+        <a:xfrm>
+          <a:off x="0" y="0"/>
+          <a:ext cx="0" cy="0"/>
+          <a:chOff x="0" y="0"/>
+          <a:chExt cx="0" cy="0"/>
+        </a:xfrm>
+      </p:grpSpPr>
+      <p:sp>
+        <p:nvSpPr>
+          <p:cNvPr id="2" name="Title 1">
+            <a:extLst>
+              <a:ext uri="{FF2B5EF4-FFF2-40B4-BE49-F238E27FC236}">
+                <a16:creationId xmlns:a16="http://schemas.microsoft.com/office/drawing/2014/main" id="{05044B2F-82F2-D859-7C31-C2BD1F9CE862}"/>
+              </a:ext>
+            </a:extLst>
+          </p:cNvPr>
+          <p:cNvSpPr>
+            <a:spLocks noGrp="1"/>
+          </p:cNvSpPr>
+          <p:nvPr>
+            <p:ph type="title"/>
+          </p:nvPr>
+        </p:nvSpPr>
+        <p:spPr/>
+        <p:txBody>
+          <a:bodyPr/>
+          <a:lstStyle/>
+          <a:p>
+            <a:r>
+              <a:rPr lang="en-US" dirty="0"/>
+              <a:t>Priority Indicators</a:t>
+            </a:r>
+          </a:p>
+        </p:txBody>
+      </p:sp>
+      <p:sp>
+        <p:nvSpPr>
+          <p:cNvPr id="3" name="Content Placeholder 2">
+            <a:extLst>
+              <a:ext uri="{FF2B5EF4-FFF2-40B4-BE49-F238E27FC236}">
+                <a16:creationId xmlns:a16="http://schemas.microsoft.com/office/drawing/2014/main" id="{7DD3935E-73F1-5769-E1B0-8BED19C62AC0}"/>
+              </a:ext>
+            </a:extLst>
+          </p:cNvPr>
+          <p:cNvSpPr>
+            <a:spLocks noGrp="1"/>
+          </p:cNvSpPr>
+          <p:nvPr>
+            <p:ph idx="1"/>
+          </p:nvPr>
+        </p:nvSpPr>
+        <p:spPr>
+          <a:xfrm>
+            <a:off x="642552" y="2314832"/>
+            <a:ext cx="10873946" cy="4366054"/>
+          </a:xfrm>
+        </p:spPr>
+        <p:txBody>
+          <a:bodyPr>
+            <a:normAutofit/>
+          </a:bodyPr>
+          <a:lstStyle/>
+          <a:p>
+            <a:r>
+              <a:rPr lang="en-US" dirty="0"/>
+              <a:t>Using LEDs as an indicator device allows subsystems to display their status.</a:t>
+            </a:r>
+          </a:p>
+          <a:p>
+            <a:r>
+              <a:rPr lang="en-US" dirty="0"/>
+              <a:t>Problem: Multiple subsystems trying to send their status to the LED causing contention.</a:t>
+            </a:r>
+          </a:p>
+          <a:p>
+            <a:r>
+              <a:rPr lang="en-US" dirty="0"/>
+              <a:t>Solution: Priority Indicator (</a:t>
+            </a:r>
+            <a:r>
+              <a:rPr lang="en-US" dirty="0" err="1"/>
+              <a:t>TrcPriorityIndicator</a:t>
+            </a:r>
+            <a:r>
+              <a:rPr lang="en-US" dirty="0"/>
+              <a:t>).</a:t>
+            </a:r>
+          </a:p>
+          <a:p>
+            <a:pPr lvl="1"/>
+            <a:r>
+              <a:rPr lang="en-US" dirty="0"/>
+              <a:t>Each subsystem creates different indicator patterns. </a:t>
+            </a:r>
+            <a:r>
+              <a:rPr lang="en-US" dirty="0" err="1"/>
+              <a:t>TrcPriorityIndicator</a:t>
+            </a:r>
+            <a:r>
+              <a:rPr lang="en-US" dirty="0"/>
+              <a:t> keeps a table with these patterns stored in priority order (lowest priority first).</a:t>
+            </a:r>
+          </a:p>
+          <a:p>
+            <a:pPr lvl="1"/>
+            <a:r>
+              <a:rPr lang="en-US" dirty="0"/>
+              <a:t>Subsystem turns on an indicator pattern. </a:t>
+            </a:r>
+            <a:r>
+              <a:rPr lang="en-US" dirty="0" err="1"/>
+              <a:t>TrcPriorityIndicator</a:t>
+            </a:r>
+            <a:r>
+              <a:rPr lang="en-US" dirty="0"/>
+              <a:t> has a task going through the table periodically to find the highest priority pattern that is ON and display it. When the highest priority pattern is turned off, the next highest priority pattern will be displayed.</a:t>
+            </a:r>
+          </a:p>
+          <a:p>
+            <a:r>
+              <a:rPr lang="en-US" dirty="0"/>
+              <a:t>Useful methods:</a:t>
+            </a:r>
+            <a:br>
+              <a:rPr lang="en-US" dirty="0"/>
+            </a:br>
+            <a:r>
+              <a:rPr lang="en-US" b="0" dirty="0">
+                <a:solidFill>
+                  <a:srgbClr val="4EC9B0"/>
+                </a:solidFill>
+                <a:effectLst/>
+                <a:latin typeface="Consolas" panose="020B0609020204030204" pitchFamily="49" charset="0"/>
+              </a:rPr>
+              <a:t>void</a:t>
+            </a:r>
+            <a:r>
+              <a:rPr lang="en-US" b="0" dirty="0">
+                <a:solidFill>
+                  <a:srgbClr val="D4D4D4"/>
+                </a:solidFill>
+                <a:effectLst/>
+                <a:latin typeface="Consolas" panose="020B0609020204030204" pitchFamily="49" charset="0"/>
+              </a:rPr>
+              <a:t> </a:t>
+            </a:r>
+            <a:r>
+              <a:rPr lang="en-US" b="0" dirty="0" err="1">
+                <a:solidFill>
+                  <a:srgbClr val="DCDCAA"/>
+                </a:solidFill>
+                <a:effectLst/>
+                <a:latin typeface="Consolas" panose="020B0609020204030204" pitchFamily="49" charset="0"/>
+              </a:rPr>
+              <a:t>setPatternState</a:t>
+            </a:r>
+            <a:r>
+              <a:rPr lang="en-US" b="0" dirty="0">
+                <a:solidFill>
+                  <a:srgbClr val="D4D4D4"/>
+                </a:solidFill>
+                <a:effectLst/>
+                <a:latin typeface="Consolas" panose="020B0609020204030204" pitchFamily="49" charset="0"/>
+              </a:rPr>
+              <a:t>(</a:t>
+            </a:r>
+            <a:r>
+              <a:rPr lang="en-US" b="0" dirty="0">
+                <a:solidFill>
+                  <a:srgbClr val="4EC9B0"/>
+                </a:solidFill>
+                <a:effectLst/>
+                <a:latin typeface="Consolas" panose="020B0609020204030204" pitchFamily="49" charset="0"/>
+              </a:rPr>
+              <a:t>T</a:t>
+            </a:r>
+            <a:r>
+              <a:rPr lang="en-US" b="0" dirty="0">
+                <a:solidFill>
+                  <a:srgbClr val="D4D4D4"/>
+                </a:solidFill>
+                <a:effectLst/>
+                <a:latin typeface="Consolas" panose="020B0609020204030204" pitchFamily="49" charset="0"/>
+              </a:rPr>
+              <a:t> </a:t>
+            </a:r>
+            <a:r>
+              <a:rPr lang="en-US" b="0" dirty="0">
+                <a:solidFill>
+                  <a:srgbClr val="9CDCFE"/>
+                </a:solidFill>
+                <a:effectLst/>
+                <a:latin typeface="Consolas" panose="020B0609020204030204" pitchFamily="49" charset="0"/>
+              </a:rPr>
+              <a:t>pattern</a:t>
+            </a:r>
+            <a:r>
+              <a:rPr lang="en-US" b="0" dirty="0">
+                <a:solidFill>
+                  <a:srgbClr val="D4D4D4"/>
+                </a:solidFill>
+                <a:effectLst/>
+                <a:latin typeface="Consolas" panose="020B0609020204030204" pitchFamily="49" charset="0"/>
+              </a:rPr>
+              <a:t>, </a:t>
+            </a:r>
+            <a:r>
+              <a:rPr lang="en-US" b="0" dirty="0" err="1">
+                <a:solidFill>
+                  <a:srgbClr val="4EC9B0"/>
+                </a:solidFill>
+                <a:effectLst/>
+                <a:latin typeface="Consolas" panose="020B0609020204030204" pitchFamily="49" charset="0"/>
+              </a:rPr>
+              <a:t>boolean</a:t>
+            </a:r>
+            <a:r>
+              <a:rPr lang="en-US" b="0" dirty="0">
+                <a:solidFill>
+                  <a:srgbClr val="D4D4D4"/>
+                </a:solidFill>
+                <a:effectLst/>
+                <a:latin typeface="Consolas" panose="020B0609020204030204" pitchFamily="49" charset="0"/>
+              </a:rPr>
+              <a:t> </a:t>
+            </a:r>
+            <a:r>
+              <a:rPr lang="en-US" b="0" dirty="0">
+                <a:solidFill>
+                  <a:srgbClr val="9CDCFE"/>
+                </a:solidFill>
+                <a:effectLst/>
+                <a:latin typeface="Consolas" panose="020B0609020204030204" pitchFamily="49" charset="0"/>
+              </a:rPr>
+              <a:t>enabled</a:t>
+            </a:r>
+            <a:r>
+              <a:rPr lang="en-US" b="0" dirty="0">
+                <a:solidFill>
+                  <a:srgbClr val="D4D4D4"/>
+                </a:solidFill>
+                <a:effectLst/>
+                <a:latin typeface="Consolas" panose="020B0609020204030204" pitchFamily="49" charset="0"/>
+              </a:rPr>
+              <a:t>, </a:t>
+            </a:r>
+            <a:r>
+              <a:rPr lang="en-US" b="0" dirty="0">
+                <a:solidFill>
+                  <a:srgbClr val="4EC9B0"/>
+                </a:solidFill>
+                <a:effectLst/>
+                <a:latin typeface="Consolas" panose="020B0609020204030204" pitchFamily="49" charset="0"/>
+              </a:rPr>
+              <a:t>double</a:t>
+            </a:r>
+            <a:r>
+              <a:rPr lang="en-US" b="0" dirty="0">
+                <a:solidFill>
+                  <a:srgbClr val="D4D4D4"/>
+                </a:solidFill>
+                <a:effectLst/>
+                <a:latin typeface="Consolas" panose="020B0609020204030204" pitchFamily="49" charset="0"/>
+              </a:rPr>
+              <a:t> </a:t>
+            </a:r>
+            <a:r>
+              <a:rPr lang="en-US" b="0" dirty="0" err="1">
+                <a:solidFill>
+                  <a:srgbClr val="9CDCFE"/>
+                </a:solidFill>
+                <a:effectLst/>
+                <a:latin typeface="Consolas" panose="020B0609020204030204" pitchFamily="49" charset="0"/>
+              </a:rPr>
+              <a:t>expiredTime</a:t>
+            </a:r>
+            <a:r>
+              <a:rPr lang="en-US" dirty="0">
+                <a:solidFill>
+                  <a:srgbClr val="D4D4D4"/>
+                </a:solidFill>
+                <a:latin typeface="Consolas" panose="020B0609020204030204" pitchFamily="49" charset="0"/>
+              </a:rPr>
+              <a:t>)</a:t>
+            </a:r>
+            <a:br>
+              <a:rPr lang="en-US" dirty="0">
+                <a:solidFill>
+                  <a:srgbClr val="D4D4D4"/>
+                </a:solidFill>
+                <a:latin typeface="Consolas" panose="020B0609020204030204" pitchFamily="49" charset="0"/>
+              </a:rPr>
+            </a:br>
+            <a:r>
+              <a:rPr lang="en-US" dirty="0" err="1"/>
+              <a:t>setPatternState</a:t>
+            </a:r>
+            <a:r>
+              <a:rPr lang="en-US" dirty="0"/>
+              <a:t> not only allows you to turn a pattern ON or OFF, you can also specify an </a:t>
+            </a:r>
+            <a:r>
+              <a:rPr lang="en-US" dirty="0" err="1"/>
+              <a:t>expiredTime</a:t>
+            </a:r>
+            <a:r>
+              <a:rPr lang="en-US" dirty="0"/>
+              <a:t> so it will turn itself off after the specified period. This is good for indicating an edge event or creating a blinking pattern.</a:t>
+            </a:r>
+            <a:endParaRPr lang="en-US" b="0" dirty="0">
+              <a:solidFill>
+                <a:srgbClr val="D4D4D4"/>
+              </a:solidFill>
+              <a:effectLst/>
+              <a:latin typeface="Consolas" panose="020B0609020204030204" pitchFamily="49" charset="0"/>
+            </a:endParaRPr>
+          </a:p>
+        </p:txBody>
+      </p:sp>
+    </p:spTree>
+    <p:extLst>
+      <p:ext uri="{BB962C8B-B14F-4D97-AF65-F5344CB8AC3E}">
+        <p14:creationId xmlns:p14="http://schemas.microsoft.com/office/powerpoint/2010/main" val="1187674569"/>
+      </p:ext>
+    </p:extLst>
+  </p:cSld>
+  <p:clrMapOvr>
+    <a:masterClrMapping/>
+  </p:clrMapOvr>
+</p:sld>
+</file>
+
+<file path=ppt/slides/slide35.xml><?xml version="1.0" encoding="utf-8"?>
+<p:sld xmlns:a="http://schemas.openxmlformats.org/drawingml/2006/main" xmlns:r="http://schemas.openxmlformats.org/officeDocument/2006/relationships" xmlns:p="http://schemas.openxmlformats.org/presentationml/2006/main">
+  <p:cSld>
+    <p:spTree>
+      <p:nvGrpSpPr>
+        <p:cNvPr id="1" name=""/>
+        <p:cNvGrpSpPr/>
+        <p:nvPr/>
+      </p:nvGrpSpPr>
+      <p:grpSpPr>
+        <a:xfrm>
+          <a:off x="0" y="0"/>
+          <a:ext cx="0" cy="0"/>
+          <a:chOff x="0" y="0"/>
+          <a:chExt cx="0" cy="0"/>
+        </a:xfrm>
+      </p:grpSpPr>
+      <p:sp>
+        <p:nvSpPr>
+          <p:cNvPr id="2" name="Title 1">
+            <a:extLst>
+              <a:ext uri="{FF2B5EF4-FFF2-40B4-BE49-F238E27FC236}">
+                <a16:creationId xmlns:a16="http://schemas.microsoft.com/office/drawing/2014/main" id="{7C0BFCF6-DB0E-1A1C-3F8D-256AC35797F0}"/>
+              </a:ext>
+            </a:extLst>
+          </p:cNvPr>
+          <p:cNvSpPr>
+            <a:spLocks noGrp="1"/>
+          </p:cNvSpPr>
+          <p:nvPr>
+            <p:ph type="title"/>
+          </p:nvPr>
+        </p:nvSpPr>
+        <p:spPr/>
+        <p:txBody>
+          <a:bodyPr/>
+          <a:lstStyle/>
+          <a:p>
+            <a:r>
+              <a:rPr lang="en-US" dirty="0"/>
+              <a:t>Exercise: Priority Indicators</a:t>
+            </a:r>
+          </a:p>
+        </p:txBody>
+      </p:sp>
+      <p:sp>
+        <p:nvSpPr>
+          <p:cNvPr id="3" name="Content Placeholder 2">
+            <a:extLst>
+              <a:ext uri="{FF2B5EF4-FFF2-40B4-BE49-F238E27FC236}">
+                <a16:creationId xmlns:a16="http://schemas.microsoft.com/office/drawing/2014/main" id="{B1C58C81-10E2-2DF5-F0EE-BF28CCD4C735}"/>
+              </a:ext>
+            </a:extLst>
+          </p:cNvPr>
+          <p:cNvSpPr>
+            <a:spLocks noGrp="1"/>
+          </p:cNvSpPr>
+          <p:nvPr>
+            <p:ph idx="1"/>
+          </p:nvPr>
+        </p:nvSpPr>
+        <p:spPr>
+          <a:xfrm>
+            <a:off x="551935" y="2285999"/>
+            <a:ext cx="10935729" cy="4493741"/>
+          </a:xfrm>
+        </p:spPr>
+        <p:txBody>
+          <a:bodyPr>
+            <a:normAutofit lnSpcReduction="10000"/>
+          </a:bodyPr>
+          <a:lstStyle/>
+          <a:p>
+            <a:r>
+              <a:rPr lang="en-US" dirty="0"/>
+              <a:t>In subsystems\LEDIndicators.java, create a new </a:t>
+            </a:r>
+            <a:r>
+              <a:rPr lang="en-US" dirty="0" err="1"/>
+              <a:t>TrcAddressableLED.Patterns</a:t>
+            </a:r>
+            <a:r>
+              <a:rPr lang="en-US" dirty="0"/>
+              <a:t> named </a:t>
+            </a:r>
+            <a:r>
+              <a:rPr lang="en-US" dirty="0" err="1"/>
+              <a:t>buttonXPattern</a:t>
+            </a:r>
+            <a:r>
+              <a:rPr lang="en-US" dirty="0"/>
+              <a:t> and set it to solid green color.</a:t>
+            </a:r>
+          </a:p>
+          <a:p>
+            <a:r>
+              <a:rPr lang="en-US" dirty="0"/>
+              <a:t>Create another pattern named </a:t>
+            </a:r>
+            <a:r>
+              <a:rPr lang="en-US" dirty="0" err="1"/>
+              <a:t>buttonYPattern</a:t>
+            </a:r>
+            <a:r>
+              <a:rPr lang="en-US" dirty="0"/>
+              <a:t> and set it to solid yellow color.</a:t>
+            </a:r>
+          </a:p>
+          <a:p>
+            <a:r>
+              <a:rPr lang="en-US" dirty="0"/>
+              <a:t>Add the </a:t>
+            </a:r>
+            <a:r>
+              <a:rPr lang="en-US" dirty="0" err="1"/>
+              <a:t>buttonXPattern</a:t>
+            </a:r>
+            <a:r>
+              <a:rPr lang="en-US" dirty="0"/>
+              <a:t> to be the highest priority pattern in the priorities array.</a:t>
+            </a:r>
+          </a:p>
+          <a:p>
+            <a:r>
+              <a:rPr lang="en-US" dirty="0"/>
+              <a:t>Add the </a:t>
+            </a:r>
+            <a:r>
+              <a:rPr lang="en-US" dirty="0" err="1"/>
+              <a:t>buttonYPattern</a:t>
+            </a:r>
+            <a:r>
+              <a:rPr lang="en-US" dirty="0"/>
+              <a:t> to be the next highest priority pattern in the priorities array.</a:t>
+            </a:r>
+          </a:p>
+          <a:p>
+            <a:r>
+              <a:rPr lang="en-US" dirty="0"/>
+              <a:t>Add two methods that enables or disables the </a:t>
+            </a:r>
+            <a:r>
+              <a:rPr lang="en-US" dirty="0" err="1"/>
+              <a:t>buttonXPattern</a:t>
+            </a:r>
+            <a:r>
+              <a:rPr lang="en-US" dirty="0"/>
+              <a:t> and </a:t>
+            </a:r>
+            <a:r>
+              <a:rPr lang="en-US" dirty="0" err="1"/>
+              <a:t>buttonYPattern</a:t>
+            </a:r>
+            <a:r>
+              <a:rPr lang="en-US" dirty="0"/>
+              <a:t> states according to the </a:t>
+            </a:r>
+            <a:r>
+              <a:rPr lang="en-US" b="0" dirty="0">
+                <a:solidFill>
+                  <a:srgbClr val="9CDCFE"/>
+                </a:solidFill>
+                <a:effectLst/>
+                <a:latin typeface="Consolas" panose="020B0609020204030204" pitchFamily="49" charset="0"/>
+              </a:rPr>
+              <a:t>pressed</a:t>
+            </a:r>
+            <a:r>
+              <a:rPr lang="en-US" dirty="0"/>
+              <a:t> parameter (Hint: </a:t>
+            </a:r>
+            <a:r>
+              <a:rPr lang="en-US" dirty="0" err="1"/>
+              <a:t>led.setPatternState</a:t>
+            </a:r>
+            <a:r>
+              <a:rPr lang="en-US" dirty="0"/>
+              <a:t>).</a:t>
+            </a:r>
+            <a:br>
+              <a:rPr lang="en-US" dirty="0"/>
+            </a:br>
+            <a:r>
+              <a:rPr lang="en-US" b="0" dirty="0">
+                <a:solidFill>
+                  <a:srgbClr val="4EC9B0"/>
+                </a:solidFill>
+                <a:effectLst/>
+                <a:latin typeface="Consolas" panose="020B0609020204030204" pitchFamily="49" charset="0"/>
+              </a:rPr>
+              <a:t>void</a:t>
+            </a:r>
+            <a:r>
+              <a:rPr lang="en-US" b="0" dirty="0">
+                <a:solidFill>
+                  <a:srgbClr val="D4D4D4"/>
+                </a:solidFill>
+                <a:effectLst/>
+                <a:latin typeface="Consolas" panose="020B0609020204030204" pitchFamily="49" charset="0"/>
+              </a:rPr>
+              <a:t> </a:t>
+            </a:r>
+            <a:r>
+              <a:rPr lang="en-US" b="0" dirty="0" err="1">
+                <a:solidFill>
+                  <a:srgbClr val="DCDCAA"/>
+                </a:solidFill>
+                <a:effectLst/>
+                <a:latin typeface="Consolas" panose="020B0609020204030204" pitchFamily="49" charset="0"/>
+              </a:rPr>
+              <a:t>setXButtonState</a:t>
+            </a:r>
+            <a:r>
+              <a:rPr lang="en-US" b="0" dirty="0">
+                <a:solidFill>
+                  <a:srgbClr val="D4D4D4"/>
+                </a:solidFill>
+                <a:effectLst/>
+                <a:latin typeface="Consolas" panose="020B0609020204030204" pitchFamily="49" charset="0"/>
+              </a:rPr>
+              <a:t>(</a:t>
+            </a:r>
+            <a:r>
+              <a:rPr lang="en-US" b="0" dirty="0" err="1">
+                <a:solidFill>
+                  <a:srgbClr val="4EC9B0"/>
+                </a:solidFill>
+                <a:effectLst/>
+                <a:latin typeface="Consolas" panose="020B0609020204030204" pitchFamily="49" charset="0"/>
+              </a:rPr>
+              <a:t>boolean</a:t>
+            </a:r>
+            <a:r>
+              <a:rPr lang="en-US" b="0" dirty="0">
+                <a:solidFill>
+                  <a:srgbClr val="D4D4D4"/>
+                </a:solidFill>
+                <a:effectLst/>
+                <a:latin typeface="Consolas" panose="020B0609020204030204" pitchFamily="49" charset="0"/>
+              </a:rPr>
+              <a:t> </a:t>
+            </a:r>
+            <a:r>
+              <a:rPr lang="en-US" b="0" dirty="0">
+                <a:solidFill>
+                  <a:srgbClr val="9CDCFE"/>
+                </a:solidFill>
+                <a:effectLst/>
+                <a:latin typeface="Consolas" panose="020B0609020204030204" pitchFamily="49" charset="0"/>
+              </a:rPr>
+              <a:t>pressed</a:t>
+            </a:r>
+            <a:r>
+              <a:rPr lang="en-US" b="0" dirty="0">
+                <a:solidFill>
+                  <a:srgbClr val="D4D4D4"/>
+                </a:solidFill>
+                <a:effectLst/>
+                <a:latin typeface="Consolas" panose="020B0609020204030204" pitchFamily="49" charset="0"/>
+              </a:rPr>
+              <a:t>)</a:t>
+            </a:r>
+            <a:br>
+              <a:rPr lang="en-US" b="0" dirty="0">
+                <a:solidFill>
+                  <a:srgbClr val="D4D4D4"/>
+                </a:solidFill>
+                <a:effectLst/>
+                <a:latin typeface="Consolas" panose="020B0609020204030204" pitchFamily="49" charset="0"/>
+              </a:rPr>
+            </a:br>
+            <a:r>
+              <a:rPr lang="en-US" b="0" dirty="0">
+                <a:solidFill>
+                  <a:srgbClr val="4EC9B0"/>
+                </a:solidFill>
+                <a:effectLst/>
+                <a:latin typeface="Consolas" panose="020B0609020204030204" pitchFamily="49" charset="0"/>
+              </a:rPr>
+              <a:t>void</a:t>
+            </a:r>
+            <a:r>
+              <a:rPr lang="en-US" b="0" dirty="0">
+                <a:solidFill>
+                  <a:srgbClr val="D4D4D4"/>
+                </a:solidFill>
+                <a:effectLst/>
+                <a:latin typeface="Consolas" panose="020B0609020204030204" pitchFamily="49" charset="0"/>
+              </a:rPr>
+              <a:t> </a:t>
+            </a:r>
+            <a:r>
+              <a:rPr lang="en-US" b="0" dirty="0" err="1">
+                <a:solidFill>
+                  <a:srgbClr val="DCDCAA"/>
+                </a:solidFill>
+                <a:effectLst/>
+                <a:latin typeface="Consolas" panose="020B0609020204030204" pitchFamily="49" charset="0"/>
+              </a:rPr>
+              <a:t>setYButtonState</a:t>
+            </a:r>
+            <a:r>
+              <a:rPr lang="en-US" b="0" dirty="0">
+                <a:solidFill>
+                  <a:srgbClr val="D4D4D4"/>
+                </a:solidFill>
+                <a:effectLst/>
+                <a:latin typeface="Consolas" panose="020B0609020204030204" pitchFamily="49" charset="0"/>
+              </a:rPr>
+              <a:t>(</a:t>
+            </a:r>
+            <a:r>
+              <a:rPr lang="en-US" b="0" dirty="0" err="1">
+                <a:solidFill>
+                  <a:srgbClr val="4EC9B0"/>
+                </a:solidFill>
+                <a:effectLst/>
+                <a:latin typeface="Consolas" panose="020B0609020204030204" pitchFamily="49" charset="0"/>
+              </a:rPr>
+              <a:t>boolean</a:t>
+            </a:r>
+            <a:r>
+              <a:rPr lang="en-US" b="0" dirty="0">
+                <a:solidFill>
+                  <a:srgbClr val="D4D4D4"/>
+                </a:solidFill>
+                <a:effectLst/>
+                <a:latin typeface="Consolas" panose="020B0609020204030204" pitchFamily="49" charset="0"/>
+              </a:rPr>
+              <a:t> </a:t>
+            </a:r>
+            <a:r>
+              <a:rPr lang="en-US" b="0" dirty="0">
+                <a:solidFill>
+                  <a:srgbClr val="9CDCFE"/>
+                </a:solidFill>
+                <a:effectLst/>
+                <a:latin typeface="Consolas" panose="020B0609020204030204" pitchFamily="49" charset="0"/>
+              </a:rPr>
+              <a:t>pressed</a:t>
+            </a:r>
+            <a:r>
+              <a:rPr lang="en-US" b="0" dirty="0">
+                <a:solidFill>
+                  <a:srgbClr val="D4D4D4"/>
+                </a:solidFill>
+                <a:effectLst/>
+                <a:latin typeface="Consolas" panose="020B0609020204030204" pitchFamily="49" charset="0"/>
+              </a:rPr>
+              <a:t>)</a:t>
+            </a:r>
+          </a:p>
+          <a:p>
+            <a:r>
+              <a:rPr lang="en-US" dirty="0"/>
+              <a:t>In FrcTeleOp.java, add code to the </a:t>
+            </a:r>
+            <a:r>
+              <a:rPr lang="en-US" dirty="0" err="1"/>
+              <a:t>driversControllerButtonEvent</a:t>
+            </a:r>
+            <a:r>
+              <a:rPr lang="en-US" dirty="0"/>
+              <a:t> method to call </a:t>
+            </a:r>
+            <a:r>
+              <a:rPr lang="en-US" dirty="0" err="1"/>
+              <a:t>setXButtonState</a:t>
+            </a:r>
+            <a:r>
+              <a:rPr lang="en-US" dirty="0"/>
+              <a:t> enabling the LED pattern when button X is pressed, disabling it when button X is released.</a:t>
+            </a:r>
+          </a:p>
+          <a:p>
+            <a:r>
+              <a:rPr lang="en-US" dirty="0"/>
+              <a:t>Similarly, add code to call </a:t>
+            </a:r>
+            <a:r>
+              <a:rPr lang="en-US" dirty="0" err="1"/>
+              <a:t>setYButtonState</a:t>
+            </a:r>
+            <a:r>
+              <a:rPr lang="en-US" dirty="0"/>
+              <a:t> enabling the LED pattern when button Y is pressed, disabling it when button Y is released.</a:t>
+            </a:r>
+          </a:p>
+        </p:txBody>
+      </p:sp>
+    </p:spTree>
+    <p:extLst>
+      <p:ext uri="{BB962C8B-B14F-4D97-AF65-F5344CB8AC3E}">
+        <p14:creationId xmlns:p14="http://schemas.microsoft.com/office/powerpoint/2010/main" val="122600541"/>
       </p:ext>
     </p:extLst>
   </p:cSld>
@@ -22741,7 +27928,7 @@
         </p:spPr>
         <p:txBody>
           <a:bodyPr>
-            <a:normAutofit fontScale="92500" lnSpcReduction="20000"/>
+            <a:normAutofit fontScale="85000" lnSpcReduction="10000"/>
           </a:bodyPr>
           <a:lstStyle/>
           <a:p>
@@ -22873,7 +28060,7 @@
           <a:p>
             <a:r>
               <a:rPr lang="en-US" dirty="0"/>
-              <a:t>Popular methods:</a:t>
+              <a:t>Useful methods:</a:t>
             </a:r>
             <a:br>
               <a:rPr lang="en-US" dirty="0"/>
@@ -23091,7 +28278,17 @@
           <a:p>
             <a:r>
               <a:rPr lang="en-US" dirty="0"/>
-              <a:t>Format String: most commonly used substitutions are %d (for integers), %f (for floats and doubles) and %s (for strings). For %f, you can even specify decimal places (e.g. %6.3f).</a:t>
+              <a:t>Format String: most commonly used substitutions are %d (for decimal integers), %x (for hexadecimal integers), %f (for floats and doubles) and %s (for strings). For %f, you can even specify decimal places (e.g. %6.3f). For more info about format string, read </a:t>
+            </a:r>
+            <a:r>
+              <a:rPr lang="en-US" dirty="0">
+                <a:hlinkClick r:id="rId2"/>
+              </a:rPr>
+              <a:t>documentation here</a:t>
+            </a:r>
+            <a:r>
+              <a:rPr lang="en-US" dirty="0"/>
+              <a:t>.</a:t>
             </a:r>
           </a:p>
         </p:txBody>
@@ -23170,14 +28367,19 @@
             <p:ph idx="1"/>
           </p:nvPr>
         </p:nvSpPr>
-        <p:spPr/>
+        <p:spPr>
+          <a:xfrm>
+            <a:off x="638432" y="2603500"/>
+            <a:ext cx="10865709" cy="3416300"/>
+          </a:xfrm>
+        </p:spPr>
         <p:txBody>
           <a:bodyPr/>
           <a:lstStyle/>
           <a:p>
             <a:r>
               <a:rPr lang="en-US" dirty="0"/>
-              <a:t>In FrcTeleOp.java, add code to print to the console the square root values of 1 to 100 without using any loops (hint: use the periodic method). Use the following methods:</a:t>
+              <a:t>In FrcTeleOp.java, add code in the periodic method to print to the console the square root values of 1 to 100. Useful methods are:</a:t>
             </a:r>
           </a:p>
           <a:p>
@@ -23416,7 +28618,7 @@
             <a:pPr lvl="1"/>
             <a:r>
               <a:rPr lang="en-US" dirty="0"/>
-              <a:t>Simulates a 16-line LCD display where code can put information in a specified line on the simulated display.</a:t>
+              <a:t>Simulates a 16-line LCD display where code can put information in a specified line on the simulated LCD display.</a:t>
             </a:r>
           </a:p>
           <a:p>
@@ -23444,7 +28646,7 @@
           <a:p>
             <a:r>
               <a:rPr lang="en-US" dirty="0"/>
-              <a:t>Popular methods:</a:t>
+              <a:t>Useful methods:</a:t>
             </a:r>
             <a:br>
               <a:rPr lang="en-US" dirty="0"/>
@@ -23686,14 +28888,19 @@
             <p:ph idx="1"/>
           </p:nvPr>
         </p:nvSpPr>
-        <p:spPr/>
+        <p:spPr>
+          <a:xfrm>
+            <a:off x="613720" y="2603500"/>
+            <a:ext cx="10923372" cy="3416300"/>
+          </a:xfrm>
+        </p:spPr>
         <p:txBody>
           <a:bodyPr/>
           <a:lstStyle/>
           <a:p>
             <a:r>
               <a:rPr lang="en-US" dirty="0"/>
-              <a:t>In FrcTeleOp.java, add code to print the </a:t>
+              <a:t>In FrcTeleOp.java, add code in the periodic method to print the </a:t>
             </a:r>
             <a:r>
               <a:rPr lang="en-US" dirty="0" err="1"/>
@@ -23701,7 +28908,7 @@
             </a:r>
             <a:r>
               <a:rPr lang="en-US" dirty="0"/>
-              <a:t> running match time to line 1 of the dashboard (hint: use the periodic method). Use the following methods:</a:t>
+              <a:t> running match time on the dashboard. Useful methods are:</a:t>
             </a:r>
           </a:p>
           <a:p>
@@ -23728,7 +28935,7 @@
             </a:r>
             <a:r>
               <a:rPr lang="en-US" dirty="0"/>
-              <a:t> parameter in periodic</a:t>
+              <a:t> parameter in the periodic method.</a:t>
             </a:r>
           </a:p>
         </p:txBody>
@@ -23786,7 +28993,7 @@
           <a:p>
             <a:r>
               <a:rPr lang="en-US" dirty="0"/>
-              <a:t>Input: Game Controllers</a:t>
+              <a:t>Game Controllers</a:t>
             </a:r>
           </a:p>
         </p:txBody>
@@ -23863,7 +29070,7 @@
             <a:pPr lvl="1"/>
             <a:r>
               <a:rPr lang="en-US" dirty="0"/>
-              <a:t>A number of analog throttles/twists.</a:t>
+              <a:t>A number of analog throttles/twists/triggers.</a:t>
             </a:r>
           </a:p>
           <a:p>
